--- a/Concept.pptx
+++ b/Concept.pptx
@@ -5,13 +5,14 @@
     <p:sldMasterId id="2147483686" r:id="rId1"/>
   </p:sldMasterIdLst>
   <p:notesMasterIdLst>
-    <p:notesMasterId r:id="rId6"/>
+    <p:notesMasterId r:id="rId7"/>
   </p:notesMasterIdLst>
   <p:sldIdLst>
     <p:sldId id="256" r:id="rId2"/>
     <p:sldId id="257" r:id="rId3"/>
     <p:sldId id="258" r:id="rId4"/>
-    <p:sldId id="259" r:id="rId5"/>
+    <p:sldId id="260" r:id="rId5"/>
+    <p:sldId id="259" r:id="rId6"/>
   </p:sldIdLst>
   <p:sldSz cx="12192000" cy="6858000"/>
   <p:notesSz cx="6858000" cy="9144000"/>
@@ -110,6 +111,11 @@
       </a:defRPr>
     </a:lvl9pPr>
   </p:defaultTextStyle>
+  <p:extLst>
+    <p:ext uri="{EFAFB233-063F-42B5-8137-9DF3F51BA10A}">
+      <p15:sldGuideLst xmlns:p15="http://schemas.microsoft.com/office/powerpoint/2012/main"/>
+    </p:ext>
+  </p:extLst>
 </p:presentation>
 </file>
 
@@ -195,7 +201,7 @@
           <a:p>
             <a:fld id="{2E07B6BC-D135-4488-9E1A-92A377D5D966}" type="datetimeFigureOut">
               <a:rPr lang="fr-FR" smtClean="0"/>
-              <a:t>07/10/2025</a:t>
+              <a:t>21/10/2025</a:t>
             </a:fld>
             <a:endParaRPr lang="fr-FR"/>
           </a:p>
@@ -699,7 +705,7 @@
           <a:p>
             <a:fld id="{D1D1EADE-8E88-4C7C-8AC5-FB148DE4940E}" type="datetime1">
               <a:rPr lang="en-US" smtClean="0"/>
-              <a:t>10/7/2025</a:t>
+              <a:t>10/21/2025</a:t>
             </a:fld>
             <a:endParaRPr lang="en-US"/>
           </a:p>
@@ -899,7 +905,7 @@
           <a:p>
             <a:fld id="{EC3C8B9C-477D-492A-96AD-1FC2CC997A73}" type="datetime1">
               <a:rPr lang="en-US" smtClean="0"/>
-              <a:t>10/7/2025</a:t>
+              <a:t>10/21/2025</a:t>
             </a:fld>
             <a:endParaRPr lang="en-US"/>
           </a:p>
@@ -1109,7 +1115,7 @@
           <a:p>
             <a:fld id="{42D3AED5-E26D-4E29-B1B3-7847B6779594}" type="datetime1">
               <a:rPr lang="en-US" smtClean="0"/>
-              <a:t>10/7/2025</a:t>
+              <a:t>10/21/2025</a:t>
             </a:fld>
             <a:endParaRPr lang="en-US"/>
           </a:p>
@@ -1309,7 +1315,7 @@
           <a:p>
             <a:fld id="{157B6794-849E-4626-908B-D15793550EFB}" type="datetime1">
               <a:rPr lang="en-US" smtClean="0"/>
-              <a:t>10/7/2025</a:t>
+              <a:t>10/21/2025</a:t>
             </a:fld>
             <a:endParaRPr lang="en-US"/>
           </a:p>
@@ -1585,7 +1591,7 @@
           <a:p>
             <a:fld id="{63DB64E7-5594-42A3-ADBF-E95A7ACEAD64}" type="datetime1">
               <a:rPr lang="en-US" smtClean="0"/>
-              <a:t>10/7/2025</a:t>
+              <a:t>10/21/2025</a:t>
             </a:fld>
             <a:endParaRPr lang="en-US"/>
           </a:p>
@@ -1858,7 +1864,7 @@
           <a:p>
             <a:fld id="{18462B0B-D248-4FFB-8695-AD7FA4B1284A}" type="datetime1">
               <a:rPr lang="en-US" smtClean="0"/>
-              <a:t>10/7/2025</a:t>
+              <a:t>10/21/2025</a:t>
             </a:fld>
             <a:endParaRPr lang="en-US"/>
           </a:p>
@@ -2281,7 +2287,7 @@
           <a:p>
             <a:fld id="{D0378EFB-9159-4510-B73F-4F0409ADE937}" type="datetime1">
               <a:rPr lang="en-US" smtClean="0"/>
-              <a:t>10/7/2025</a:t>
+              <a:t>10/21/2025</a:t>
             </a:fld>
             <a:endParaRPr lang="en-US"/>
           </a:p>
@@ -2423,7 +2429,7 @@
           <a:p>
             <a:fld id="{89BC9412-2452-4BED-A324-9D8C115361AD}" type="datetime1">
               <a:rPr lang="en-US" smtClean="0"/>
-              <a:t>10/7/2025</a:t>
+              <a:t>10/21/2025</a:t>
             </a:fld>
             <a:endParaRPr lang="en-US"/>
           </a:p>
@@ -2536,7 +2542,7 @@
           <a:p>
             <a:fld id="{F5318F62-D251-40E8-A23C-F4CFE9FEAB41}" type="datetime1">
               <a:rPr lang="en-US" smtClean="0"/>
-              <a:t>10/7/2025</a:t>
+              <a:t>10/21/2025</a:t>
             </a:fld>
             <a:endParaRPr lang="en-US"/>
           </a:p>
@@ -2849,7 +2855,7 @@
           <a:p>
             <a:fld id="{44F76144-149E-4874-93A5-554A0357CF82}" type="datetime1">
               <a:rPr lang="en-US" smtClean="0"/>
-              <a:t>10/7/2025</a:t>
+              <a:t>10/21/2025</a:t>
             </a:fld>
             <a:endParaRPr lang="en-US"/>
           </a:p>
@@ -3142,7 +3148,7 @@
           <a:p>
             <a:fld id="{50BA65D8-0540-4835-AE5C-25D29DBA01BE}" type="datetime1">
               <a:rPr lang="en-US" smtClean="0"/>
-              <a:t>10/7/2025</a:t>
+              <a:t>10/21/2025</a:t>
             </a:fld>
             <a:endParaRPr lang="en-US"/>
           </a:p>
@@ -3384,7 +3390,7 @@
           <a:p>
             <a:fld id="{E31BA835-12AC-4E8F-955A-EA3F4DE2791F}" type="datetime1">
               <a:rPr lang="en-US" smtClean="0"/>
-              <a:t>10/7/2025</a:t>
+              <a:t>10/21/2025</a:t>
             </a:fld>
             <a:endParaRPr lang="en-US"/>
           </a:p>
@@ -5544,6 +5550,523 @@
 </file>
 
 <file path=ppt/slides/slide4.xml><?xml version="1.0" encoding="utf-8"?>
+<p:sld xmlns:a="http://schemas.openxmlformats.org/drawingml/2006/main" xmlns:r="http://schemas.openxmlformats.org/officeDocument/2006/relationships" xmlns:p="http://schemas.openxmlformats.org/presentationml/2006/main">
+  <p:cSld>
+    <p:spTree>
+      <p:nvGrpSpPr>
+        <p:cNvPr id="1" name=""/>
+        <p:cNvGrpSpPr/>
+        <p:nvPr/>
+      </p:nvGrpSpPr>
+      <p:grpSpPr>
+        <a:xfrm>
+          <a:off x="0" y="0"/>
+          <a:ext cx="0" cy="0"/>
+          <a:chOff x="0" y="0"/>
+          <a:chExt cx="0" cy="0"/>
+        </a:xfrm>
+      </p:grpSpPr>
+      <p:sp>
+        <p:nvSpPr>
+          <p:cNvPr id="4" name="Rectangle 3">
+            <a:extLst>
+              <a:ext uri="{FF2B5EF4-FFF2-40B4-BE49-F238E27FC236}">
+                <a16:creationId xmlns:a16="http://schemas.microsoft.com/office/drawing/2014/main" id="{76DF09A2-BA16-9C7D-29A7-92033FAA8037}"/>
+              </a:ext>
+            </a:extLst>
+          </p:cNvPr>
+          <p:cNvSpPr/>
+          <p:nvPr/>
+        </p:nvSpPr>
+        <p:spPr>
+          <a:xfrm>
+            <a:off x="1010065" y="2020940"/>
+            <a:ext cx="2240224" cy="3241053"/>
+          </a:xfrm>
+          <a:prstGeom prst="rect">
+            <a:avLst/>
+          </a:prstGeom>
+          <a:solidFill>
+            <a:schemeClr val="bg2">
+              <a:lumMod val="75000"/>
+            </a:schemeClr>
+          </a:solidFill>
+          <a:ln w="12700" cap="flat" cmpd="sng" algn="ctr">
+            <a:noFill/>
+            <a:prstDash val="solid"/>
+            <a:miter lim="800000"/>
+          </a:ln>
+          <a:effectLst/>
+        </p:spPr>
+        <p:style>
+          <a:lnRef idx="2">
+            <a:schemeClr val="accent1">
+              <a:shade val="50000"/>
+            </a:schemeClr>
+          </a:lnRef>
+          <a:fillRef idx="1">
+            <a:schemeClr val="accent1"/>
+          </a:fillRef>
+          <a:effectRef idx="0">
+            <a:schemeClr val="accent1"/>
+          </a:effectRef>
+          <a:fontRef idx="minor">
+            <a:schemeClr val="lt1"/>
+          </a:fontRef>
+        </p:style>
+        <p:txBody>
+          <a:bodyPr rtlCol="0" anchor="ctr"/>
+          <a:lstStyle/>
+          <a:p>
+            <a:pPr algn="ctr"/>
+            <a:r>
+              <a:rPr lang="fr-FR" dirty="0"/>
+              <a:t>Console / utilisateur</a:t>
+            </a:r>
+          </a:p>
+        </p:txBody>
+      </p:sp>
+      <p:sp>
+        <p:nvSpPr>
+          <p:cNvPr id="5" name="Rectangle 4">
+            <a:extLst>
+              <a:ext uri="{FF2B5EF4-FFF2-40B4-BE49-F238E27FC236}">
+                <a16:creationId xmlns:a16="http://schemas.microsoft.com/office/drawing/2014/main" id="{C32230BE-105E-3B6E-D0C3-FB7D48CAFCEC}"/>
+              </a:ext>
+            </a:extLst>
+          </p:cNvPr>
+          <p:cNvSpPr/>
+          <p:nvPr/>
+        </p:nvSpPr>
+        <p:spPr>
+          <a:xfrm>
+            <a:off x="4386999" y="3059686"/>
+            <a:ext cx="2268112" cy="1016962"/>
+          </a:xfrm>
+          <a:prstGeom prst="rect">
+            <a:avLst/>
+          </a:prstGeom>
+          <a:solidFill>
+            <a:schemeClr val="tx2">
+              <a:lumMod val="50000"/>
+              <a:lumOff val="50000"/>
+            </a:schemeClr>
+          </a:solidFill>
+          <a:ln w="12700" cap="flat" cmpd="sng" algn="ctr">
+            <a:noFill/>
+            <a:prstDash val="solid"/>
+            <a:miter lim="800000"/>
+          </a:ln>
+          <a:effectLst/>
+        </p:spPr>
+        <p:style>
+          <a:lnRef idx="2">
+            <a:schemeClr val="accent1">
+              <a:shade val="50000"/>
+            </a:schemeClr>
+          </a:lnRef>
+          <a:fillRef idx="1">
+            <a:schemeClr val="accent1"/>
+          </a:fillRef>
+          <a:effectRef idx="0">
+            <a:schemeClr val="accent1"/>
+          </a:effectRef>
+          <a:fontRef idx="minor">
+            <a:schemeClr val="lt1"/>
+          </a:fontRef>
+        </p:style>
+        <p:txBody>
+          <a:bodyPr rtlCol="0" anchor="ctr"/>
+          <a:lstStyle/>
+          <a:p>
+            <a:pPr algn="ctr"/>
+            <a:r>
+              <a:rPr lang="fr-FR" dirty="0"/>
+              <a:t>Agent de décision</a:t>
+            </a:r>
+          </a:p>
+        </p:txBody>
+      </p:sp>
+      <p:sp>
+        <p:nvSpPr>
+          <p:cNvPr id="6" name="Ellipse 5">
+            <a:extLst>
+              <a:ext uri="{FF2B5EF4-FFF2-40B4-BE49-F238E27FC236}">
+                <a16:creationId xmlns:a16="http://schemas.microsoft.com/office/drawing/2014/main" id="{939F036E-D347-17BA-2BD7-4A4B6BF2C5E6}"/>
+              </a:ext>
+            </a:extLst>
+          </p:cNvPr>
+          <p:cNvSpPr/>
+          <p:nvPr/>
+        </p:nvSpPr>
+        <p:spPr>
+          <a:xfrm>
+            <a:off x="7290520" y="4554573"/>
+            <a:ext cx="1901432" cy="1080558"/>
+          </a:xfrm>
+          <a:prstGeom prst="ellipse">
+            <a:avLst/>
+          </a:prstGeom>
+          <a:solidFill>
+            <a:schemeClr val="tx2">
+              <a:lumMod val="50000"/>
+              <a:lumOff val="50000"/>
+            </a:schemeClr>
+          </a:solidFill>
+          <a:ln w="12700" cap="flat" cmpd="sng" algn="ctr">
+            <a:noFill/>
+            <a:prstDash val="solid"/>
+            <a:miter lim="800000"/>
+          </a:ln>
+          <a:effectLst/>
+        </p:spPr>
+        <p:style>
+          <a:lnRef idx="2">
+            <a:schemeClr val="accent1">
+              <a:shade val="50000"/>
+            </a:schemeClr>
+          </a:lnRef>
+          <a:fillRef idx="1">
+            <a:schemeClr val="accent1"/>
+          </a:fillRef>
+          <a:effectRef idx="0">
+            <a:schemeClr val="accent1"/>
+          </a:effectRef>
+          <a:fontRef idx="minor">
+            <a:schemeClr val="lt1"/>
+          </a:fontRef>
+        </p:style>
+        <p:txBody>
+          <a:bodyPr rtlCol="0" anchor="ctr"/>
+          <a:lstStyle/>
+          <a:p>
+            <a:pPr algn="ctr"/>
+            <a:r>
+              <a:rPr lang="fr-FR" dirty="0"/>
+              <a:t>Agent histoire</a:t>
+            </a:r>
+          </a:p>
+        </p:txBody>
+      </p:sp>
+      <p:sp>
+        <p:nvSpPr>
+          <p:cNvPr id="7" name="Ellipse 6">
+            <a:extLst>
+              <a:ext uri="{FF2B5EF4-FFF2-40B4-BE49-F238E27FC236}">
+                <a16:creationId xmlns:a16="http://schemas.microsoft.com/office/drawing/2014/main" id="{AA02259E-4FF2-70BB-06A3-73C8E2C0995D}"/>
+              </a:ext>
+            </a:extLst>
+          </p:cNvPr>
+          <p:cNvSpPr/>
+          <p:nvPr/>
+        </p:nvSpPr>
+        <p:spPr>
+          <a:xfrm>
+            <a:off x="7290520" y="1328773"/>
+            <a:ext cx="1901432" cy="1080558"/>
+          </a:xfrm>
+          <a:prstGeom prst="ellipse">
+            <a:avLst/>
+          </a:prstGeom>
+          <a:solidFill>
+            <a:schemeClr val="tx2">
+              <a:lumMod val="50000"/>
+              <a:lumOff val="50000"/>
+            </a:schemeClr>
+          </a:solidFill>
+          <a:ln w="12700" cap="flat" cmpd="sng" algn="ctr">
+            <a:noFill/>
+            <a:prstDash val="solid"/>
+            <a:miter lim="800000"/>
+          </a:ln>
+          <a:effectLst/>
+        </p:spPr>
+        <p:style>
+          <a:lnRef idx="2">
+            <a:schemeClr val="accent1">
+              <a:shade val="50000"/>
+            </a:schemeClr>
+          </a:lnRef>
+          <a:fillRef idx="1">
+            <a:schemeClr val="accent1"/>
+          </a:fillRef>
+          <a:effectRef idx="0">
+            <a:schemeClr val="accent1"/>
+          </a:effectRef>
+          <a:fontRef idx="minor">
+            <a:schemeClr val="lt1"/>
+          </a:fontRef>
+        </p:style>
+        <p:txBody>
+          <a:bodyPr rtlCol="0" anchor="ctr"/>
+          <a:lstStyle/>
+          <a:p>
+            <a:pPr algn="ctr"/>
+            <a:r>
+              <a:rPr lang="fr-FR" dirty="0"/>
+              <a:t>Agent Entité</a:t>
+            </a:r>
+          </a:p>
+        </p:txBody>
+      </p:sp>
+      <p:cxnSp>
+        <p:nvCxnSpPr>
+          <p:cNvPr id="8" name="Connecteur droit avec flèche 7">
+            <a:extLst>
+              <a:ext uri="{FF2B5EF4-FFF2-40B4-BE49-F238E27FC236}">
+                <a16:creationId xmlns:a16="http://schemas.microsoft.com/office/drawing/2014/main" id="{53811ACE-49C6-D1A4-97D4-2DAB873CFC2A}"/>
+              </a:ext>
+            </a:extLst>
+          </p:cNvPr>
+          <p:cNvCxnSpPr>
+            <a:cxnSpLocks/>
+          </p:cNvCxnSpPr>
+          <p:nvPr/>
+        </p:nvCxnSpPr>
+        <p:spPr>
+          <a:xfrm>
+            <a:off x="3097038" y="3463125"/>
+            <a:ext cx="1489738" cy="0"/>
+          </a:xfrm>
+          <a:prstGeom prst="straightConnector1">
+            <a:avLst/>
+          </a:prstGeom>
+          <a:ln>
+            <a:solidFill>
+              <a:schemeClr val="tx1"/>
+            </a:solidFill>
+            <a:tailEnd type="triangle"/>
+          </a:ln>
+        </p:spPr>
+        <p:style>
+          <a:lnRef idx="1">
+            <a:schemeClr val="accent1"/>
+          </a:lnRef>
+          <a:fillRef idx="0">
+            <a:schemeClr val="accent1"/>
+          </a:fillRef>
+          <a:effectRef idx="0">
+            <a:schemeClr val="accent1"/>
+          </a:effectRef>
+          <a:fontRef idx="minor">
+            <a:schemeClr val="tx1"/>
+          </a:fontRef>
+        </p:style>
+      </p:cxnSp>
+      <p:sp>
+        <p:nvSpPr>
+          <p:cNvPr id="9" name="ZoneTexte 8">
+            <a:extLst>
+              <a:ext uri="{FF2B5EF4-FFF2-40B4-BE49-F238E27FC236}">
+                <a16:creationId xmlns:a16="http://schemas.microsoft.com/office/drawing/2014/main" id="{F781571A-8156-0C44-2045-7174D5728C3D}"/>
+              </a:ext>
+            </a:extLst>
+          </p:cNvPr>
+          <p:cNvSpPr txBox="1"/>
+          <p:nvPr/>
+        </p:nvSpPr>
+        <p:spPr>
+          <a:xfrm>
+            <a:off x="3448220" y="3167390"/>
+            <a:ext cx="938779" cy="261610"/>
+          </a:xfrm>
+          <a:prstGeom prst="rect">
+            <a:avLst/>
+          </a:prstGeom>
+          <a:noFill/>
+        </p:spPr>
+        <p:txBody>
+          <a:bodyPr wrap="square" rtlCol="0">
+            <a:spAutoFit/>
+          </a:bodyPr>
+          <a:lstStyle/>
+          <a:p>
+            <a:r>
+              <a:rPr lang="fr-FR" sz="1100" dirty="0"/>
+              <a:t>Prompt</a:t>
+            </a:r>
+          </a:p>
+        </p:txBody>
+      </p:sp>
+      <p:cxnSp>
+        <p:nvCxnSpPr>
+          <p:cNvPr id="11" name="Connecteur droit avec flèche 10">
+            <a:extLst>
+              <a:ext uri="{FF2B5EF4-FFF2-40B4-BE49-F238E27FC236}">
+                <a16:creationId xmlns:a16="http://schemas.microsoft.com/office/drawing/2014/main" id="{18FDF5BE-0E63-238A-F4D8-489BD7BD9850}"/>
+              </a:ext>
+            </a:extLst>
+          </p:cNvPr>
+          <p:cNvCxnSpPr>
+            <a:cxnSpLocks/>
+          </p:cNvCxnSpPr>
+          <p:nvPr/>
+        </p:nvCxnSpPr>
+        <p:spPr>
+          <a:xfrm rot="18919107">
+            <a:off x="6260266" y="2643625"/>
+            <a:ext cx="1489738" cy="0"/>
+          </a:xfrm>
+          <a:prstGeom prst="straightConnector1">
+            <a:avLst/>
+          </a:prstGeom>
+          <a:ln>
+            <a:solidFill>
+              <a:schemeClr val="tx1"/>
+            </a:solidFill>
+            <a:tailEnd type="triangle"/>
+          </a:ln>
+        </p:spPr>
+        <p:style>
+          <a:lnRef idx="1">
+            <a:schemeClr val="accent1"/>
+          </a:lnRef>
+          <a:fillRef idx="0">
+            <a:schemeClr val="accent1"/>
+          </a:fillRef>
+          <a:effectRef idx="0">
+            <a:schemeClr val="accent1"/>
+          </a:effectRef>
+          <a:fontRef idx="minor">
+            <a:schemeClr val="tx1"/>
+          </a:fontRef>
+        </p:style>
+      </p:cxnSp>
+      <p:sp>
+        <p:nvSpPr>
+          <p:cNvPr id="12" name="ZoneTexte 11">
+            <a:extLst>
+              <a:ext uri="{FF2B5EF4-FFF2-40B4-BE49-F238E27FC236}">
+                <a16:creationId xmlns:a16="http://schemas.microsoft.com/office/drawing/2014/main" id="{96CC0E75-198B-5CA3-40FD-D05B0C468B0E}"/>
+              </a:ext>
+            </a:extLst>
+          </p:cNvPr>
+          <p:cNvSpPr txBox="1"/>
+          <p:nvPr/>
+        </p:nvSpPr>
+        <p:spPr>
+          <a:xfrm rot="18919107">
+            <a:off x="6413626" y="2193887"/>
+            <a:ext cx="938779" cy="430887"/>
+          </a:xfrm>
+          <a:prstGeom prst="rect">
+            <a:avLst/>
+          </a:prstGeom>
+          <a:noFill/>
+        </p:spPr>
+        <p:txBody>
+          <a:bodyPr wrap="square" rtlCol="0">
+            <a:spAutoFit/>
+          </a:bodyPr>
+          <a:lstStyle/>
+          <a:p>
+            <a:pPr algn="ctr"/>
+            <a:r>
+              <a:rPr lang="fr-FR" sz="1100" dirty="0"/>
+              <a:t>Si </a:t>
+            </a:r>
+            <a:r>
+              <a:rPr lang="fr-FR" sz="1100" dirty="0" err="1"/>
+              <a:t>intéraction</a:t>
+            </a:r>
+            <a:endParaRPr lang="fr-FR" sz="1100" dirty="0"/>
+          </a:p>
+        </p:txBody>
+      </p:sp>
+      <p:cxnSp>
+        <p:nvCxnSpPr>
+          <p:cNvPr id="15" name="Connecteur droit avec flèche 14">
+            <a:extLst>
+              <a:ext uri="{FF2B5EF4-FFF2-40B4-BE49-F238E27FC236}">
+                <a16:creationId xmlns:a16="http://schemas.microsoft.com/office/drawing/2014/main" id="{F47515FE-7FD1-70A6-AC3C-7C5A92397836}"/>
+              </a:ext>
+            </a:extLst>
+          </p:cNvPr>
+          <p:cNvCxnSpPr>
+            <a:cxnSpLocks/>
+          </p:cNvCxnSpPr>
+          <p:nvPr/>
+        </p:nvCxnSpPr>
+        <p:spPr>
+          <a:xfrm rot="2201372">
+            <a:off x="6357882" y="4310943"/>
+            <a:ext cx="1489738" cy="0"/>
+          </a:xfrm>
+          <a:prstGeom prst="straightConnector1">
+            <a:avLst/>
+          </a:prstGeom>
+          <a:ln>
+            <a:solidFill>
+              <a:schemeClr val="tx1"/>
+            </a:solidFill>
+            <a:tailEnd type="triangle"/>
+          </a:ln>
+        </p:spPr>
+        <p:style>
+          <a:lnRef idx="1">
+            <a:schemeClr val="accent1"/>
+          </a:lnRef>
+          <a:fillRef idx="0">
+            <a:schemeClr val="accent1"/>
+          </a:fillRef>
+          <a:effectRef idx="0">
+            <a:schemeClr val="accent1"/>
+          </a:effectRef>
+          <a:fontRef idx="minor">
+            <a:schemeClr val="tx1"/>
+          </a:fontRef>
+        </p:style>
+      </p:cxnSp>
+      <p:sp>
+        <p:nvSpPr>
+          <p:cNvPr id="16" name="ZoneTexte 15">
+            <a:extLst>
+              <a:ext uri="{FF2B5EF4-FFF2-40B4-BE49-F238E27FC236}">
+                <a16:creationId xmlns:a16="http://schemas.microsoft.com/office/drawing/2014/main" id="{7BCE78E9-8780-E33E-987D-19FA6D77AC44}"/>
+              </a:ext>
+            </a:extLst>
+          </p:cNvPr>
+          <p:cNvSpPr txBox="1"/>
+          <p:nvPr/>
+        </p:nvSpPr>
+        <p:spPr>
+          <a:xfrm rot="2201372">
+            <a:off x="6776113" y="4101412"/>
+            <a:ext cx="938779" cy="261610"/>
+          </a:xfrm>
+          <a:prstGeom prst="rect">
+            <a:avLst/>
+          </a:prstGeom>
+          <a:noFill/>
+        </p:spPr>
+        <p:txBody>
+          <a:bodyPr wrap="square" rtlCol="0">
+            <a:spAutoFit/>
+          </a:bodyPr>
+          <a:lstStyle/>
+          <a:p>
+            <a:pPr algn="ctr"/>
+            <a:r>
+              <a:rPr lang="fr-FR" sz="1100" dirty="0"/>
+              <a:t>Si dialogue</a:t>
+            </a:r>
+          </a:p>
+        </p:txBody>
+      </p:sp>
+    </p:spTree>
+    <p:extLst>
+      <p:ext uri="{BB962C8B-B14F-4D97-AF65-F5344CB8AC3E}">
+        <p14:creationId xmlns:p14="http://schemas.microsoft.com/office/powerpoint/2010/main" val="3872452799"/>
+      </p:ext>
+    </p:extLst>
+  </p:cSld>
+  <p:clrMapOvr>
+    <a:masterClrMapping/>
+  </p:clrMapOvr>
+</p:sld>
+</file>
+
+<file path=ppt/slides/slide5.xml><?xml version="1.0" encoding="utf-8"?>
 <p:sld xmlns:a="http://schemas.openxmlformats.org/drawingml/2006/main" xmlns:r="http://schemas.openxmlformats.org/officeDocument/2006/relationships" xmlns:p="http://schemas.openxmlformats.org/presentationml/2006/main">
   <p:cSld>
     <p:spTree>

--- a/Concept.pptx
+++ b/Concept.pptx
@@ -5,14 +5,17 @@
     <p:sldMasterId id="2147483686" r:id="rId1"/>
   </p:sldMasterIdLst>
   <p:notesMasterIdLst>
-    <p:notesMasterId r:id="rId7"/>
+    <p:notesMasterId r:id="rId10"/>
   </p:notesMasterIdLst>
   <p:sldIdLst>
     <p:sldId id="256" r:id="rId2"/>
     <p:sldId id="257" r:id="rId3"/>
-    <p:sldId id="258" r:id="rId4"/>
-    <p:sldId id="260" r:id="rId5"/>
-    <p:sldId id="259" r:id="rId6"/>
+    <p:sldId id="261" r:id="rId4"/>
+    <p:sldId id="258" r:id="rId5"/>
+    <p:sldId id="260" r:id="rId6"/>
+    <p:sldId id="264" r:id="rId7"/>
+    <p:sldId id="262" r:id="rId8"/>
+    <p:sldId id="263" r:id="rId9"/>
   </p:sldIdLst>
   <p:sldSz cx="12192000" cy="6858000"/>
   <p:notesSz cx="6858000" cy="9144000"/>
@@ -201,7 +204,7 @@
           <a:p>
             <a:fld id="{2E07B6BC-D135-4488-9E1A-92A377D5D966}" type="datetimeFigureOut">
               <a:rPr lang="fr-FR" smtClean="0"/>
-              <a:t>21/10/2025</a:t>
+              <a:t>02/11/2025</a:t>
             </a:fld>
             <a:endParaRPr lang="fr-FR"/>
           </a:p>
@@ -496,6 +499,13 @@
           </p:nvPr>
         </p:nvSpPr>
         <p:spPr/>
+        <p:txBody>
+          <a:bodyPr/>
+          <a:lstStyle/>
+          <a:p>
+            <a:endParaRPr lang="fr-FR"/>
+          </a:p>
+        </p:txBody>
       </p:sp>
       <p:sp>
         <p:nvSpPr>
@@ -533,7 +543,7 @@
           <a:p>
             <a:fld id="{C1CEB417-484F-47D9-90FB-8DB442D96883}" type="slidenum">
               <a:rPr lang="fr-FR" smtClean="0"/>
-              <a:t>3</a:t>
+              <a:t>4</a:t>
             </a:fld>
             <a:endParaRPr lang="fr-FR"/>
           </a:p>
@@ -705,7 +715,7 @@
           <a:p>
             <a:fld id="{D1D1EADE-8E88-4C7C-8AC5-FB148DE4940E}" type="datetime1">
               <a:rPr lang="en-US" smtClean="0"/>
-              <a:t>10/21/2025</a:t>
+              <a:t>11/2/2025</a:t>
             </a:fld>
             <a:endParaRPr lang="en-US"/>
           </a:p>
@@ -905,7 +915,7 @@
           <a:p>
             <a:fld id="{EC3C8B9C-477D-492A-96AD-1FC2CC997A73}" type="datetime1">
               <a:rPr lang="en-US" smtClean="0"/>
-              <a:t>10/21/2025</a:t>
+              <a:t>11/2/2025</a:t>
             </a:fld>
             <a:endParaRPr lang="en-US"/>
           </a:p>
@@ -1115,7 +1125,7 @@
           <a:p>
             <a:fld id="{42D3AED5-E26D-4E29-B1B3-7847B6779594}" type="datetime1">
               <a:rPr lang="en-US" smtClean="0"/>
-              <a:t>10/21/2025</a:t>
+              <a:t>11/2/2025</a:t>
             </a:fld>
             <a:endParaRPr lang="en-US"/>
           </a:p>
@@ -1315,7 +1325,7 @@
           <a:p>
             <a:fld id="{157B6794-849E-4626-908B-D15793550EFB}" type="datetime1">
               <a:rPr lang="en-US" smtClean="0"/>
-              <a:t>10/21/2025</a:t>
+              <a:t>11/2/2025</a:t>
             </a:fld>
             <a:endParaRPr lang="en-US"/>
           </a:p>
@@ -1591,7 +1601,7 @@
           <a:p>
             <a:fld id="{63DB64E7-5594-42A3-ADBF-E95A7ACEAD64}" type="datetime1">
               <a:rPr lang="en-US" smtClean="0"/>
-              <a:t>10/21/2025</a:t>
+              <a:t>11/2/2025</a:t>
             </a:fld>
             <a:endParaRPr lang="en-US"/>
           </a:p>
@@ -1864,7 +1874,7 @@
           <a:p>
             <a:fld id="{18462B0B-D248-4FFB-8695-AD7FA4B1284A}" type="datetime1">
               <a:rPr lang="en-US" smtClean="0"/>
-              <a:t>10/21/2025</a:t>
+              <a:t>11/2/2025</a:t>
             </a:fld>
             <a:endParaRPr lang="en-US"/>
           </a:p>
@@ -2287,7 +2297,7 @@
           <a:p>
             <a:fld id="{D0378EFB-9159-4510-B73F-4F0409ADE937}" type="datetime1">
               <a:rPr lang="en-US" smtClean="0"/>
-              <a:t>10/21/2025</a:t>
+              <a:t>11/2/2025</a:t>
             </a:fld>
             <a:endParaRPr lang="en-US"/>
           </a:p>
@@ -2429,7 +2439,7 @@
           <a:p>
             <a:fld id="{89BC9412-2452-4BED-A324-9D8C115361AD}" type="datetime1">
               <a:rPr lang="en-US" smtClean="0"/>
-              <a:t>10/21/2025</a:t>
+              <a:t>11/2/2025</a:t>
             </a:fld>
             <a:endParaRPr lang="en-US"/>
           </a:p>
@@ -2542,7 +2552,7 @@
           <a:p>
             <a:fld id="{F5318F62-D251-40E8-A23C-F4CFE9FEAB41}" type="datetime1">
               <a:rPr lang="en-US" smtClean="0"/>
-              <a:t>10/21/2025</a:t>
+              <a:t>11/2/2025</a:t>
             </a:fld>
             <a:endParaRPr lang="en-US"/>
           </a:p>
@@ -2855,7 +2865,7 @@
           <a:p>
             <a:fld id="{44F76144-149E-4874-93A5-554A0357CF82}" type="datetime1">
               <a:rPr lang="en-US" smtClean="0"/>
-              <a:t>10/21/2025</a:t>
+              <a:t>11/2/2025</a:t>
             </a:fld>
             <a:endParaRPr lang="en-US"/>
           </a:p>
@@ -3148,7 +3158,7 @@
           <a:p>
             <a:fld id="{50BA65D8-0540-4835-AE5C-25D29DBA01BE}" type="datetime1">
               <a:rPr lang="en-US" smtClean="0"/>
-              <a:t>10/21/2025</a:t>
+              <a:t>11/2/2025</a:t>
             </a:fld>
             <a:endParaRPr lang="en-US"/>
           </a:p>
@@ -3390,7 +3400,7 @@
           <a:p>
             <a:fld id="{E31BA835-12AC-4E8F-955A-EA3F4DE2791F}" type="datetime1">
               <a:rPr lang="en-US" smtClean="0"/>
-              <a:t>10/21/2025</a:t>
+              <a:t>11/2/2025</a:t>
             </a:fld>
             <a:endParaRPr lang="en-US"/>
           </a:p>
@@ -3993,8 +4003,8 @@
         </p:nvSpPr>
         <p:spPr>
           <a:xfrm>
-            <a:off x="703400" y="871758"/>
-            <a:ext cx="5227171" cy="3871143"/>
+            <a:off x="703400" y="871759"/>
+            <a:ext cx="5227171" cy="2176242"/>
           </a:xfrm>
         </p:spPr>
         <p:txBody>
@@ -4004,8 +4014,12 @@
           <a:lstStyle/>
           <a:p>
             <a:r>
-              <a:rPr lang="fr-FR" dirty="0"/>
-              <a:t>Projet Programmation Professionnelle</a:t>
+              <a:rPr lang="fr-FR" sz="3200" dirty="0"/>
+              <a:t>Agent Intelligent : </a:t>
+            </a:r>
+            <a:r>
+              <a:rPr lang="fr-FR" sz="3200" b="1" dirty="0"/>
+              <a:t>Maître de Jeu Interactif</a:t>
             </a:r>
             <a:br>
               <a:rPr lang="fr-FR" dirty="0"/>
@@ -4013,10 +4027,7 @@
             <a:br>
               <a:rPr lang="fr-FR" dirty="0"/>
             </a:br>
-            <a:r>
-              <a:rPr lang="fr-FR" dirty="0"/>
-              <a:t>AI RPG</a:t>
-            </a:r>
+            <a:endParaRPr lang="fr-FR" dirty="0"/>
           </a:p>
         </p:txBody>
       </p:sp>
@@ -4038,38 +4049,49 @@
         </p:nvSpPr>
         <p:spPr>
           <a:xfrm>
-            <a:off x="721688" y="4785543"/>
-            <a:ext cx="4857857" cy="1005657"/>
+            <a:off x="580718" y="2651761"/>
+            <a:ext cx="2067232" cy="1661068"/>
           </a:xfrm>
         </p:spPr>
         <p:txBody>
           <a:bodyPr>
-            <a:normAutofit fontScale="77500" lnSpcReduction="20000"/>
+            <a:noAutofit/>
           </a:bodyPr>
           <a:lstStyle/>
           <a:p>
-            <a:r>
-              <a:rPr lang="fr-FR" dirty="0" err="1"/>
-              <a:t>Mellagui</a:t>
-            </a:r>
-            <a:r>
-              <a:rPr lang="fr-FR" dirty="0"/>
-              <a:t> Meryem</a:t>
-            </a:r>
-          </a:p>
-          <a:p>
-            <a:r>
-              <a:rPr lang="fr-FR" dirty="0" err="1"/>
-              <a:t>Monczewski</a:t>
-            </a:r>
-            <a:r>
-              <a:rPr lang="fr-FR" dirty="0"/>
-              <a:t> Gabriel</a:t>
-            </a:r>
-          </a:p>
-          <a:p>
-            <a:r>
-              <a:rPr lang="fr-FR" dirty="0"/>
+            <a:endParaRPr lang="fr-FR" sz="1600" dirty="0"/>
+          </a:p>
+          <a:p>
+            <a:endParaRPr lang="fr-FR" sz="1600" dirty="0"/>
+          </a:p>
+          <a:p>
+            <a:endParaRPr lang="fr-FR" sz="1600" dirty="0"/>
+          </a:p>
+          <a:p>
+            <a:endParaRPr lang="fr-FR" sz="1600" dirty="0"/>
+          </a:p>
+          <a:p>
+            <a:r>
+              <a:rPr lang="en-US" b="1" dirty="0"/>
+              <a:t>Réalisé par :</a:t>
+            </a:r>
+            <a:endParaRPr lang="fr-FR" b="1" dirty="0"/>
+          </a:p>
+          <a:p>
+            <a:r>
+              <a:rPr lang="fr-FR" sz="1600" dirty="0"/>
+              <a:t>Mellagui Meryem</a:t>
+            </a:r>
+          </a:p>
+          <a:p>
+            <a:r>
+              <a:rPr lang="fr-FR" sz="1600" dirty="0"/>
+              <a:t>Monczewski Gabriel</a:t>
+            </a:r>
+          </a:p>
+          <a:p>
+            <a:r>
+              <a:rPr lang="fr-FR" sz="1600" dirty="0"/>
               <a:t>Mordohai Florian</a:t>
             </a:r>
           </a:p>
@@ -4210,6 +4232,47 @@
           </a:prstGeom>
         </p:spPr>
       </p:pic>
+      <p:sp>
+        <p:nvSpPr>
+          <p:cNvPr id="8" name="ZoneTexte 7">
+            <a:extLst>
+              <a:ext uri="{FF2B5EF4-FFF2-40B4-BE49-F238E27FC236}">
+                <a16:creationId xmlns:a16="http://schemas.microsoft.com/office/drawing/2014/main" id="{964B059B-0744-14E4-2AA0-0A7FB22E70D2}"/>
+              </a:ext>
+            </a:extLst>
+          </p:cNvPr>
+          <p:cNvSpPr txBox="1"/>
+          <p:nvPr/>
+        </p:nvSpPr>
+        <p:spPr>
+          <a:xfrm>
+            <a:off x="580718" y="5087035"/>
+            <a:ext cx="5227171" cy="677108"/>
+          </a:xfrm>
+          <a:prstGeom prst="rect">
+            <a:avLst/>
+          </a:prstGeom>
+          <a:noFill/>
+        </p:spPr>
+        <p:txBody>
+          <a:bodyPr wrap="square">
+            <a:spAutoFit/>
+          </a:bodyPr>
+          <a:lstStyle/>
+          <a:p>
+            <a:r>
+              <a:rPr lang="fr-FR" sz="2000" b="1" dirty="0"/>
+              <a:t>Encadré par : </a:t>
+            </a:r>
+          </a:p>
+          <a:p>
+            <a:r>
+              <a:rPr lang="fr-FR" dirty="0"/>
+              <a:t> Mr Fabien Escourbiac &amp; Mr Philippe Roussille</a:t>
+            </a:r>
+          </a:p>
+        </p:txBody>
+      </p:sp>
     </p:spTree>
     <p:extLst>
       <p:ext uri="{BB962C8B-B14F-4D97-AF65-F5344CB8AC3E}">
@@ -4289,37 +4352,206 @@
           <a:bodyPr/>
           <a:lstStyle/>
           <a:p>
-            <a:r>
-              <a:rPr lang="fr-FR" dirty="0"/>
-              <a:t>Proposer un RPG textuel où chaque partie serait différente</a:t>
-            </a:r>
-          </a:p>
-          <a:p>
-            <a:r>
-              <a:rPr lang="fr-FR" dirty="0"/>
-              <a:t>L’histoire et les dialogues seraient générés par IA</a:t>
-            </a:r>
-          </a:p>
-          <a:p>
-            <a:r>
-              <a:rPr lang="fr-FR" dirty="0"/>
-              <a:t>Le joueur évoluerait dans un univers médiéval fantaisies</a:t>
-            </a:r>
-          </a:p>
-          <a:p>
-            <a:r>
-              <a:rPr lang="fr-FR" dirty="0"/>
-              <a:t>Cible les personnes fans de jeu de rôle</a:t>
-            </a:r>
-          </a:p>
-          <a:p>
             <a:endParaRPr lang="fr-FR" dirty="0"/>
           </a:p>
           <a:p>
+            <a:pPr lvl="0" eaLnBrk="0" fontAlgn="base" hangingPunct="0">
+              <a:lnSpc>
+                <a:spcPct val="100000"/>
+              </a:lnSpc>
+              <a:spcBef>
+                <a:spcPct val="0"/>
+              </a:spcBef>
+              <a:spcAft>
+                <a:spcPct val="0"/>
+              </a:spcAft>
+              <a:buFont typeface="Wingdings" panose="05000000000000000000" pitchFamily="2" charset="2"/>
+              <a:buChar char="q"/>
+            </a:pPr>
+            <a:r>
+              <a:rPr lang="fr-FR" altLang="fr-FR" dirty="0">
+                <a:latin typeface="Arial" panose="020B0604020202020204" pitchFamily="34" charset="0"/>
+              </a:rPr>
+              <a:t>Créer un agent intelligent jouant le rôle d’un maître de jeu dans un RPG textuel.</a:t>
+            </a:r>
+          </a:p>
+          <a:p>
+            <a:pPr lvl="0" eaLnBrk="0" fontAlgn="base" hangingPunct="0">
+              <a:lnSpc>
+                <a:spcPct val="100000"/>
+              </a:lnSpc>
+              <a:spcBef>
+                <a:spcPct val="0"/>
+              </a:spcBef>
+              <a:spcAft>
+                <a:spcPct val="0"/>
+              </a:spcAft>
+              <a:buFont typeface="Wingdings" panose="05000000000000000000" pitchFamily="2" charset="2"/>
+              <a:buChar char="q"/>
+            </a:pPr>
+            <a:endParaRPr lang="fr-FR" altLang="fr-FR" dirty="0">
+              <a:latin typeface="Arial" panose="020B0604020202020204" pitchFamily="34" charset="0"/>
+            </a:endParaRPr>
+          </a:p>
+          <a:p>
+            <a:pPr lvl="0" eaLnBrk="0" fontAlgn="base" hangingPunct="0">
+              <a:lnSpc>
+                <a:spcPct val="100000"/>
+              </a:lnSpc>
+              <a:spcBef>
+                <a:spcPct val="0"/>
+              </a:spcBef>
+              <a:spcAft>
+                <a:spcPct val="0"/>
+              </a:spcAft>
+              <a:buFont typeface="Wingdings" panose="05000000000000000000" pitchFamily="2" charset="2"/>
+              <a:buChar char="q"/>
+            </a:pPr>
+            <a:r>
+              <a:rPr lang="fr-FR" altLang="fr-FR" dirty="0">
+                <a:latin typeface="Arial" panose="020B0604020202020204" pitchFamily="34" charset="0"/>
+              </a:rPr>
+              <a:t>L’agent raconte une histoire, décrit un univers et réagit aux choix du joueur.</a:t>
+            </a:r>
+          </a:p>
+          <a:p>
+            <a:pPr lvl="0" eaLnBrk="0" fontAlgn="base" hangingPunct="0">
+              <a:lnSpc>
+                <a:spcPct val="100000"/>
+              </a:lnSpc>
+              <a:spcBef>
+                <a:spcPct val="0"/>
+              </a:spcBef>
+              <a:spcAft>
+                <a:spcPct val="0"/>
+              </a:spcAft>
+              <a:buFont typeface="Wingdings" panose="05000000000000000000" pitchFamily="2" charset="2"/>
+              <a:buChar char="q"/>
+            </a:pPr>
+            <a:endParaRPr lang="fr-FR" altLang="fr-FR" dirty="0">
+              <a:latin typeface="Arial" panose="020B0604020202020204" pitchFamily="34" charset="0"/>
+            </a:endParaRPr>
+          </a:p>
+          <a:p>
+            <a:pPr lvl="0" eaLnBrk="0" fontAlgn="base" hangingPunct="0">
+              <a:lnSpc>
+                <a:spcPct val="100000"/>
+              </a:lnSpc>
+              <a:spcBef>
+                <a:spcPct val="0"/>
+              </a:spcBef>
+              <a:spcAft>
+                <a:spcPct val="0"/>
+              </a:spcAft>
+              <a:buFont typeface="Wingdings" panose="05000000000000000000" pitchFamily="2" charset="2"/>
+              <a:buChar char="q"/>
+            </a:pPr>
+            <a:r>
+              <a:rPr lang="fr-FR" altLang="fr-FR" dirty="0">
+                <a:latin typeface="Arial" panose="020B0604020202020204" pitchFamily="34" charset="0"/>
+              </a:rPr>
+              <a:t>Le joueur interagit en langage naturel pour influencer le scénario.</a:t>
+            </a:r>
+          </a:p>
+          <a:p>
             <a:endParaRPr lang="fr-FR" dirty="0"/>
           </a:p>
           <a:p>
             <a:endParaRPr lang="fr-FR" dirty="0"/>
+          </a:p>
+        </p:txBody>
+      </p:sp>
+      <p:sp>
+        <p:nvSpPr>
+          <p:cNvPr id="5" name="Rectangle 2">
+            <a:extLst>
+              <a:ext uri="{FF2B5EF4-FFF2-40B4-BE49-F238E27FC236}">
+                <a16:creationId xmlns:a16="http://schemas.microsoft.com/office/drawing/2014/main" id="{3C36CFA5-1EAA-7739-0FBE-6CAD61C3D76C}"/>
+              </a:ext>
+            </a:extLst>
+          </p:cNvPr>
+          <p:cNvSpPr>
+            <a:spLocks noChangeArrowheads="1"/>
+          </p:cNvSpPr>
+          <p:nvPr/>
+        </p:nvSpPr>
+        <p:spPr bwMode="auto">
+          <a:xfrm>
+            <a:off x="0" y="-184666"/>
+            <a:ext cx="264816" cy="369332"/>
+          </a:xfrm>
+          <a:prstGeom prst="rect">
+            <a:avLst/>
+          </a:prstGeom>
+          <a:noFill/>
+          <a:ln>
+            <a:noFill/>
+          </a:ln>
+          <a:effectLst/>
+          <a:extLst>
+            <a:ext uri="{909E8E84-426E-40DD-AFC4-6F175D3DCCD1}">
+              <a14:hiddenFill xmlns:a14="http://schemas.microsoft.com/office/drawing/2010/main">
+                <a:solidFill>
+                  <a:schemeClr val="accent1"/>
+                </a:solidFill>
+              </a14:hiddenFill>
+            </a:ext>
+            <a:ext uri="{91240B29-F687-4F45-9708-019B960494DF}">
+              <a14:hiddenLine xmlns:a14="http://schemas.microsoft.com/office/drawing/2010/main" w="9525">
+                <a:solidFill>
+                  <a:schemeClr val="tx1"/>
+                </a:solidFill>
+                <a:miter lim="800000"/>
+                <a:headEnd/>
+                <a:tailEnd/>
+              </a14:hiddenLine>
+            </a:ext>
+            <a:ext uri="{AF507438-7753-43E0-B8FC-AC1667EBCBE1}">
+              <a14:hiddenEffects xmlns:a14="http://schemas.microsoft.com/office/drawing/2010/main">
+                <a:effectLst>
+                  <a:outerShdw dist="35921" dir="2700000" algn="ctr" rotWithShape="0">
+                    <a:schemeClr val="bg2"/>
+                  </a:outerShdw>
+                </a:effectLst>
+              </a14:hiddenEffects>
+            </a:ext>
+          </a:extLst>
+        </p:spPr>
+        <p:txBody>
+          <a:bodyPr vert="horz" wrap="none" lIns="91440" tIns="45720" rIns="91440" bIns="45720" numCol="1" anchor="ctr" anchorCtr="0" compatLnSpc="1">
+            <a:prstTxWarp prst="textNoShape">
+              <a:avLst/>
+            </a:prstTxWarp>
+            <a:spAutoFit/>
+          </a:bodyPr>
+          <a:lstStyle/>
+          <a:p>
+            <a:pPr marL="0" marR="0" lvl="0" indent="0" algn="l" defTabSz="914400" rtl="0" eaLnBrk="0" fontAlgn="base" latinLnBrk="0" hangingPunct="0">
+              <a:lnSpc>
+                <a:spcPct val="100000"/>
+              </a:lnSpc>
+              <a:spcBef>
+                <a:spcPct val="0"/>
+              </a:spcBef>
+              <a:spcAft>
+                <a:spcPct val="0"/>
+              </a:spcAft>
+              <a:buClrTx/>
+              <a:buSzTx/>
+              <a:buFontTx/>
+              <a:buChar char="•"/>
+              <a:tabLst/>
+            </a:pPr>
+            <a:endParaRPr kumimoji="0" lang="fr-FR" altLang="fr-FR" sz="1800" b="0" i="0" u="none" strike="noStrike" cap="none" normalizeH="0" baseline="0" dirty="0">
+              <a:ln>
+                <a:noFill/>
+              </a:ln>
+              <a:solidFill>
+                <a:schemeClr val="tx1"/>
+              </a:solidFill>
+              <a:effectLst/>
+              <a:latin typeface="Arial" panose="020B0604020202020204" pitchFamily="34" charset="0"/>
+            </a:endParaRPr>
           </a:p>
         </p:txBody>
       </p:sp>
@@ -4341,7 +4573,13 @@
   <p:cSld>
     <p:spTree>
       <p:nvGrpSpPr>
-        <p:cNvPr id="1" name=""/>
+        <p:cNvPr id="1" name="">
+          <a:extLst>
+            <a:ext uri="{FF2B5EF4-FFF2-40B4-BE49-F238E27FC236}">
+              <a16:creationId xmlns:a16="http://schemas.microsoft.com/office/drawing/2014/main" id="{A4BD7A4A-97DE-8533-8BAC-0CE895092256}"/>
+            </a:ext>
+          </a:extLst>
+        </p:cNvPr>
         <p:cNvGrpSpPr/>
         <p:nvPr/>
       </p:nvGrpSpPr>
@@ -4358,7 +4596,7 @@
           <p:cNvPr id="2" name="Titre 1">
             <a:extLst>
               <a:ext uri="{FF2B5EF4-FFF2-40B4-BE49-F238E27FC236}">
-                <a16:creationId xmlns:a16="http://schemas.microsoft.com/office/drawing/2014/main" id="{89C1121B-E020-E515-62F1-5F2086037A7D}"/>
+                <a16:creationId xmlns:a16="http://schemas.microsoft.com/office/drawing/2014/main" id="{24FD7302-A60A-EA4C-05CA-03B8752CAA4F}"/>
               </a:ext>
             </a:extLst>
           </p:cNvPr>
@@ -4376,1170 +4614,368 @@
           <a:p>
             <a:r>
               <a:rPr lang="fr-FR" dirty="0"/>
-              <a:t>Architecture imaginée</a:t>
-            </a:r>
-          </a:p>
-        </p:txBody>
-      </p:sp>
-      <p:cxnSp>
-        <p:nvCxnSpPr>
-          <p:cNvPr id="5" name="Connecteur droit 4">
-            <a:extLst>
-              <a:ext uri="{FF2B5EF4-FFF2-40B4-BE49-F238E27FC236}">
-                <a16:creationId xmlns:a16="http://schemas.microsoft.com/office/drawing/2014/main" id="{7E09D7F7-347A-0588-DBB2-3CA463493989}"/>
-              </a:ext>
-            </a:extLst>
-          </p:cNvPr>
-          <p:cNvCxnSpPr>
-            <a:cxnSpLocks/>
-          </p:cNvCxnSpPr>
-          <p:nvPr/>
-        </p:nvCxnSpPr>
+              <a:t>Fonctionnalités principales</a:t>
+            </a:r>
+          </a:p>
+        </p:txBody>
+      </p:sp>
+      <p:sp>
+        <p:nvSpPr>
+          <p:cNvPr id="3" name="Espace réservé du contenu 2">
+            <a:extLst>
+              <a:ext uri="{FF2B5EF4-FFF2-40B4-BE49-F238E27FC236}">
+                <a16:creationId xmlns:a16="http://schemas.microsoft.com/office/drawing/2014/main" id="{8C46D280-FDFF-1C56-91A2-512D939AD75C}"/>
+              </a:ext>
+            </a:extLst>
+          </p:cNvPr>
+          <p:cNvSpPr>
+            <a:spLocks noGrp="1"/>
+          </p:cNvSpPr>
+          <p:nvPr>
+            <p:ph idx="1"/>
+          </p:nvPr>
+        </p:nvSpPr>
         <p:spPr>
           <a:xfrm>
-            <a:off x="10480229" y="2201979"/>
-            <a:ext cx="0" cy="3682148"/>
-          </a:xfrm>
-          <a:prstGeom prst="line">
-            <a:avLst/>
-          </a:prstGeom>
-        </p:spPr>
-        <p:style>
-          <a:lnRef idx="1">
-            <a:schemeClr val="accent1"/>
-          </a:lnRef>
-          <a:fillRef idx="0">
-            <a:schemeClr val="accent1"/>
-          </a:fillRef>
-          <a:effectRef idx="0">
-            <a:schemeClr val="accent1"/>
-          </a:effectRef>
-          <a:fontRef idx="minor">
-            <a:schemeClr val="tx1"/>
-          </a:fontRef>
-        </p:style>
-      </p:cxnSp>
-      <p:sp>
-        <p:nvSpPr>
-          <p:cNvPr id="8" name="ZoneTexte 7">
-            <a:extLst>
-              <a:ext uri="{FF2B5EF4-FFF2-40B4-BE49-F238E27FC236}">
-                <a16:creationId xmlns:a16="http://schemas.microsoft.com/office/drawing/2014/main" id="{4CB4F2CE-1B74-20F9-D3D8-C7656849E319}"/>
-              </a:ext>
-            </a:extLst>
-          </p:cNvPr>
-          <p:cNvSpPr txBox="1"/>
+            <a:off x="700635" y="2221992"/>
+            <a:ext cx="4999125" cy="2700528"/>
+          </a:xfrm>
+        </p:spPr>
+        <p:txBody>
+          <a:bodyPr/>
+          <a:lstStyle/>
+          <a:p>
+            <a:pPr>
+              <a:buFont typeface="Wingdings" panose="05000000000000000000" pitchFamily="2" charset="2"/>
+              <a:buChar char="q"/>
+            </a:pPr>
+            <a:endParaRPr lang="fr-FR" dirty="0"/>
+          </a:p>
+          <a:p>
+            <a:pPr eaLnBrk="0" fontAlgn="base" hangingPunct="0">
+              <a:lnSpc>
+                <a:spcPct val="100000"/>
+              </a:lnSpc>
+              <a:spcBef>
+                <a:spcPct val="0"/>
+              </a:spcBef>
+              <a:spcAft>
+                <a:spcPct val="0"/>
+              </a:spcAft>
+              <a:buFont typeface="Wingdings" panose="05000000000000000000" pitchFamily="2" charset="2"/>
+              <a:buChar char="q"/>
+            </a:pPr>
+            <a:r>
+              <a:rPr lang="fr-FR" altLang="fr-FR" dirty="0">
+                <a:latin typeface="Arial" panose="020B0604020202020204" pitchFamily="34" charset="0"/>
+              </a:rPr>
+              <a:t>Narration dynamique générée par IA.</a:t>
+            </a:r>
+          </a:p>
+          <a:p>
+            <a:pPr eaLnBrk="0" fontAlgn="base" hangingPunct="0">
+              <a:lnSpc>
+                <a:spcPct val="100000"/>
+              </a:lnSpc>
+              <a:spcBef>
+                <a:spcPct val="0"/>
+              </a:spcBef>
+              <a:spcAft>
+                <a:spcPct val="0"/>
+              </a:spcAft>
+              <a:buFont typeface="Wingdings" panose="05000000000000000000" pitchFamily="2" charset="2"/>
+              <a:buChar char="q"/>
+            </a:pPr>
+            <a:endParaRPr lang="fr-FR" altLang="fr-FR" dirty="0">
+              <a:latin typeface="Arial" panose="020B0604020202020204" pitchFamily="34" charset="0"/>
+            </a:endParaRPr>
+          </a:p>
+          <a:p>
+            <a:pPr eaLnBrk="0" fontAlgn="base" hangingPunct="0">
+              <a:lnSpc>
+                <a:spcPct val="100000"/>
+              </a:lnSpc>
+              <a:spcBef>
+                <a:spcPct val="0"/>
+              </a:spcBef>
+              <a:spcAft>
+                <a:spcPct val="0"/>
+              </a:spcAft>
+              <a:buFont typeface="Wingdings" panose="05000000000000000000" pitchFamily="2" charset="2"/>
+              <a:buChar char="q"/>
+            </a:pPr>
+            <a:r>
+              <a:rPr lang="fr-FR" altLang="fr-FR" dirty="0">
+                <a:latin typeface="Arial" panose="020B0604020202020204" pitchFamily="34" charset="0"/>
+              </a:rPr>
+              <a:t>Compréhension du langage naturel.</a:t>
+            </a:r>
+          </a:p>
+          <a:p>
+            <a:pPr marL="0" indent="0" eaLnBrk="0" fontAlgn="base" hangingPunct="0">
+              <a:lnSpc>
+                <a:spcPct val="100000"/>
+              </a:lnSpc>
+              <a:spcBef>
+                <a:spcPct val="0"/>
+              </a:spcBef>
+              <a:spcAft>
+                <a:spcPct val="0"/>
+              </a:spcAft>
+              <a:buNone/>
+            </a:pPr>
+            <a:endParaRPr lang="fr-FR" altLang="fr-FR" dirty="0">
+              <a:latin typeface="Arial" panose="020B0604020202020204" pitchFamily="34" charset="0"/>
+            </a:endParaRPr>
+          </a:p>
+          <a:p>
+            <a:pPr eaLnBrk="0" fontAlgn="base" hangingPunct="0">
+              <a:lnSpc>
+                <a:spcPct val="100000"/>
+              </a:lnSpc>
+              <a:spcBef>
+                <a:spcPct val="0"/>
+              </a:spcBef>
+              <a:spcAft>
+                <a:spcPct val="0"/>
+              </a:spcAft>
+              <a:buFont typeface="Wingdings" panose="05000000000000000000" pitchFamily="2" charset="2"/>
+              <a:buChar char="q"/>
+            </a:pPr>
+            <a:r>
+              <a:rPr lang="fr-FR" altLang="fr-FR" dirty="0">
+                <a:latin typeface="Arial" panose="020B0604020202020204" pitchFamily="34" charset="0"/>
+              </a:rPr>
+              <a:t>Intégration avec Ollama (modèle local Llama3).</a:t>
+            </a:r>
+          </a:p>
+          <a:p>
+            <a:endParaRPr lang="fr-FR" dirty="0"/>
+          </a:p>
+        </p:txBody>
+      </p:sp>
+      <p:sp>
+        <p:nvSpPr>
+          <p:cNvPr id="5" name="Rectangle 2">
+            <a:extLst>
+              <a:ext uri="{FF2B5EF4-FFF2-40B4-BE49-F238E27FC236}">
+                <a16:creationId xmlns:a16="http://schemas.microsoft.com/office/drawing/2014/main" id="{3BE93AB0-2560-C67C-5CF4-C761CD047D42}"/>
+              </a:ext>
+            </a:extLst>
+          </p:cNvPr>
+          <p:cNvSpPr>
+            <a:spLocks noChangeArrowheads="1"/>
+          </p:cNvSpPr>
           <p:nvPr/>
         </p:nvSpPr>
-        <p:spPr>
+        <p:spPr bwMode="auto">
           <a:xfrm>
-            <a:off x="10545640" y="3244334"/>
-            <a:ext cx="1552637" cy="369332"/>
+            <a:off x="0" y="-184666"/>
+            <a:ext cx="264816" cy="369332"/>
           </a:xfrm>
           <a:prstGeom prst="rect">
             <a:avLst/>
           </a:prstGeom>
           <a:noFill/>
-        </p:spPr>
-        <p:txBody>
-          <a:bodyPr wrap="square" rtlCol="0">
-            <a:spAutoFit/>
-          </a:bodyPr>
-          <a:lstStyle/>
-          <a:p>
-            <a:r>
-              <a:rPr lang="fr-FR" dirty="0" err="1"/>
-              <a:t>Ollama</a:t>
-            </a:r>
-            <a:endParaRPr lang="fr-FR" dirty="0"/>
-          </a:p>
-        </p:txBody>
-      </p:sp>
-      <p:sp>
-        <p:nvSpPr>
-          <p:cNvPr id="9" name="Rectangle 8">
-            <a:extLst>
-              <a:ext uri="{FF2B5EF4-FFF2-40B4-BE49-F238E27FC236}">
-                <a16:creationId xmlns:a16="http://schemas.microsoft.com/office/drawing/2014/main" id="{3626FC6B-6365-9261-B78D-D6F0484E936F}"/>
-              </a:ext>
-            </a:extLst>
-          </p:cNvPr>
-          <p:cNvSpPr/>
-          <p:nvPr/>
-        </p:nvSpPr>
-        <p:spPr>
-          <a:xfrm>
-            <a:off x="3014548" y="2078090"/>
-            <a:ext cx="2095963" cy="3278888"/>
-          </a:xfrm>
-          <a:prstGeom prst="rect">
-            <a:avLst/>
-          </a:prstGeom>
-          <a:ln w="12700" cap="flat" cmpd="sng" algn="ctr">
+          <a:ln>
             <a:noFill/>
-            <a:prstDash val="solid"/>
-            <a:miter lim="800000"/>
           </a:ln>
           <a:effectLst/>
           <a:extLst>
+            <a:ext uri="{909E8E84-426E-40DD-AFC4-6F175D3DCCD1}">
+              <a14:hiddenFill xmlns:a14="http://schemas.microsoft.com/office/drawing/2010/main">
+                <a:solidFill>
+                  <a:schemeClr val="accent1"/>
+                </a:solidFill>
+              </a14:hiddenFill>
+            </a:ext>
             <a:ext uri="{91240B29-F687-4F45-9708-019B960494DF}">
-              <a14:hiddenLine xmlns:a14="http://schemas.microsoft.com/office/drawing/2010/main" w="12700" cap="flat" cmpd="sng" algn="ctr">
+              <a14:hiddenLine xmlns:a14="http://schemas.microsoft.com/office/drawing/2010/main" w="9525">
                 <a:solidFill>
-                  <a:schemeClr val="accent1">
-                    <a:shade val="50000"/>
-                  </a:schemeClr>
+                  <a:schemeClr val="tx1"/>
                 </a:solidFill>
-                <a:prstDash val="solid"/>
                 <a:miter lim="800000"/>
+                <a:headEnd/>
+                <a:tailEnd/>
               </a14:hiddenLine>
             </a:ext>
+            <a:ext uri="{AF507438-7753-43E0-B8FC-AC1667EBCBE1}">
+              <a14:hiddenEffects xmlns:a14="http://schemas.microsoft.com/office/drawing/2010/main">
+                <a:effectLst>
+                  <a:outerShdw dist="35921" dir="2700000" algn="ctr" rotWithShape="0">
+                    <a:schemeClr val="bg2"/>
+                  </a:outerShdw>
+                </a:effectLst>
+              </a14:hiddenEffects>
+            </a:ext>
           </a:extLst>
         </p:spPr>
-        <p:style>
-          <a:lnRef idx="2">
-            <a:schemeClr val="accent1">
-              <a:shade val="50000"/>
-            </a:schemeClr>
-          </a:lnRef>
-          <a:fillRef idx="1">
-            <a:schemeClr val="accent1"/>
-          </a:fillRef>
-          <a:effectRef idx="0">
-            <a:schemeClr val="accent1"/>
-          </a:effectRef>
-          <a:fontRef idx="minor">
-            <a:schemeClr val="lt1"/>
-          </a:fontRef>
-        </p:style>
-        <p:txBody>
-          <a:bodyPr rtlCol="0" anchor="ctr"/>
-          <a:lstStyle/>
-          <a:p>
-            <a:pPr algn="ctr"/>
-            <a:r>
-              <a:rPr lang="fr-FR" dirty="0"/>
-              <a:t>Façade </a:t>
-            </a:r>
-            <a:r>
-              <a:rPr lang="fr-FR" dirty="0" err="1"/>
-              <a:t>interraction</a:t>
-            </a:r>
-            <a:r>
-              <a:rPr lang="fr-FR" dirty="0"/>
-              <a:t> API</a:t>
-            </a:r>
-          </a:p>
-        </p:txBody>
-      </p:sp>
-      <p:sp>
-        <p:nvSpPr>
-          <p:cNvPr id="12" name="Rectangle 11">
-            <a:extLst>
-              <a:ext uri="{FF2B5EF4-FFF2-40B4-BE49-F238E27FC236}">
-                <a16:creationId xmlns:a16="http://schemas.microsoft.com/office/drawing/2014/main" id="{0FDED8E9-0E55-AFF1-6A75-96DC413B7E21}"/>
-              </a:ext>
-            </a:extLst>
-          </p:cNvPr>
-          <p:cNvSpPr/>
+        <p:txBody>
+          <a:bodyPr vert="horz" wrap="none" lIns="91440" tIns="45720" rIns="91440" bIns="45720" numCol="1" anchor="ctr" anchorCtr="0" compatLnSpc="1">
+            <a:prstTxWarp prst="textNoShape">
+              <a:avLst/>
+            </a:prstTxWarp>
+            <a:spAutoFit/>
+          </a:bodyPr>
+          <a:lstStyle/>
+          <a:p>
+            <a:pPr marL="0" marR="0" lvl="0" indent="0" algn="l" defTabSz="914400" rtl="0" eaLnBrk="0" fontAlgn="base" latinLnBrk="0" hangingPunct="0">
+              <a:lnSpc>
+                <a:spcPct val="100000"/>
+              </a:lnSpc>
+              <a:spcBef>
+                <a:spcPct val="0"/>
+              </a:spcBef>
+              <a:spcAft>
+                <a:spcPct val="0"/>
+              </a:spcAft>
+              <a:buClrTx/>
+              <a:buSzTx/>
+              <a:buFontTx/>
+              <a:buChar char="•"/>
+              <a:tabLst/>
+            </a:pPr>
+            <a:endParaRPr kumimoji="0" lang="fr-FR" altLang="fr-FR" sz="1800" b="0" i="0" u="none" strike="noStrike" cap="none" normalizeH="0" baseline="0" dirty="0">
+              <a:ln>
+                <a:noFill/>
+              </a:ln>
+              <a:solidFill>
+                <a:schemeClr val="tx1"/>
+              </a:solidFill>
+              <a:effectLst/>
+              <a:latin typeface="Arial" panose="020B0604020202020204" pitchFamily="34" charset="0"/>
+            </a:endParaRPr>
+          </a:p>
+        </p:txBody>
+      </p:sp>
+      <p:sp>
+        <p:nvSpPr>
+          <p:cNvPr id="6" name="Rectangle 2">
+            <a:extLst>
+              <a:ext uri="{FF2B5EF4-FFF2-40B4-BE49-F238E27FC236}">
+                <a16:creationId xmlns:a16="http://schemas.microsoft.com/office/drawing/2014/main" id="{99A55362-4011-AAC7-F698-76D2DCA420F8}"/>
+              </a:ext>
+            </a:extLst>
+          </p:cNvPr>
+          <p:cNvSpPr>
+            <a:spLocks noChangeArrowheads="1"/>
+          </p:cNvSpPr>
           <p:nvPr/>
         </p:nvSpPr>
-        <p:spPr>
+        <p:spPr bwMode="auto">
           <a:xfrm>
-            <a:off x="5510949" y="1986536"/>
-            <a:ext cx="2268112" cy="1016962"/>
-          </a:xfrm>
-          <a:prstGeom prst="rect">
-            <a:avLst/>
-          </a:prstGeom>
-          <a:solidFill>
-            <a:schemeClr val="tx2">
-              <a:lumMod val="50000"/>
-              <a:lumOff val="50000"/>
-            </a:schemeClr>
-          </a:solidFill>
-          <a:ln w="12700" cap="flat" cmpd="sng" algn="ctr">
-            <a:noFill/>
-            <a:prstDash val="solid"/>
-            <a:miter lim="800000"/>
-          </a:ln>
-          <a:effectLst/>
-        </p:spPr>
-        <p:style>
-          <a:lnRef idx="2">
-            <a:schemeClr val="accent1">
-              <a:shade val="50000"/>
-            </a:schemeClr>
-          </a:lnRef>
-          <a:fillRef idx="1">
-            <a:schemeClr val="accent1"/>
-          </a:fillRef>
-          <a:effectRef idx="0">
-            <a:schemeClr val="accent1"/>
-          </a:effectRef>
-          <a:fontRef idx="minor">
-            <a:schemeClr val="lt1"/>
-          </a:fontRef>
-        </p:style>
-        <p:txBody>
-          <a:bodyPr rtlCol="0" anchor="ctr"/>
-          <a:lstStyle/>
-          <a:p>
-            <a:pPr algn="ctr"/>
-            <a:r>
-              <a:rPr lang="fr-FR" dirty="0"/>
-              <a:t>Entité</a:t>
-            </a:r>
-          </a:p>
-        </p:txBody>
-      </p:sp>
-      <p:cxnSp>
-        <p:nvCxnSpPr>
-          <p:cNvPr id="14" name="Connecteur droit avec flèche 13">
-            <a:extLst>
-              <a:ext uri="{FF2B5EF4-FFF2-40B4-BE49-F238E27FC236}">
-                <a16:creationId xmlns:a16="http://schemas.microsoft.com/office/drawing/2014/main" id="{D7C18E11-4B29-7700-915C-77971DA547C3}"/>
-              </a:ext>
-            </a:extLst>
-          </p:cNvPr>
-          <p:cNvCxnSpPr>
-            <a:cxnSpLocks/>
-          </p:cNvCxnSpPr>
-          <p:nvPr/>
-        </p:nvCxnSpPr>
-        <p:spPr>
-          <a:xfrm>
-            <a:off x="7209689" y="2776308"/>
-            <a:ext cx="1612739" cy="412359"/>
-          </a:xfrm>
-          <a:prstGeom prst="straightConnector1">
-            <a:avLst/>
-          </a:prstGeom>
-          <a:ln>
-            <a:solidFill>
-              <a:schemeClr val="tx1"/>
-            </a:solidFill>
-            <a:tailEnd type="triangle"/>
-          </a:ln>
-        </p:spPr>
-        <p:style>
-          <a:lnRef idx="1">
-            <a:schemeClr val="accent1"/>
-          </a:lnRef>
-          <a:fillRef idx="0">
-            <a:schemeClr val="accent1"/>
-          </a:fillRef>
-          <a:effectRef idx="0">
-            <a:schemeClr val="accent1"/>
-          </a:effectRef>
-          <a:fontRef idx="minor">
-            <a:schemeClr val="tx1"/>
-          </a:fontRef>
-        </p:style>
-      </p:cxnSp>
-      <p:cxnSp>
-        <p:nvCxnSpPr>
-          <p:cNvPr id="16" name="Connecteur droit avec flèche 15">
-            <a:extLst>
-              <a:ext uri="{FF2B5EF4-FFF2-40B4-BE49-F238E27FC236}">
-                <a16:creationId xmlns:a16="http://schemas.microsoft.com/office/drawing/2014/main" id="{9A7853F6-DD2F-1CD1-82AD-C62C8530AD65}"/>
-              </a:ext>
-            </a:extLst>
-          </p:cNvPr>
-          <p:cNvCxnSpPr/>
-          <p:nvPr/>
-        </p:nvCxnSpPr>
-        <p:spPr>
-          <a:xfrm flipH="1" flipV="1">
-            <a:off x="7122592" y="2407161"/>
-            <a:ext cx="1739590" cy="478430"/>
-          </a:xfrm>
-          <a:prstGeom prst="straightConnector1">
-            <a:avLst/>
-          </a:prstGeom>
-          <a:ln>
-            <a:solidFill>
-              <a:schemeClr val="tx1"/>
-            </a:solidFill>
-            <a:tailEnd type="triangle"/>
-          </a:ln>
-        </p:spPr>
-        <p:style>
-          <a:lnRef idx="1">
-            <a:schemeClr val="accent1"/>
-          </a:lnRef>
-          <a:fillRef idx="0">
-            <a:schemeClr val="accent1"/>
-          </a:fillRef>
-          <a:effectRef idx="0">
-            <a:schemeClr val="accent1"/>
-          </a:effectRef>
-          <a:fontRef idx="minor">
-            <a:schemeClr val="tx1"/>
-          </a:fontRef>
-        </p:style>
-      </p:cxnSp>
-      <p:sp>
-        <p:nvSpPr>
-          <p:cNvPr id="17" name="Ellipse 16">
-            <a:extLst>
-              <a:ext uri="{FF2B5EF4-FFF2-40B4-BE49-F238E27FC236}">
-                <a16:creationId xmlns:a16="http://schemas.microsoft.com/office/drawing/2014/main" id="{73F62F8C-53C3-A248-AD76-9AD9808F5905}"/>
-              </a:ext>
-            </a:extLst>
-          </p:cNvPr>
-          <p:cNvSpPr/>
-          <p:nvPr/>
-        </p:nvSpPr>
-        <p:spPr>
-          <a:xfrm>
-            <a:off x="5671270" y="4364073"/>
-            <a:ext cx="1901432" cy="1080558"/>
-          </a:xfrm>
-          <a:prstGeom prst="ellipse">
-            <a:avLst/>
-          </a:prstGeom>
-          <a:solidFill>
-            <a:schemeClr val="tx2">
-              <a:lumMod val="50000"/>
-              <a:lumOff val="50000"/>
-            </a:schemeClr>
-          </a:solidFill>
-          <a:ln w="12700" cap="flat" cmpd="sng" algn="ctr">
-            <a:noFill/>
-            <a:prstDash val="solid"/>
-            <a:miter lim="800000"/>
-          </a:ln>
-          <a:effectLst/>
-        </p:spPr>
-        <p:style>
-          <a:lnRef idx="2">
-            <a:schemeClr val="accent1">
-              <a:shade val="50000"/>
-            </a:schemeClr>
-          </a:lnRef>
-          <a:fillRef idx="1">
-            <a:schemeClr val="accent1"/>
-          </a:fillRef>
-          <a:effectRef idx="0">
-            <a:schemeClr val="accent1"/>
-          </a:effectRef>
-          <a:fontRef idx="minor">
-            <a:schemeClr val="lt1"/>
-          </a:fontRef>
-        </p:style>
-        <p:txBody>
-          <a:bodyPr rtlCol="0" anchor="ctr"/>
-          <a:lstStyle/>
-          <a:p>
-            <a:pPr algn="ctr"/>
-            <a:r>
-              <a:rPr lang="fr-FR" dirty="0"/>
-              <a:t>Dialogue</a:t>
-            </a:r>
-          </a:p>
-        </p:txBody>
-      </p:sp>
-      <p:cxnSp>
-        <p:nvCxnSpPr>
-          <p:cNvPr id="19" name="Connecteur droit avec flèche 18">
-            <a:extLst>
-              <a:ext uri="{FF2B5EF4-FFF2-40B4-BE49-F238E27FC236}">
-                <a16:creationId xmlns:a16="http://schemas.microsoft.com/office/drawing/2014/main" id="{0B3AACB0-DA2C-E38B-4715-3CBD4AD02A0A}"/>
-              </a:ext>
-            </a:extLst>
-          </p:cNvPr>
-          <p:cNvCxnSpPr/>
-          <p:nvPr/>
-        </p:nvCxnSpPr>
-        <p:spPr>
-          <a:xfrm flipV="1">
-            <a:off x="7034392" y="4640701"/>
-            <a:ext cx="1396272" cy="270024"/>
-          </a:xfrm>
-          <a:prstGeom prst="straightConnector1">
-            <a:avLst/>
-          </a:prstGeom>
-          <a:ln>
-            <a:solidFill>
-              <a:schemeClr val="tx1"/>
-            </a:solidFill>
-            <a:tailEnd type="triangle"/>
-          </a:ln>
-        </p:spPr>
-        <p:style>
-          <a:lnRef idx="1">
-            <a:schemeClr val="accent1"/>
-          </a:lnRef>
-          <a:fillRef idx="0">
-            <a:schemeClr val="accent1"/>
-          </a:fillRef>
-          <a:effectRef idx="0">
-            <a:schemeClr val="accent1"/>
-          </a:effectRef>
-          <a:fontRef idx="minor">
-            <a:schemeClr val="tx1"/>
-          </a:fontRef>
-        </p:style>
-      </p:cxnSp>
-      <p:cxnSp>
-        <p:nvCxnSpPr>
-          <p:cNvPr id="21" name="Connecteur droit avec flèche 20">
-            <a:extLst>
-              <a:ext uri="{FF2B5EF4-FFF2-40B4-BE49-F238E27FC236}">
-                <a16:creationId xmlns:a16="http://schemas.microsoft.com/office/drawing/2014/main" id="{9E35402B-35BF-3988-7B8C-390CD6146E43}"/>
-              </a:ext>
-            </a:extLst>
-          </p:cNvPr>
-          <p:cNvCxnSpPr/>
-          <p:nvPr/>
-        </p:nvCxnSpPr>
-        <p:spPr>
-          <a:xfrm flipH="1">
-            <a:off x="6965183" y="4358404"/>
-            <a:ext cx="1294888" cy="319120"/>
-          </a:xfrm>
-          <a:prstGeom prst="straightConnector1">
-            <a:avLst/>
-          </a:prstGeom>
-          <a:ln>
-            <a:solidFill>
-              <a:schemeClr val="tx1"/>
-            </a:solidFill>
-            <a:tailEnd type="triangle"/>
-          </a:ln>
-        </p:spPr>
-        <p:style>
-          <a:lnRef idx="1">
-            <a:schemeClr val="accent1"/>
-          </a:lnRef>
-          <a:fillRef idx="0">
-            <a:schemeClr val="accent1"/>
-          </a:fillRef>
-          <a:effectRef idx="0">
-            <a:schemeClr val="accent1"/>
-          </a:effectRef>
-          <a:fontRef idx="minor">
-            <a:schemeClr val="tx1"/>
-          </a:fontRef>
-        </p:style>
-      </p:cxnSp>
-      <p:sp>
-        <p:nvSpPr>
-          <p:cNvPr id="22" name="Rectangle 21">
-            <a:extLst>
-              <a:ext uri="{FF2B5EF4-FFF2-40B4-BE49-F238E27FC236}">
-                <a16:creationId xmlns:a16="http://schemas.microsoft.com/office/drawing/2014/main" id="{7159D62B-9E23-378D-D2E5-9778659A24D0}"/>
-              </a:ext>
-            </a:extLst>
-          </p:cNvPr>
-          <p:cNvSpPr/>
-          <p:nvPr/>
-        </p:nvSpPr>
-        <p:spPr>
-          <a:xfrm>
-            <a:off x="292515" y="2078090"/>
-            <a:ext cx="2240224" cy="3241053"/>
-          </a:xfrm>
-          <a:prstGeom prst="rect">
-            <a:avLst/>
-          </a:prstGeom>
-          <a:solidFill>
-            <a:schemeClr val="bg2">
-              <a:lumMod val="75000"/>
-            </a:schemeClr>
-          </a:solidFill>
-          <a:ln w="12700" cap="flat" cmpd="sng" algn="ctr">
-            <a:noFill/>
-            <a:prstDash val="solid"/>
-            <a:miter lim="800000"/>
-          </a:ln>
-          <a:effectLst/>
-        </p:spPr>
-        <p:style>
-          <a:lnRef idx="2">
-            <a:schemeClr val="accent1">
-              <a:shade val="50000"/>
-            </a:schemeClr>
-          </a:lnRef>
-          <a:fillRef idx="1">
-            <a:schemeClr val="accent1"/>
-          </a:fillRef>
-          <a:effectRef idx="0">
-            <a:schemeClr val="accent1"/>
-          </a:effectRef>
-          <a:fontRef idx="minor">
-            <a:schemeClr val="lt1"/>
-          </a:fontRef>
-        </p:style>
-        <p:txBody>
-          <a:bodyPr rtlCol="0" anchor="ctr"/>
-          <a:lstStyle/>
-          <a:p>
-            <a:pPr algn="ctr"/>
-            <a:r>
-              <a:rPr lang="fr-FR" dirty="0"/>
-              <a:t>Console / utilisateur</a:t>
-            </a:r>
-          </a:p>
-        </p:txBody>
-      </p:sp>
-      <p:cxnSp>
-        <p:nvCxnSpPr>
-          <p:cNvPr id="24" name="Connecteur droit avec flèche 23">
-            <a:extLst>
-              <a:ext uri="{FF2B5EF4-FFF2-40B4-BE49-F238E27FC236}">
-                <a16:creationId xmlns:a16="http://schemas.microsoft.com/office/drawing/2014/main" id="{1B70CC74-7D1C-4B9A-DEC7-7DE10A528460}"/>
-              </a:ext>
-            </a:extLst>
-          </p:cNvPr>
-          <p:cNvCxnSpPr>
-            <a:cxnSpLocks/>
-          </p:cNvCxnSpPr>
-          <p:nvPr/>
-        </p:nvCxnSpPr>
-        <p:spPr>
-          <a:xfrm flipV="1">
-            <a:off x="4878693" y="2724238"/>
-            <a:ext cx="940693" cy="224096"/>
-          </a:xfrm>
-          <a:prstGeom prst="straightConnector1">
-            <a:avLst/>
-          </a:prstGeom>
-          <a:ln>
-            <a:solidFill>
-              <a:schemeClr val="tx1"/>
-            </a:solidFill>
-            <a:tailEnd type="triangle"/>
-          </a:ln>
-        </p:spPr>
-        <p:style>
-          <a:lnRef idx="1">
-            <a:schemeClr val="accent1"/>
-          </a:lnRef>
-          <a:fillRef idx="0">
-            <a:schemeClr val="accent1"/>
-          </a:fillRef>
-          <a:effectRef idx="0">
-            <a:schemeClr val="accent1"/>
-          </a:effectRef>
-          <a:fontRef idx="minor">
-            <a:schemeClr val="tx1"/>
-          </a:fontRef>
-        </p:style>
-      </p:cxnSp>
-      <p:cxnSp>
-        <p:nvCxnSpPr>
-          <p:cNvPr id="26" name="Connecteur droit avec flèche 25">
-            <a:extLst>
-              <a:ext uri="{FF2B5EF4-FFF2-40B4-BE49-F238E27FC236}">
-                <a16:creationId xmlns:a16="http://schemas.microsoft.com/office/drawing/2014/main" id="{0C4B100C-B577-C3E2-9347-9AEF9497CFD6}"/>
-              </a:ext>
-            </a:extLst>
-          </p:cNvPr>
-          <p:cNvCxnSpPr>
-            <a:cxnSpLocks/>
-          </p:cNvCxnSpPr>
-          <p:nvPr/>
-        </p:nvCxnSpPr>
-        <p:spPr>
-          <a:xfrm>
-            <a:off x="4702440" y="4758069"/>
-            <a:ext cx="1241223" cy="423659"/>
-          </a:xfrm>
-          <a:prstGeom prst="straightConnector1">
-            <a:avLst/>
-          </a:prstGeom>
-          <a:ln>
-            <a:solidFill>
-              <a:schemeClr val="tx1"/>
-            </a:solidFill>
-            <a:tailEnd type="triangle"/>
-          </a:ln>
-        </p:spPr>
-        <p:style>
-          <a:lnRef idx="1">
-            <a:schemeClr val="accent1"/>
-          </a:lnRef>
-          <a:fillRef idx="0">
-            <a:schemeClr val="accent1"/>
-          </a:fillRef>
-          <a:effectRef idx="0">
-            <a:schemeClr val="accent1"/>
-          </a:effectRef>
-          <a:fontRef idx="minor">
-            <a:schemeClr val="tx1"/>
-          </a:fontRef>
-        </p:style>
-      </p:cxnSp>
-      <p:sp>
-        <p:nvSpPr>
-          <p:cNvPr id="31" name="ZoneTexte 30">
-            <a:extLst>
-              <a:ext uri="{FF2B5EF4-FFF2-40B4-BE49-F238E27FC236}">
-                <a16:creationId xmlns:a16="http://schemas.microsoft.com/office/drawing/2014/main" id="{29028385-05D6-B890-9071-2015D020519F}"/>
-              </a:ext>
-            </a:extLst>
-          </p:cNvPr>
-          <p:cNvSpPr txBox="1"/>
-          <p:nvPr/>
-        </p:nvSpPr>
-        <p:spPr>
-          <a:xfrm>
-            <a:off x="7811679" y="2426662"/>
-            <a:ext cx="938779" cy="261610"/>
+            <a:off x="0" y="-184666"/>
+            <a:ext cx="264816" cy="369332"/>
           </a:xfrm>
           <a:prstGeom prst="rect">
             <a:avLst/>
           </a:prstGeom>
           <a:noFill/>
-        </p:spPr>
-        <p:txBody>
-          <a:bodyPr wrap="square" rtlCol="0">
+          <a:ln>
+            <a:noFill/>
+          </a:ln>
+          <a:effectLst/>
+          <a:extLst>
+            <a:ext uri="{909E8E84-426E-40DD-AFC4-6F175D3DCCD1}">
+              <a14:hiddenFill xmlns:a14="http://schemas.microsoft.com/office/drawing/2010/main">
+                <a:solidFill>
+                  <a:schemeClr val="accent1"/>
+                </a:solidFill>
+              </a14:hiddenFill>
+            </a:ext>
+            <a:ext uri="{91240B29-F687-4F45-9708-019B960494DF}">
+              <a14:hiddenLine xmlns:a14="http://schemas.microsoft.com/office/drawing/2010/main" w="9525">
+                <a:solidFill>
+                  <a:schemeClr val="tx1"/>
+                </a:solidFill>
+                <a:miter lim="800000"/>
+                <a:headEnd/>
+                <a:tailEnd/>
+              </a14:hiddenLine>
+            </a:ext>
+            <a:ext uri="{AF507438-7753-43E0-B8FC-AC1667EBCBE1}">
+              <a14:hiddenEffects xmlns:a14="http://schemas.microsoft.com/office/drawing/2010/main">
+                <a:effectLst>
+                  <a:outerShdw dist="35921" dir="2700000" algn="ctr" rotWithShape="0">
+                    <a:schemeClr val="bg2"/>
+                  </a:outerShdw>
+                </a:effectLst>
+              </a14:hiddenEffects>
+            </a:ext>
+          </a:extLst>
+        </p:spPr>
+        <p:txBody>
+          <a:bodyPr vert="horz" wrap="none" lIns="91440" tIns="45720" rIns="91440" bIns="45720" numCol="1" anchor="ctr" anchorCtr="0" compatLnSpc="1">
+            <a:prstTxWarp prst="textNoShape">
+              <a:avLst/>
+            </a:prstTxWarp>
             <a:spAutoFit/>
           </a:bodyPr>
           <a:lstStyle/>
           <a:p>
-            <a:r>
-              <a:rPr lang="fr-FR" sz="1100" dirty="0"/>
-              <a:t>Retour</a:t>
-            </a:r>
-          </a:p>
-        </p:txBody>
-      </p:sp>
-      <p:sp>
-        <p:nvSpPr>
-          <p:cNvPr id="32" name="ZoneTexte 31">
-            <a:extLst>
-              <a:ext uri="{FF2B5EF4-FFF2-40B4-BE49-F238E27FC236}">
-                <a16:creationId xmlns:a16="http://schemas.microsoft.com/office/drawing/2014/main" id="{F78DE0BB-F314-9EEC-26C5-2F986FA9431D}"/>
-              </a:ext>
-            </a:extLst>
-          </p:cNvPr>
-          <p:cNvSpPr txBox="1"/>
+            <a:pPr marL="0" marR="0" lvl="0" indent="0" algn="l" defTabSz="914400" rtl="0" eaLnBrk="0" fontAlgn="base" latinLnBrk="0" hangingPunct="0">
+              <a:lnSpc>
+                <a:spcPct val="100000"/>
+              </a:lnSpc>
+              <a:spcBef>
+                <a:spcPct val="0"/>
+              </a:spcBef>
+              <a:spcAft>
+                <a:spcPct val="0"/>
+              </a:spcAft>
+              <a:buClrTx/>
+              <a:buSzTx/>
+              <a:buFontTx/>
+              <a:buChar char="•"/>
+              <a:tabLst/>
+            </a:pPr>
+            <a:endParaRPr kumimoji="0" lang="fr-FR" altLang="fr-FR" sz="1800" b="0" i="0" u="none" strike="noStrike" cap="none" normalizeH="0" baseline="0" dirty="0">
+              <a:ln>
+                <a:noFill/>
+              </a:ln>
+              <a:solidFill>
+                <a:schemeClr val="tx1"/>
+              </a:solidFill>
+              <a:effectLst/>
+              <a:latin typeface="Arial" panose="020B0604020202020204" pitchFamily="34" charset="0"/>
+            </a:endParaRPr>
+          </a:p>
+        </p:txBody>
+      </p:sp>
+      <p:pic>
+        <p:nvPicPr>
+          <p:cNvPr id="8" name="Image 7">
+            <a:extLst>
+              <a:ext uri="{FF2B5EF4-FFF2-40B4-BE49-F238E27FC236}">
+                <a16:creationId xmlns:a16="http://schemas.microsoft.com/office/drawing/2014/main" id="{23866988-8EC4-F4F4-476B-FFC334D7964C}"/>
+              </a:ext>
+            </a:extLst>
+          </p:cNvPr>
+          <p:cNvPicPr>
+            <a:picLocks noChangeAspect="1"/>
+          </p:cNvPicPr>
           <p:nvPr/>
-        </p:nvSpPr>
+        </p:nvPicPr>
+        <p:blipFill>
+          <a:blip r:embed="rId2"/>
+          <a:stretch>
+            <a:fillRect/>
+          </a:stretch>
+        </p:blipFill>
         <p:spPr>
           <a:xfrm>
-            <a:off x="7287422" y="4227599"/>
-            <a:ext cx="938779" cy="261610"/>
+            <a:off x="5699760" y="1874520"/>
+            <a:ext cx="6281538" cy="3672840"/>
           </a:xfrm>
           <a:prstGeom prst="rect">
             <a:avLst/>
           </a:prstGeom>
-          <a:noFill/>
-        </p:spPr>
-        <p:txBody>
-          <a:bodyPr wrap="square" rtlCol="0">
-            <a:spAutoFit/>
-          </a:bodyPr>
-          <a:lstStyle/>
-          <a:p>
-            <a:r>
-              <a:rPr lang="fr-FR" sz="1100" dirty="0"/>
-              <a:t>Retour</a:t>
-            </a:r>
-          </a:p>
-        </p:txBody>
-      </p:sp>
-      <p:sp>
-        <p:nvSpPr>
-          <p:cNvPr id="33" name="ZoneTexte 32">
-            <a:extLst>
-              <a:ext uri="{FF2B5EF4-FFF2-40B4-BE49-F238E27FC236}">
-                <a16:creationId xmlns:a16="http://schemas.microsoft.com/office/drawing/2014/main" id="{59D76286-BF71-6BC8-FAD2-1B576EAEF668}"/>
-              </a:ext>
-            </a:extLst>
-          </p:cNvPr>
-          <p:cNvSpPr txBox="1"/>
-          <p:nvPr/>
-        </p:nvSpPr>
-        <p:spPr>
-          <a:xfrm>
-            <a:off x="7546165" y="3175089"/>
-            <a:ext cx="938779" cy="430887"/>
-          </a:xfrm>
-          <a:prstGeom prst="rect">
-            <a:avLst/>
-          </a:prstGeom>
-          <a:noFill/>
-        </p:spPr>
-        <p:txBody>
-          <a:bodyPr wrap="square" rtlCol="0">
-            <a:spAutoFit/>
-          </a:bodyPr>
-          <a:lstStyle/>
-          <a:p>
-            <a:r>
-              <a:rPr lang="fr-FR" sz="1100" dirty="0"/>
-              <a:t>Demande de génération</a:t>
-            </a:r>
-          </a:p>
-        </p:txBody>
-      </p:sp>
-      <p:sp>
-        <p:nvSpPr>
-          <p:cNvPr id="34" name="ZoneTexte 33">
-            <a:extLst>
-              <a:ext uri="{FF2B5EF4-FFF2-40B4-BE49-F238E27FC236}">
-                <a16:creationId xmlns:a16="http://schemas.microsoft.com/office/drawing/2014/main" id="{2AD72072-0F1A-5159-9C6C-C0C36A4292E7}"/>
-              </a:ext>
-            </a:extLst>
-          </p:cNvPr>
-          <p:cNvSpPr txBox="1"/>
-          <p:nvPr/>
-        </p:nvSpPr>
-        <p:spPr>
-          <a:xfrm>
-            <a:off x="7491885" y="4846773"/>
-            <a:ext cx="938779" cy="430887"/>
-          </a:xfrm>
-          <a:prstGeom prst="rect">
-            <a:avLst/>
-          </a:prstGeom>
-          <a:noFill/>
-        </p:spPr>
-        <p:txBody>
-          <a:bodyPr wrap="square" rtlCol="0">
-            <a:spAutoFit/>
-          </a:bodyPr>
-          <a:lstStyle/>
-          <a:p>
-            <a:r>
-              <a:rPr lang="fr-FR" sz="1100" dirty="0"/>
-              <a:t>Demande de génération</a:t>
-            </a:r>
-          </a:p>
-        </p:txBody>
-      </p:sp>
-      <p:sp>
-        <p:nvSpPr>
-          <p:cNvPr id="35" name="ZoneTexte 34">
-            <a:extLst>
-              <a:ext uri="{FF2B5EF4-FFF2-40B4-BE49-F238E27FC236}">
-                <a16:creationId xmlns:a16="http://schemas.microsoft.com/office/drawing/2014/main" id="{B7ED4E75-E906-FCCE-CFA0-CE35568C3D79}"/>
-              </a:ext>
-            </a:extLst>
-          </p:cNvPr>
-          <p:cNvSpPr txBox="1"/>
-          <p:nvPr/>
-        </p:nvSpPr>
-        <p:spPr>
-          <a:xfrm>
-            <a:off x="4841340" y="1979840"/>
-            <a:ext cx="938779" cy="430887"/>
-          </a:xfrm>
-          <a:prstGeom prst="rect">
-            <a:avLst/>
-          </a:prstGeom>
-          <a:noFill/>
-        </p:spPr>
-        <p:txBody>
-          <a:bodyPr wrap="square" rtlCol="0">
-            <a:spAutoFit/>
-          </a:bodyPr>
-          <a:lstStyle/>
-          <a:p>
-            <a:r>
-              <a:rPr lang="fr-FR" sz="1100" dirty="0"/>
-              <a:t>Retour à façade</a:t>
-            </a:r>
-          </a:p>
-        </p:txBody>
-      </p:sp>
-      <p:sp>
-        <p:nvSpPr>
-          <p:cNvPr id="36" name="ZoneTexte 35">
-            <a:extLst>
-              <a:ext uri="{FF2B5EF4-FFF2-40B4-BE49-F238E27FC236}">
-                <a16:creationId xmlns:a16="http://schemas.microsoft.com/office/drawing/2014/main" id="{15B8D573-69C4-1F14-D7E5-8C8E56320995}"/>
-              </a:ext>
-            </a:extLst>
-          </p:cNvPr>
-          <p:cNvSpPr txBox="1"/>
-          <p:nvPr/>
-        </p:nvSpPr>
-        <p:spPr>
-          <a:xfrm>
-            <a:off x="5072011" y="4151932"/>
-            <a:ext cx="938779" cy="430887"/>
-          </a:xfrm>
-          <a:prstGeom prst="rect">
-            <a:avLst/>
-          </a:prstGeom>
-          <a:noFill/>
-        </p:spPr>
-        <p:txBody>
-          <a:bodyPr wrap="square" rtlCol="0">
-            <a:spAutoFit/>
-          </a:bodyPr>
-          <a:lstStyle/>
-          <a:p>
-            <a:r>
-              <a:rPr lang="fr-FR" sz="1100" dirty="0"/>
-              <a:t>Retour à façade</a:t>
-            </a:r>
-          </a:p>
-        </p:txBody>
-      </p:sp>
-      <p:sp>
-        <p:nvSpPr>
-          <p:cNvPr id="37" name="ZoneTexte 36">
-            <a:extLst>
-              <a:ext uri="{FF2B5EF4-FFF2-40B4-BE49-F238E27FC236}">
-                <a16:creationId xmlns:a16="http://schemas.microsoft.com/office/drawing/2014/main" id="{087E869C-0FA1-8676-11B3-7EE7B455BCBF}"/>
-              </a:ext>
-            </a:extLst>
-          </p:cNvPr>
-          <p:cNvSpPr txBox="1"/>
-          <p:nvPr/>
-        </p:nvSpPr>
-        <p:spPr>
-          <a:xfrm>
-            <a:off x="4992497" y="2878945"/>
-            <a:ext cx="938779" cy="261610"/>
-          </a:xfrm>
-          <a:prstGeom prst="rect">
-            <a:avLst/>
-          </a:prstGeom>
-          <a:noFill/>
-        </p:spPr>
-        <p:txBody>
-          <a:bodyPr wrap="square" rtlCol="0">
-            <a:spAutoFit/>
-          </a:bodyPr>
-          <a:lstStyle/>
-          <a:p>
-            <a:r>
-              <a:rPr lang="fr-FR" sz="1100" dirty="0"/>
-              <a:t>Prompt</a:t>
-            </a:r>
-          </a:p>
-        </p:txBody>
-      </p:sp>
-      <p:sp>
-        <p:nvSpPr>
-          <p:cNvPr id="38" name="ZoneTexte 37">
-            <a:extLst>
-              <a:ext uri="{FF2B5EF4-FFF2-40B4-BE49-F238E27FC236}">
-                <a16:creationId xmlns:a16="http://schemas.microsoft.com/office/drawing/2014/main" id="{1CFA923F-BCBA-59DF-5AB1-C7A6A4C658FC}"/>
-              </a:ext>
-            </a:extLst>
-          </p:cNvPr>
-          <p:cNvSpPr txBox="1"/>
-          <p:nvPr/>
-        </p:nvSpPr>
-        <p:spPr>
-          <a:xfrm>
-            <a:off x="5070103" y="5082413"/>
-            <a:ext cx="938779" cy="261610"/>
-          </a:xfrm>
-          <a:prstGeom prst="rect">
-            <a:avLst/>
-          </a:prstGeom>
-          <a:noFill/>
-        </p:spPr>
-        <p:txBody>
-          <a:bodyPr wrap="square" rtlCol="0">
-            <a:spAutoFit/>
-          </a:bodyPr>
-          <a:lstStyle/>
-          <a:p>
-            <a:r>
-              <a:rPr lang="fr-FR" sz="1100" dirty="0"/>
-              <a:t>Prompt</a:t>
-            </a:r>
-          </a:p>
-        </p:txBody>
-      </p:sp>
-      <p:sp>
-        <p:nvSpPr>
-          <p:cNvPr id="41" name="Triangle isocèle 40">
-            <a:extLst>
-              <a:ext uri="{FF2B5EF4-FFF2-40B4-BE49-F238E27FC236}">
-                <a16:creationId xmlns:a16="http://schemas.microsoft.com/office/drawing/2014/main" id="{9276E566-9E4B-F199-6CA9-846CE3C98798}"/>
-              </a:ext>
-            </a:extLst>
-          </p:cNvPr>
-          <p:cNvSpPr/>
-          <p:nvPr/>
-        </p:nvSpPr>
-        <p:spPr>
-          <a:xfrm>
-            <a:off x="8084159" y="2452299"/>
-            <a:ext cx="2268103" cy="2155728"/>
-          </a:xfrm>
-          <a:prstGeom prst="triangle">
-            <a:avLst/>
-          </a:prstGeom>
-          <a:ln w="12700" cap="flat" cmpd="sng" algn="ctr">
-            <a:noFill/>
-            <a:prstDash val="solid"/>
-            <a:miter lim="800000"/>
-          </a:ln>
-          <a:effectLst/>
-          <a:extLst>
-            <a:ext uri="{91240B29-F687-4F45-9708-019B960494DF}">
-              <a14:hiddenLine xmlns:a14="http://schemas.microsoft.com/office/drawing/2010/main" w="12700" cap="flat" cmpd="sng" algn="ctr">
-                <a:solidFill>
-                  <a:schemeClr val="accent1">
-                    <a:shade val="50000"/>
-                  </a:schemeClr>
-                </a:solidFill>
-                <a:prstDash val="solid"/>
-                <a:miter lim="800000"/>
-              </a14:hiddenLine>
-            </a:ext>
-          </a:extLst>
-        </p:spPr>
-        <p:style>
-          <a:lnRef idx="2">
-            <a:schemeClr val="accent1">
-              <a:shade val="50000"/>
-            </a:schemeClr>
-          </a:lnRef>
-          <a:fillRef idx="1">
-            <a:schemeClr val="accent1"/>
-          </a:fillRef>
-          <a:effectRef idx="0">
-            <a:schemeClr val="accent1"/>
-          </a:effectRef>
-          <a:fontRef idx="minor">
-            <a:schemeClr val="lt1"/>
-          </a:fontRef>
-        </p:style>
-        <p:txBody>
-          <a:bodyPr rtlCol="0" anchor="ctr"/>
-          <a:lstStyle/>
-          <a:p>
-            <a:pPr algn="ctr"/>
-            <a:r>
-              <a:rPr lang="fr-FR" dirty="0"/>
-              <a:t>Adapteur</a:t>
-            </a:r>
-          </a:p>
-          <a:p>
-            <a:pPr algn="ctr"/>
-            <a:r>
-              <a:rPr lang="fr-FR" dirty="0" err="1"/>
-              <a:t>Ollama</a:t>
-            </a:r>
-            <a:r>
-              <a:rPr lang="fr-FR" dirty="0"/>
-              <a:t> / API</a:t>
-            </a:r>
-          </a:p>
-        </p:txBody>
-      </p:sp>
-      <p:cxnSp>
-        <p:nvCxnSpPr>
-          <p:cNvPr id="43" name="Connecteur droit avec flèche 42">
-            <a:extLst>
-              <a:ext uri="{FF2B5EF4-FFF2-40B4-BE49-F238E27FC236}">
-                <a16:creationId xmlns:a16="http://schemas.microsoft.com/office/drawing/2014/main" id="{208C628A-40F9-A734-F770-6723E0F80E91}"/>
-              </a:ext>
-            </a:extLst>
-          </p:cNvPr>
-          <p:cNvCxnSpPr>
-            <a:cxnSpLocks/>
-          </p:cNvCxnSpPr>
-          <p:nvPr/>
-        </p:nvCxnSpPr>
-        <p:spPr>
-          <a:xfrm>
-            <a:off x="9649310" y="3584354"/>
-            <a:ext cx="1536723" cy="21622"/>
-          </a:xfrm>
-          <a:prstGeom prst="straightConnector1">
-            <a:avLst/>
-          </a:prstGeom>
-          <a:ln>
-            <a:tailEnd type="triangle"/>
-          </a:ln>
-        </p:spPr>
-        <p:style>
-          <a:lnRef idx="1">
-            <a:schemeClr val="accent1"/>
-          </a:lnRef>
-          <a:fillRef idx="0">
-            <a:schemeClr val="accent1"/>
-          </a:fillRef>
-          <a:effectRef idx="0">
-            <a:schemeClr val="accent1"/>
-          </a:effectRef>
-          <a:fontRef idx="minor">
-            <a:schemeClr val="tx1"/>
-          </a:fontRef>
-        </p:style>
-      </p:cxnSp>
-      <p:cxnSp>
-        <p:nvCxnSpPr>
-          <p:cNvPr id="30" name="Connecteur droit avec flèche 29">
-            <a:extLst>
-              <a:ext uri="{FF2B5EF4-FFF2-40B4-BE49-F238E27FC236}">
-                <a16:creationId xmlns:a16="http://schemas.microsoft.com/office/drawing/2014/main" id="{FC3C54BA-4997-1A28-3960-5E165C9FC077}"/>
-              </a:ext>
-            </a:extLst>
-          </p:cNvPr>
-          <p:cNvCxnSpPr>
-            <a:cxnSpLocks/>
-          </p:cNvCxnSpPr>
-          <p:nvPr/>
-        </p:nvCxnSpPr>
-        <p:spPr>
-          <a:xfrm flipH="1">
-            <a:off x="4893772" y="2339740"/>
-            <a:ext cx="802692" cy="185224"/>
-          </a:xfrm>
-          <a:prstGeom prst="straightConnector1">
-            <a:avLst/>
-          </a:prstGeom>
-          <a:ln>
-            <a:solidFill>
-              <a:schemeClr val="tx1"/>
-            </a:solidFill>
-            <a:tailEnd type="triangle"/>
-          </a:ln>
-        </p:spPr>
-        <p:style>
-          <a:lnRef idx="1">
-            <a:schemeClr val="accent1"/>
-          </a:lnRef>
-          <a:fillRef idx="0">
-            <a:schemeClr val="accent1"/>
-          </a:fillRef>
-          <a:effectRef idx="0">
-            <a:schemeClr val="accent1"/>
-          </a:effectRef>
-          <a:fontRef idx="minor">
-            <a:schemeClr val="tx1"/>
-          </a:fontRef>
-        </p:style>
-      </p:cxnSp>
-      <p:cxnSp>
-        <p:nvCxnSpPr>
-          <p:cNvPr id="28" name="Connecteur droit avec flèche 27">
-            <a:extLst>
-              <a:ext uri="{FF2B5EF4-FFF2-40B4-BE49-F238E27FC236}">
-                <a16:creationId xmlns:a16="http://schemas.microsoft.com/office/drawing/2014/main" id="{39441FB8-7AB2-FC5B-1008-E5CD344F6243}"/>
-              </a:ext>
-            </a:extLst>
-          </p:cNvPr>
-          <p:cNvCxnSpPr/>
-          <p:nvPr/>
-        </p:nvCxnSpPr>
-        <p:spPr>
-          <a:xfrm flipH="1" flipV="1">
-            <a:off x="4739846" y="4300907"/>
-            <a:ext cx="1470660" cy="614240"/>
-          </a:xfrm>
-          <a:prstGeom prst="straightConnector1">
-            <a:avLst/>
-          </a:prstGeom>
-          <a:ln>
-            <a:solidFill>
-              <a:schemeClr val="tx1"/>
-            </a:solidFill>
-            <a:tailEnd type="triangle"/>
-          </a:ln>
-        </p:spPr>
-        <p:style>
-          <a:lnRef idx="1">
-            <a:schemeClr val="accent1"/>
-          </a:lnRef>
-          <a:fillRef idx="0">
-            <a:schemeClr val="accent1"/>
-          </a:fillRef>
-          <a:effectRef idx="0">
-            <a:schemeClr val="accent1"/>
-          </a:effectRef>
-          <a:fontRef idx="minor">
-            <a:schemeClr val="tx1"/>
-          </a:fontRef>
-        </p:style>
-      </p:cxnSp>
-      <p:cxnSp>
-        <p:nvCxnSpPr>
-          <p:cNvPr id="47" name="Connecteur droit avec flèche 46">
-            <a:extLst>
-              <a:ext uri="{FF2B5EF4-FFF2-40B4-BE49-F238E27FC236}">
-                <a16:creationId xmlns:a16="http://schemas.microsoft.com/office/drawing/2014/main" id="{7BEB76F0-BE8F-3B64-629E-24EBBEED5066}"/>
-              </a:ext>
-            </a:extLst>
-          </p:cNvPr>
-          <p:cNvCxnSpPr>
-            <a:cxnSpLocks/>
-          </p:cNvCxnSpPr>
-          <p:nvPr/>
-        </p:nvCxnSpPr>
-        <p:spPr>
-          <a:xfrm>
-            <a:off x="1839738" y="3376497"/>
-            <a:ext cx="1489738" cy="0"/>
-          </a:xfrm>
-          <a:prstGeom prst="straightConnector1">
-            <a:avLst/>
-          </a:prstGeom>
-          <a:ln>
-            <a:solidFill>
-              <a:schemeClr val="tx1"/>
-            </a:solidFill>
-            <a:tailEnd type="triangle"/>
-          </a:ln>
-        </p:spPr>
-        <p:style>
-          <a:lnRef idx="1">
-            <a:schemeClr val="accent1"/>
-          </a:lnRef>
-          <a:fillRef idx="0">
-            <a:schemeClr val="accent1"/>
-          </a:fillRef>
-          <a:effectRef idx="0">
-            <a:schemeClr val="accent1"/>
-          </a:effectRef>
-          <a:fontRef idx="minor">
-            <a:schemeClr val="tx1"/>
-          </a:fontRef>
-        </p:style>
-      </p:cxnSp>
-      <p:sp>
-        <p:nvSpPr>
-          <p:cNvPr id="50" name="ZoneTexte 49">
-            <a:extLst>
-              <a:ext uri="{FF2B5EF4-FFF2-40B4-BE49-F238E27FC236}">
-                <a16:creationId xmlns:a16="http://schemas.microsoft.com/office/drawing/2014/main" id="{71E66FC1-1533-A1B8-B48A-0AD3BE4550CF}"/>
-              </a:ext>
-            </a:extLst>
-          </p:cNvPr>
-          <p:cNvSpPr txBox="1"/>
-          <p:nvPr/>
-        </p:nvSpPr>
-        <p:spPr>
-          <a:xfrm>
-            <a:off x="2473732" y="3080762"/>
-            <a:ext cx="938779" cy="261610"/>
-          </a:xfrm>
-          <a:prstGeom prst="rect">
-            <a:avLst/>
-          </a:prstGeom>
-          <a:noFill/>
-        </p:spPr>
-        <p:txBody>
-          <a:bodyPr wrap="square" rtlCol="0">
-            <a:spAutoFit/>
-          </a:bodyPr>
-          <a:lstStyle/>
-          <a:p>
-            <a:r>
-              <a:rPr lang="fr-FR" sz="1100" dirty="0"/>
-              <a:t>Prompt</a:t>
-            </a:r>
-          </a:p>
-        </p:txBody>
-      </p:sp>
+        </p:spPr>
+      </p:pic>
     </p:spTree>
     <p:extLst>
       <p:ext uri="{BB962C8B-B14F-4D97-AF65-F5344CB8AC3E}">
-        <p14:creationId xmlns:p14="http://schemas.microsoft.com/office/powerpoint/2010/main" val="2321962782"/>
+        <p14:creationId xmlns:p14="http://schemas.microsoft.com/office/powerpoint/2010/main" val="2949742978"/>
       </p:ext>
     </p:extLst>
   </p:cSld>
@@ -5568,35 +5004,144 @@
       </p:grpSpPr>
       <p:sp>
         <p:nvSpPr>
-          <p:cNvPr id="4" name="Rectangle 3">
-            <a:extLst>
-              <a:ext uri="{FF2B5EF4-FFF2-40B4-BE49-F238E27FC236}">
-                <a16:creationId xmlns:a16="http://schemas.microsoft.com/office/drawing/2014/main" id="{76DF09A2-BA16-9C7D-29A7-92033FAA8037}"/>
-              </a:ext>
-            </a:extLst>
-          </p:cNvPr>
-          <p:cNvSpPr/>
+          <p:cNvPr id="2" name="Titre 1">
+            <a:extLst>
+              <a:ext uri="{FF2B5EF4-FFF2-40B4-BE49-F238E27FC236}">
+                <a16:creationId xmlns:a16="http://schemas.microsoft.com/office/drawing/2014/main" id="{89C1121B-E020-E515-62F1-5F2086037A7D}"/>
+              </a:ext>
+            </a:extLst>
+          </p:cNvPr>
+          <p:cNvSpPr>
+            <a:spLocks noGrp="1"/>
+          </p:cNvSpPr>
+          <p:nvPr>
+            <p:ph type="title"/>
+          </p:nvPr>
+        </p:nvSpPr>
+        <p:spPr/>
+        <p:txBody>
+          <a:bodyPr/>
+          <a:lstStyle/>
+          <a:p>
+            <a:r>
+              <a:rPr lang="fr-FR" dirty="0"/>
+              <a:t>Architecture imaginée</a:t>
+            </a:r>
+          </a:p>
+        </p:txBody>
+      </p:sp>
+      <p:cxnSp>
+        <p:nvCxnSpPr>
+          <p:cNvPr id="5" name="Connecteur droit 4">
+            <a:extLst>
+              <a:ext uri="{FF2B5EF4-FFF2-40B4-BE49-F238E27FC236}">
+                <a16:creationId xmlns:a16="http://schemas.microsoft.com/office/drawing/2014/main" id="{7E09D7F7-347A-0588-DBB2-3CA463493989}"/>
+              </a:ext>
+            </a:extLst>
+          </p:cNvPr>
+          <p:cNvCxnSpPr>
+            <a:cxnSpLocks/>
+          </p:cNvCxnSpPr>
           <p:nvPr/>
-        </p:nvSpPr>
+        </p:nvCxnSpPr>
         <p:spPr>
           <a:xfrm>
-            <a:off x="1010065" y="2020940"/>
-            <a:ext cx="2240224" cy="3241053"/>
+            <a:off x="10480229" y="2201979"/>
+            <a:ext cx="0" cy="3682148"/>
+          </a:xfrm>
+          <a:prstGeom prst="line">
+            <a:avLst/>
+          </a:prstGeom>
+        </p:spPr>
+        <p:style>
+          <a:lnRef idx="1">
+            <a:schemeClr val="accent1"/>
+          </a:lnRef>
+          <a:fillRef idx="0">
+            <a:schemeClr val="accent1"/>
+          </a:fillRef>
+          <a:effectRef idx="0">
+            <a:schemeClr val="accent1"/>
+          </a:effectRef>
+          <a:fontRef idx="minor">
+            <a:schemeClr val="tx1"/>
+          </a:fontRef>
+        </p:style>
+      </p:cxnSp>
+      <p:sp>
+        <p:nvSpPr>
+          <p:cNvPr id="8" name="ZoneTexte 7">
+            <a:extLst>
+              <a:ext uri="{FF2B5EF4-FFF2-40B4-BE49-F238E27FC236}">
+                <a16:creationId xmlns:a16="http://schemas.microsoft.com/office/drawing/2014/main" id="{4CB4F2CE-1B74-20F9-D3D8-C7656849E319}"/>
+              </a:ext>
+            </a:extLst>
+          </p:cNvPr>
+          <p:cNvSpPr txBox="1"/>
+          <p:nvPr/>
+        </p:nvSpPr>
+        <p:spPr>
+          <a:xfrm>
+            <a:off x="10545640" y="3244334"/>
+            <a:ext cx="1552637" cy="369332"/>
           </a:xfrm>
           <a:prstGeom prst="rect">
             <a:avLst/>
           </a:prstGeom>
-          <a:solidFill>
-            <a:schemeClr val="bg2">
-              <a:lumMod val="75000"/>
-            </a:schemeClr>
-          </a:solidFill>
+          <a:noFill/>
+        </p:spPr>
+        <p:txBody>
+          <a:bodyPr wrap="square" rtlCol="0">
+            <a:spAutoFit/>
+          </a:bodyPr>
+          <a:lstStyle/>
+          <a:p>
+            <a:r>
+              <a:rPr lang="fr-FR" dirty="0"/>
+              <a:t>Ollama</a:t>
+            </a:r>
+          </a:p>
+        </p:txBody>
+      </p:sp>
+      <p:sp>
+        <p:nvSpPr>
+          <p:cNvPr id="9" name="Rectangle 8">
+            <a:extLst>
+              <a:ext uri="{FF2B5EF4-FFF2-40B4-BE49-F238E27FC236}">
+                <a16:creationId xmlns:a16="http://schemas.microsoft.com/office/drawing/2014/main" id="{3626FC6B-6365-9261-B78D-D6F0484E936F}"/>
+              </a:ext>
+            </a:extLst>
+          </p:cNvPr>
+          <p:cNvSpPr/>
+          <p:nvPr/>
+        </p:nvSpPr>
+        <p:spPr>
+          <a:xfrm>
+            <a:off x="3014548" y="2078090"/>
+            <a:ext cx="2095963" cy="3278888"/>
+          </a:xfrm>
+          <a:prstGeom prst="rect">
+            <a:avLst/>
+          </a:prstGeom>
           <a:ln w="12700" cap="flat" cmpd="sng" algn="ctr">
             <a:noFill/>
             <a:prstDash val="solid"/>
             <a:miter lim="800000"/>
           </a:ln>
           <a:effectLst/>
+          <a:extLst>
+            <a:ext uri="{91240B29-F687-4F45-9708-019B960494DF}">
+              <a14:hiddenLine xmlns:a14="http://schemas.microsoft.com/office/drawing/2010/main" w="12700" cap="flat" cmpd="sng" algn="ctr">
+                <a:solidFill>
+                  <a:schemeClr val="accent1">
+                    <a:shade val="50000"/>
+                  </a:schemeClr>
+                </a:solidFill>
+                <a:prstDash val="solid"/>
+                <a:miter lim="800000"/>
+              </a14:hiddenLine>
+            </a:ext>
+          </a:extLst>
         </p:spPr>
         <p:style>
           <a:lnRef idx="2">
@@ -5621,17 +5166,17 @@
             <a:pPr algn="ctr"/>
             <a:r>
               <a:rPr lang="fr-FR" dirty="0"/>
-              <a:t>Console / utilisateur</a:t>
-            </a:r>
-          </a:p>
-        </p:txBody>
-      </p:sp>
-      <p:sp>
-        <p:nvSpPr>
-          <p:cNvPr id="5" name="Rectangle 4">
-            <a:extLst>
-              <a:ext uri="{FF2B5EF4-FFF2-40B4-BE49-F238E27FC236}">
-                <a16:creationId xmlns:a16="http://schemas.microsoft.com/office/drawing/2014/main" id="{C32230BE-105E-3B6E-D0C3-FB7D48CAFCEC}"/>
+              <a:t>Façade interraction API</a:t>
+            </a:r>
+          </a:p>
+        </p:txBody>
+      </p:sp>
+      <p:sp>
+        <p:nvSpPr>
+          <p:cNvPr id="12" name="Rectangle 11">
+            <a:extLst>
+              <a:ext uri="{FF2B5EF4-FFF2-40B4-BE49-F238E27FC236}">
+                <a16:creationId xmlns:a16="http://schemas.microsoft.com/office/drawing/2014/main" id="{0FDED8E9-0E55-AFF1-6A75-96DC413B7E21}"/>
               </a:ext>
             </a:extLst>
           </p:cNvPr>
@@ -5640,7 +5185,7 @@
         </p:nvSpPr>
         <p:spPr>
           <a:xfrm>
-            <a:off x="4386999" y="3059686"/>
+            <a:off x="5539492" y="1802101"/>
             <a:ext cx="2268112" cy="1016962"/>
           </a:xfrm>
           <a:prstGeom prst="rect">
@@ -5682,17 +5227,103 @@
             <a:pPr algn="ctr"/>
             <a:r>
               <a:rPr lang="fr-FR" dirty="0"/>
-              <a:t>Agent de décision</a:t>
-            </a:r>
-          </a:p>
-        </p:txBody>
-      </p:sp>
-      <p:sp>
-        <p:nvSpPr>
-          <p:cNvPr id="6" name="Ellipse 5">
-            <a:extLst>
-              <a:ext uri="{FF2B5EF4-FFF2-40B4-BE49-F238E27FC236}">
-                <a16:creationId xmlns:a16="http://schemas.microsoft.com/office/drawing/2014/main" id="{939F036E-D347-17BA-2BD7-4A4B6BF2C5E6}"/>
+              <a:t>Entité</a:t>
+            </a:r>
+          </a:p>
+        </p:txBody>
+      </p:sp>
+      <p:cxnSp>
+        <p:nvCxnSpPr>
+          <p:cNvPr id="14" name="Connecteur droit avec flèche 13">
+            <a:extLst>
+              <a:ext uri="{FF2B5EF4-FFF2-40B4-BE49-F238E27FC236}">
+                <a16:creationId xmlns:a16="http://schemas.microsoft.com/office/drawing/2014/main" id="{D7C18E11-4B29-7700-915C-77971DA547C3}"/>
+              </a:ext>
+            </a:extLst>
+          </p:cNvPr>
+          <p:cNvCxnSpPr>
+            <a:cxnSpLocks/>
+          </p:cNvCxnSpPr>
+          <p:nvPr/>
+        </p:nvCxnSpPr>
+        <p:spPr>
+          <a:xfrm>
+            <a:off x="7209689" y="2776308"/>
+            <a:ext cx="1612739" cy="412359"/>
+          </a:xfrm>
+          <a:prstGeom prst="straightConnector1">
+            <a:avLst/>
+          </a:prstGeom>
+          <a:ln>
+            <a:solidFill>
+              <a:schemeClr val="tx1"/>
+            </a:solidFill>
+            <a:tailEnd type="triangle"/>
+          </a:ln>
+        </p:spPr>
+        <p:style>
+          <a:lnRef idx="1">
+            <a:schemeClr val="accent1"/>
+          </a:lnRef>
+          <a:fillRef idx="0">
+            <a:schemeClr val="accent1"/>
+          </a:fillRef>
+          <a:effectRef idx="0">
+            <a:schemeClr val="accent1"/>
+          </a:effectRef>
+          <a:fontRef idx="minor">
+            <a:schemeClr val="tx1"/>
+          </a:fontRef>
+        </p:style>
+      </p:cxnSp>
+      <p:cxnSp>
+        <p:nvCxnSpPr>
+          <p:cNvPr id="16" name="Connecteur droit avec flèche 15">
+            <a:extLst>
+              <a:ext uri="{FF2B5EF4-FFF2-40B4-BE49-F238E27FC236}">
+                <a16:creationId xmlns:a16="http://schemas.microsoft.com/office/drawing/2014/main" id="{9A7853F6-DD2F-1CD1-82AD-C62C8530AD65}"/>
+              </a:ext>
+            </a:extLst>
+          </p:cNvPr>
+          <p:cNvCxnSpPr/>
+          <p:nvPr/>
+        </p:nvCxnSpPr>
+        <p:spPr>
+          <a:xfrm flipH="1" flipV="1">
+            <a:off x="7122592" y="2407161"/>
+            <a:ext cx="1739590" cy="478430"/>
+          </a:xfrm>
+          <a:prstGeom prst="straightConnector1">
+            <a:avLst/>
+          </a:prstGeom>
+          <a:ln>
+            <a:solidFill>
+              <a:schemeClr val="tx1"/>
+            </a:solidFill>
+            <a:tailEnd type="triangle"/>
+          </a:ln>
+        </p:spPr>
+        <p:style>
+          <a:lnRef idx="1">
+            <a:schemeClr val="accent1"/>
+          </a:lnRef>
+          <a:fillRef idx="0">
+            <a:schemeClr val="accent1"/>
+          </a:fillRef>
+          <a:effectRef idx="0">
+            <a:schemeClr val="accent1"/>
+          </a:effectRef>
+          <a:fontRef idx="minor">
+            <a:schemeClr val="tx1"/>
+          </a:fontRef>
+        </p:style>
+      </p:cxnSp>
+      <p:sp>
+        <p:nvSpPr>
+          <p:cNvPr id="17" name="Ellipse 16">
+            <a:extLst>
+              <a:ext uri="{FF2B5EF4-FFF2-40B4-BE49-F238E27FC236}">
+                <a16:creationId xmlns:a16="http://schemas.microsoft.com/office/drawing/2014/main" id="{73F62F8C-53C3-A248-AD76-9AD9808F5905}"/>
               </a:ext>
             </a:extLst>
           </p:cNvPr>
@@ -5701,7 +5332,7 @@
         </p:nvSpPr>
         <p:spPr>
           <a:xfrm>
-            <a:off x="7290520" y="4554573"/>
+            <a:off x="5671270" y="4364073"/>
             <a:ext cx="1901432" cy="1080558"/>
           </a:xfrm>
           <a:prstGeom prst="ellipse">
@@ -5743,17 +5374,101 @@
             <a:pPr algn="ctr"/>
             <a:r>
               <a:rPr lang="fr-FR" dirty="0"/>
-              <a:t>Agent histoire</a:t>
-            </a:r>
-          </a:p>
-        </p:txBody>
-      </p:sp>
-      <p:sp>
-        <p:nvSpPr>
-          <p:cNvPr id="7" name="Ellipse 6">
-            <a:extLst>
-              <a:ext uri="{FF2B5EF4-FFF2-40B4-BE49-F238E27FC236}">
-                <a16:creationId xmlns:a16="http://schemas.microsoft.com/office/drawing/2014/main" id="{AA02259E-4FF2-70BB-06A3-73C8E2C0995D}"/>
+              <a:t>Dialogue</a:t>
+            </a:r>
+          </a:p>
+        </p:txBody>
+      </p:sp>
+      <p:cxnSp>
+        <p:nvCxnSpPr>
+          <p:cNvPr id="19" name="Connecteur droit avec flèche 18">
+            <a:extLst>
+              <a:ext uri="{FF2B5EF4-FFF2-40B4-BE49-F238E27FC236}">
+                <a16:creationId xmlns:a16="http://schemas.microsoft.com/office/drawing/2014/main" id="{0B3AACB0-DA2C-E38B-4715-3CBD4AD02A0A}"/>
+              </a:ext>
+            </a:extLst>
+          </p:cNvPr>
+          <p:cNvCxnSpPr/>
+          <p:nvPr/>
+        </p:nvCxnSpPr>
+        <p:spPr>
+          <a:xfrm flipV="1">
+            <a:off x="7034392" y="4640701"/>
+            <a:ext cx="1396272" cy="270024"/>
+          </a:xfrm>
+          <a:prstGeom prst="straightConnector1">
+            <a:avLst/>
+          </a:prstGeom>
+          <a:ln>
+            <a:solidFill>
+              <a:schemeClr val="tx1"/>
+            </a:solidFill>
+            <a:tailEnd type="triangle"/>
+          </a:ln>
+        </p:spPr>
+        <p:style>
+          <a:lnRef idx="1">
+            <a:schemeClr val="accent1"/>
+          </a:lnRef>
+          <a:fillRef idx="0">
+            <a:schemeClr val="accent1"/>
+          </a:fillRef>
+          <a:effectRef idx="0">
+            <a:schemeClr val="accent1"/>
+          </a:effectRef>
+          <a:fontRef idx="minor">
+            <a:schemeClr val="tx1"/>
+          </a:fontRef>
+        </p:style>
+      </p:cxnSp>
+      <p:cxnSp>
+        <p:nvCxnSpPr>
+          <p:cNvPr id="21" name="Connecteur droit avec flèche 20">
+            <a:extLst>
+              <a:ext uri="{FF2B5EF4-FFF2-40B4-BE49-F238E27FC236}">
+                <a16:creationId xmlns:a16="http://schemas.microsoft.com/office/drawing/2014/main" id="{9E35402B-35BF-3988-7B8C-390CD6146E43}"/>
+              </a:ext>
+            </a:extLst>
+          </p:cNvPr>
+          <p:cNvCxnSpPr/>
+          <p:nvPr/>
+        </p:nvCxnSpPr>
+        <p:spPr>
+          <a:xfrm flipH="1">
+            <a:off x="6965183" y="4358404"/>
+            <a:ext cx="1294888" cy="319120"/>
+          </a:xfrm>
+          <a:prstGeom prst="straightConnector1">
+            <a:avLst/>
+          </a:prstGeom>
+          <a:ln>
+            <a:solidFill>
+              <a:schemeClr val="tx1"/>
+            </a:solidFill>
+            <a:tailEnd type="triangle"/>
+          </a:ln>
+        </p:spPr>
+        <p:style>
+          <a:lnRef idx="1">
+            <a:schemeClr val="accent1"/>
+          </a:lnRef>
+          <a:fillRef idx="0">
+            <a:schemeClr val="accent1"/>
+          </a:fillRef>
+          <a:effectRef idx="0">
+            <a:schemeClr val="accent1"/>
+          </a:effectRef>
+          <a:fontRef idx="minor">
+            <a:schemeClr val="tx1"/>
+          </a:fontRef>
+        </p:style>
+      </p:cxnSp>
+      <p:sp>
+        <p:nvSpPr>
+          <p:cNvPr id="22" name="Rectangle 21">
+            <a:extLst>
+              <a:ext uri="{FF2B5EF4-FFF2-40B4-BE49-F238E27FC236}">
+                <a16:creationId xmlns:a16="http://schemas.microsoft.com/office/drawing/2014/main" id="{7159D62B-9E23-378D-D2E5-9778659A24D0}"/>
               </a:ext>
             </a:extLst>
           </p:cNvPr>
@@ -5762,16 +5477,15 @@
         </p:nvSpPr>
         <p:spPr>
           <a:xfrm>
-            <a:off x="7290520" y="1328773"/>
-            <a:ext cx="1901432" cy="1080558"/>
-          </a:xfrm>
-          <a:prstGeom prst="ellipse">
+            <a:off x="292515" y="2078090"/>
+            <a:ext cx="2240224" cy="3241053"/>
+          </a:xfrm>
+          <a:prstGeom prst="rect">
             <a:avLst/>
           </a:prstGeom>
           <a:solidFill>
-            <a:schemeClr val="tx2">
-              <a:lumMod val="50000"/>
-              <a:lumOff val="50000"/>
+            <a:schemeClr val="bg2">
+              <a:lumMod val="75000"/>
             </a:schemeClr>
           </a:solidFill>
           <a:ln w="12700" cap="flat" cmpd="sng" algn="ctr">
@@ -5804,17 +5518,17 @@
             <a:pPr algn="ctr"/>
             <a:r>
               <a:rPr lang="fr-FR" dirty="0"/>
-              <a:t>Agent Entité</a:t>
+              <a:t>Console / utilisateur</a:t>
             </a:r>
           </a:p>
         </p:txBody>
       </p:sp>
       <p:cxnSp>
         <p:nvCxnSpPr>
-          <p:cNvPr id="8" name="Connecteur droit avec flèche 7">
-            <a:extLst>
-              <a:ext uri="{FF2B5EF4-FFF2-40B4-BE49-F238E27FC236}">
-                <a16:creationId xmlns:a16="http://schemas.microsoft.com/office/drawing/2014/main" id="{53811ACE-49C6-D1A4-97D4-2DAB873CFC2A}"/>
+          <p:cNvPr id="24" name="Connecteur droit avec flèche 23">
+            <a:extLst>
+              <a:ext uri="{FF2B5EF4-FFF2-40B4-BE49-F238E27FC236}">
+                <a16:creationId xmlns:a16="http://schemas.microsoft.com/office/drawing/2014/main" id="{1B70CC74-7D1C-4B9A-DEC7-7DE10A528460}"/>
               </a:ext>
             </a:extLst>
           </p:cNvPr>
@@ -5824,9 +5538,9 @@
           <p:nvPr/>
         </p:nvCxnSpPr>
         <p:spPr>
-          <a:xfrm>
-            <a:off x="3097038" y="3463125"/>
-            <a:ext cx="1489738" cy="0"/>
+          <a:xfrm flipV="1">
+            <a:off x="4878693" y="2724238"/>
+            <a:ext cx="940693" cy="224096"/>
           </a:xfrm>
           <a:prstGeom prst="straightConnector1">
             <a:avLst/>
@@ -5853,47 +5567,12 @@
           </a:fontRef>
         </p:style>
       </p:cxnSp>
-      <p:sp>
-        <p:nvSpPr>
-          <p:cNvPr id="9" name="ZoneTexte 8">
-            <a:extLst>
-              <a:ext uri="{FF2B5EF4-FFF2-40B4-BE49-F238E27FC236}">
-                <a16:creationId xmlns:a16="http://schemas.microsoft.com/office/drawing/2014/main" id="{F781571A-8156-0C44-2045-7174D5728C3D}"/>
-              </a:ext>
-            </a:extLst>
-          </p:cNvPr>
-          <p:cNvSpPr txBox="1"/>
-          <p:nvPr/>
-        </p:nvSpPr>
-        <p:spPr>
-          <a:xfrm>
-            <a:off x="3448220" y="3167390"/>
-            <a:ext cx="938779" cy="261610"/>
-          </a:xfrm>
-          <a:prstGeom prst="rect">
-            <a:avLst/>
-          </a:prstGeom>
-          <a:noFill/>
-        </p:spPr>
-        <p:txBody>
-          <a:bodyPr wrap="square" rtlCol="0">
-            <a:spAutoFit/>
-          </a:bodyPr>
-          <a:lstStyle/>
-          <a:p>
-            <a:r>
-              <a:rPr lang="fr-FR" sz="1100" dirty="0"/>
-              <a:t>Prompt</a:t>
-            </a:r>
-          </a:p>
-        </p:txBody>
-      </p:sp>
       <p:cxnSp>
         <p:nvCxnSpPr>
-          <p:cNvPr id="11" name="Connecteur droit avec flèche 10">
-            <a:extLst>
-              <a:ext uri="{FF2B5EF4-FFF2-40B4-BE49-F238E27FC236}">
-                <a16:creationId xmlns:a16="http://schemas.microsoft.com/office/drawing/2014/main" id="{18FDF5BE-0E63-238A-F4D8-489BD7BD9850}"/>
+          <p:cNvPr id="26" name="Connecteur droit avec flèche 25">
+            <a:extLst>
+              <a:ext uri="{FF2B5EF4-FFF2-40B4-BE49-F238E27FC236}">
+                <a16:creationId xmlns:a16="http://schemas.microsoft.com/office/drawing/2014/main" id="{0C4B100C-B577-C3E2-9347-9AEF9497CFD6}"/>
               </a:ext>
             </a:extLst>
           </p:cNvPr>
@@ -5903,9 +5582,9 @@
           <p:nvPr/>
         </p:nvCxnSpPr>
         <p:spPr>
-          <a:xfrm rot="18919107">
-            <a:off x="6260266" y="2643625"/>
-            <a:ext cx="1489738" cy="0"/>
+          <a:xfrm>
+            <a:off x="4702440" y="4758069"/>
+            <a:ext cx="1241223" cy="423659"/>
           </a:xfrm>
           <a:prstGeom prst="straightConnector1">
             <a:avLst/>
@@ -5934,10 +5613,10 @@
       </p:cxnSp>
       <p:sp>
         <p:nvSpPr>
-          <p:cNvPr id="12" name="ZoneTexte 11">
-            <a:extLst>
-              <a:ext uri="{FF2B5EF4-FFF2-40B4-BE49-F238E27FC236}">
-                <a16:creationId xmlns:a16="http://schemas.microsoft.com/office/drawing/2014/main" id="{96CC0E75-198B-5CA3-40FD-D05B0C468B0E}"/>
+          <p:cNvPr id="31" name="ZoneTexte 30">
+            <a:extLst>
+              <a:ext uri="{FF2B5EF4-FFF2-40B4-BE49-F238E27FC236}">
+                <a16:creationId xmlns:a16="http://schemas.microsoft.com/office/drawing/2014/main" id="{29028385-05D6-B890-9071-2015D020519F}"/>
               </a:ext>
             </a:extLst>
           </p:cNvPr>
@@ -5945,9 +5624,9 @@
           <p:nvPr/>
         </p:nvSpPr>
         <p:spPr>
-          <a:xfrm rot="18919107">
-            <a:off x="6413626" y="2193887"/>
-            <a:ext cx="938779" cy="430887"/>
+          <a:xfrm>
+            <a:off x="7811679" y="2426662"/>
+            <a:ext cx="938779" cy="261610"/>
           </a:xfrm>
           <a:prstGeom prst="rect">
             <a:avLst/>
@@ -5960,25 +5639,339 @@
           </a:bodyPr>
           <a:lstStyle/>
           <a:p>
+            <a:r>
+              <a:rPr lang="fr-FR" sz="1100" dirty="0"/>
+              <a:t>Retour</a:t>
+            </a:r>
+          </a:p>
+        </p:txBody>
+      </p:sp>
+      <p:sp>
+        <p:nvSpPr>
+          <p:cNvPr id="32" name="ZoneTexte 31">
+            <a:extLst>
+              <a:ext uri="{FF2B5EF4-FFF2-40B4-BE49-F238E27FC236}">
+                <a16:creationId xmlns:a16="http://schemas.microsoft.com/office/drawing/2014/main" id="{F78DE0BB-F314-9EEC-26C5-2F986FA9431D}"/>
+              </a:ext>
+            </a:extLst>
+          </p:cNvPr>
+          <p:cNvSpPr txBox="1"/>
+          <p:nvPr/>
+        </p:nvSpPr>
+        <p:spPr>
+          <a:xfrm>
+            <a:off x="7287422" y="4227599"/>
+            <a:ext cx="938779" cy="261610"/>
+          </a:xfrm>
+          <a:prstGeom prst="rect">
+            <a:avLst/>
+          </a:prstGeom>
+          <a:noFill/>
+        </p:spPr>
+        <p:txBody>
+          <a:bodyPr wrap="square" rtlCol="0">
+            <a:spAutoFit/>
+          </a:bodyPr>
+          <a:lstStyle/>
+          <a:p>
+            <a:r>
+              <a:rPr lang="fr-FR" sz="1100" dirty="0"/>
+              <a:t>Retour</a:t>
+            </a:r>
+          </a:p>
+        </p:txBody>
+      </p:sp>
+      <p:sp>
+        <p:nvSpPr>
+          <p:cNvPr id="33" name="ZoneTexte 32">
+            <a:extLst>
+              <a:ext uri="{FF2B5EF4-FFF2-40B4-BE49-F238E27FC236}">
+                <a16:creationId xmlns:a16="http://schemas.microsoft.com/office/drawing/2014/main" id="{59D76286-BF71-6BC8-FAD2-1B576EAEF668}"/>
+              </a:ext>
+            </a:extLst>
+          </p:cNvPr>
+          <p:cNvSpPr txBox="1"/>
+          <p:nvPr/>
+        </p:nvSpPr>
+        <p:spPr>
+          <a:xfrm>
+            <a:off x="7546165" y="3175089"/>
+            <a:ext cx="938779" cy="430887"/>
+          </a:xfrm>
+          <a:prstGeom prst="rect">
+            <a:avLst/>
+          </a:prstGeom>
+          <a:noFill/>
+        </p:spPr>
+        <p:txBody>
+          <a:bodyPr wrap="square" rtlCol="0">
+            <a:spAutoFit/>
+          </a:bodyPr>
+          <a:lstStyle/>
+          <a:p>
+            <a:r>
+              <a:rPr lang="fr-FR" sz="1100" dirty="0"/>
+              <a:t>Demande de génération</a:t>
+            </a:r>
+          </a:p>
+        </p:txBody>
+      </p:sp>
+      <p:sp>
+        <p:nvSpPr>
+          <p:cNvPr id="34" name="ZoneTexte 33">
+            <a:extLst>
+              <a:ext uri="{FF2B5EF4-FFF2-40B4-BE49-F238E27FC236}">
+                <a16:creationId xmlns:a16="http://schemas.microsoft.com/office/drawing/2014/main" id="{2AD72072-0F1A-5159-9C6C-C0C36A4292E7}"/>
+              </a:ext>
+            </a:extLst>
+          </p:cNvPr>
+          <p:cNvSpPr txBox="1"/>
+          <p:nvPr/>
+        </p:nvSpPr>
+        <p:spPr>
+          <a:xfrm>
+            <a:off x="7491885" y="4846773"/>
+            <a:ext cx="938779" cy="430887"/>
+          </a:xfrm>
+          <a:prstGeom prst="rect">
+            <a:avLst/>
+          </a:prstGeom>
+          <a:noFill/>
+        </p:spPr>
+        <p:txBody>
+          <a:bodyPr wrap="square" rtlCol="0">
+            <a:spAutoFit/>
+          </a:bodyPr>
+          <a:lstStyle/>
+          <a:p>
+            <a:r>
+              <a:rPr lang="fr-FR" sz="1100" dirty="0"/>
+              <a:t>Demande de génération</a:t>
+            </a:r>
+          </a:p>
+        </p:txBody>
+      </p:sp>
+      <p:sp>
+        <p:nvSpPr>
+          <p:cNvPr id="35" name="ZoneTexte 34">
+            <a:extLst>
+              <a:ext uri="{FF2B5EF4-FFF2-40B4-BE49-F238E27FC236}">
+                <a16:creationId xmlns:a16="http://schemas.microsoft.com/office/drawing/2014/main" id="{B7ED4E75-E906-FCCE-CFA0-CE35568C3D79}"/>
+              </a:ext>
+            </a:extLst>
+          </p:cNvPr>
+          <p:cNvSpPr txBox="1"/>
+          <p:nvPr/>
+        </p:nvSpPr>
+        <p:spPr>
+          <a:xfrm>
+            <a:off x="4949747" y="2011924"/>
+            <a:ext cx="938779" cy="430887"/>
+          </a:xfrm>
+          <a:prstGeom prst="rect">
+            <a:avLst/>
+          </a:prstGeom>
+          <a:noFill/>
+        </p:spPr>
+        <p:txBody>
+          <a:bodyPr wrap="square" rtlCol="0">
+            <a:spAutoFit/>
+          </a:bodyPr>
+          <a:lstStyle/>
+          <a:p>
+            <a:r>
+              <a:rPr lang="fr-FR" sz="1100" dirty="0"/>
+              <a:t>Retour à façade</a:t>
+            </a:r>
+          </a:p>
+        </p:txBody>
+      </p:sp>
+      <p:sp>
+        <p:nvSpPr>
+          <p:cNvPr id="36" name="ZoneTexte 35">
+            <a:extLst>
+              <a:ext uri="{FF2B5EF4-FFF2-40B4-BE49-F238E27FC236}">
+                <a16:creationId xmlns:a16="http://schemas.microsoft.com/office/drawing/2014/main" id="{15B8D573-69C4-1F14-D7E5-8C8E56320995}"/>
+              </a:ext>
+            </a:extLst>
+          </p:cNvPr>
+          <p:cNvSpPr txBox="1"/>
+          <p:nvPr/>
+        </p:nvSpPr>
+        <p:spPr>
+          <a:xfrm>
+            <a:off x="5072011" y="4151932"/>
+            <a:ext cx="938779" cy="430887"/>
+          </a:xfrm>
+          <a:prstGeom prst="rect">
+            <a:avLst/>
+          </a:prstGeom>
+          <a:noFill/>
+        </p:spPr>
+        <p:txBody>
+          <a:bodyPr wrap="square" rtlCol="0">
+            <a:spAutoFit/>
+          </a:bodyPr>
+          <a:lstStyle/>
+          <a:p>
+            <a:r>
+              <a:rPr lang="fr-FR" sz="1100" dirty="0"/>
+              <a:t>Retour à façade</a:t>
+            </a:r>
+          </a:p>
+        </p:txBody>
+      </p:sp>
+      <p:sp>
+        <p:nvSpPr>
+          <p:cNvPr id="37" name="ZoneTexte 36">
+            <a:extLst>
+              <a:ext uri="{FF2B5EF4-FFF2-40B4-BE49-F238E27FC236}">
+                <a16:creationId xmlns:a16="http://schemas.microsoft.com/office/drawing/2014/main" id="{087E869C-0FA1-8676-11B3-7EE7B455BCBF}"/>
+              </a:ext>
+            </a:extLst>
+          </p:cNvPr>
+          <p:cNvSpPr txBox="1"/>
+          <p:nvPr/>
+        </p:nvSpPr>
+        <p:spPr>
+          <a:xfrm>
+            <a:off x="4992497" y="2878945"/>
+            <a:ext cx="938779" cy="261610"/>
+          </a:xfrm>
+          <a:prstGeom prst="rect">
+            <a:avLst/>
+          </a:prstGeom>
+          <a:noFill/>
+        </p:spPr>
+        <p:txBody>
+          <a:bodyPr wrap="square" rtlCol="0">
+            <a:spAutoFit/>
+          </a:bodyPr>
+          <a:lstStyle/>
+          <a:p>
+            <a:r>
+              <a:rPr lang="fr-FR" sz="1100" dirty="0"/>
+              <a:t>Prompt</a:t>
+            </a:r>
+          </a:p>
+        </p:txBody>
+      </p:sp>
+      <p:sp>
+        <p:nvSpPr>
+          <p:cNvPr id="38" name="ZoneTexte 37">
+            <a:extLst>
+              <a:ext uri="{FF2B5EF4-FFF2-40B4-BE49-F238E27FC236}">
+                <a16:creationId xmlns:a16="http://schemas.microsoft.com/office/drawing/2014/main" id="{1CFA923F-BCBA-59DF-5AB1-C7A6A4C658FC}"/>
+              </a:ext>
+            </a:extLst>
+          </p:cNvPr>
+          <p:cNvSpPr txBox="1"/>
+          <p:nvPr/>
+        </p:nvSpPr>
+        <p:spPr>
+          <a:xfrm>
+            <a:off x="5070103" y="5082413"/>
+            <a:ext cx="938779" cy="261610"/>
+          </a:xfrm>
+          <a:prstGeom prst="rect">
+            <a:avLst/>
+          </a:prstGeom>
+          <a:noFill/>
+        </p:spPr>
+        <p:txBody>
+          <a:bodyPr wrap="square" rtlCol="0">
+            <a:spAutoFit/>
+          </a:bodyPr>
+          <a:lstStyle/>
+          <a:p>
+            <a:r>
+              <a:rPr lang="fr-FR" sz="1100" dirty="0"/>
+              <a:t>Prompt</a:t>
+            </a:r>
+          </a:p>
+        </p:txBody>
+      </p:sp>
+      <p:sp>
+        <p:nvSpPr>
+          <p:cNvPr id="41" name="Triangle isocèle 40">
+            <a:extLst>
+              <a:ext uri="{FF2B5EF4-FFF2-40B4-BE49-F238E27FC236}">
+                <a16:creationId xmlns:a16="http://schemas.microsoft.com/office/drawing/2014/main" id="{9276E566-9E4B-F199-6CA9-846CE3C98798}"/>
+              </a:ext>
+            </a:extLst>
+          </p:cNvPr>
+          <p:cNvSpPr/>
+          <p:nvPr/>
+        </p:nvSpPr>
+        <p:spPr>
+          <a:xfrm>
+            <a:off x="8084159" y="2452299"/>
+            <a:ext cx="2268103" cy="2155728"/>
+          </a:xfrm>
+          <a:prstGeom prst="triangle">
+            <a:avLst/>
+          </a:prstGeom>
+          <a:ln w="12700" cap="flat" cmpd="sng" algn="ctr">
+            <a:noFill/>
+            <a:prstDash val="solid"/>
+            <a:miter lim="800000"/>
+          </a:ln>
+          <a:effectLst/>
+          <a:extLst>
+            <a:ext uri="{91240B29-F687-4F45-9708-019B960494DF}">
+              <a14:hiddenLine xmlns:a14="http://schemas.microsoft.com/office/drawing/2010/main" w="12700" cap="flat" cmpd="sng" algn="ctr">
+                <a:solidFill>
+                  <a:schemeClr val="accent1">
+                    <a:shade val="50000"/>
+                  </a:schemeClr>
+                </a:solidFill>
+                <a:prstDash val="solid"/>
+                <a:miter lim="800000"/>
+              </a14:hiddenLine>
+            </a:ext>
+          </a:extLst>
+        </p:spPr>
+        <p:style>
+          <a:lnRef idx="2">
+            <a:schemeClr val="accent1">
+              <a:shade val="50000"/>
+            </a:schemeClr>
+          </a:lnRef>
+          <a:fillRef idx="1">
+            <a:schemeClr val="accent1"/>
+          </a:fillRef>
+          <a:effectRef idx="0">
+            <a:schemeClr val="accent1"/>
+          </a:effectRef>
+          <a:fontRef idx="minor">
+            <a:schemeClr val="lt1"/>
+          </a:fontRef>
+        </p:style>
+        <p:txBody>
+          <a:bodyPr rtlCol="0" anchor="ctr"/>
+          <a:lstStyle/>
+          <a:p>
             <a:pPr algn="ctr"/>
             <a:r>
-              <a:rPr lang="fr-FR" sz="1100" dirty="0"/>
-              <a:t>Si </a:t>
-            </a:r>
-            <a:r>
-              <a:rPr lang="fr-FR" sz="1100" dirty="0" err="1"/>
-              <a:t>intéraction</a:t>
-            </a:r>
-            <a:endParaRPr lang="fr-FR" sz="1100" dirty="0"/>
+              <a:rPr lang="fr-FR" dirty="0"/>
+              <a:t>Adapteur</a:t>
+            </a:r>
+          </a:p>
+          <a:p>
+            <a:pPr algn="ctr"/>
+            <a:r>
+              <a:rPr lang="fr-FR" dirty="0"/>
+              <a:t>Ollama / API</a:t>
+            </a:r>
           </a:p>
         </p:txBody>
       </p:sp>
       <p:cxnSp>
         <p:nvCxnSpPr>
-          <p:cNvPr id="15" name="Connecteur droit avec flèche 14">
-            <a:extLst>
-              <a:ext uri="{FF2B5EF4-FFF2-40B4-BE49-F238E27FC236}">
-                <a16:creationId xmlns:a16="http://schemas.microsoft.com/office/drawing/2014/main" id="{F47515FE-7FD1-70A6-AC3C-7C5A92397836}"/>
+          <p:cNvPr id="43" name="Connecteur droit avec flèche 42">
+            <a:extLst>
+              <a:ext uri="{FF2B5EF4-FFF2-40B4-BE49-F238E27FC236}">
+                <a16:creationId xmlns:a16="http://schemas.microsoft.com/office/drawing/2014/main" id="{208C628A-40F9-A734-F770-6723E0F80E91}"/>
               </a:ext>
             </a:extLst>
           </p:cNvPr>
@@ -5988,17 +5981,14 @@
           <p:nvPr/>
         </p:nvCxnSpPr>
         <p:spPr>
-          <a:xfrm rot="2201372">
-            <a:off x="6357882" y="4310943"/>
-            <a:ext cx="1489738" cy="0"/>
+          <a:xfrm>
+            <a:off x="9649310" y="3584354"/>
+            <a:ext cx="1536723" cy="21622"/>
           </a:xfrm>
           <a:prstGeom prst="straightConnector1">
             <a:avLst/>
           </a:prstGeom>
           <a:ln>
-            <a:solidFill>
-              <a:schemeClr val="tx1"/>
-            </a:solidFill>
             <a:tailEnd type="triangle"/>
           </a:ln>
         </p:spPr>
@@ -6017,12 +6007,142 @@
           </a:fontRef>
         </p:style>
       </p:cxnSp>
-      <p:sp>
-        <p:nvSpPr>
-          <p:cNvPr id="16" name="ZoneTexte 15">
-            <a:extLst>
-              <a:ext uri="{FF2B5EF4-FFF2-40B4-BE49-F238E27FC236}">
-                <a16:creationId xmlns:a16="http://schemas.microsoft.com/office/drawing/2014/main" id="{7BCE78E9-8780-E33E-987D-19FA6D77AC44}"/>
+      <p:cxnSp>
+        <p:nvCxnSpPr>
+          <p:cNvPr id="30" name="Connecteur droit avec flèche 29">
+            <a:extLst>
+              <a:ext uri="{FF2B5EF4-FFF2-40B4-BE49-F238E27FC236}">
+                <a16:creationId xmlns:a16="http://schemas.microsoft.com/office/drawing/2014/main" id="{FC3C54BA-4997-1A28-3960-5E165C9FC077}"/>
+              </a:ext>
+            </a:extLst>
+          </p:cNvPr>
+          <p:cNvCxnSpPr>
+            <a:cxnSpLocks/>
+          </p:cNvCxnSpPr>
+          <p:nvPr/>
+        </p:nvCxnSpPr>
+        <p:spPr>
+          <a:xfrm flipH="1">
+            <a:off x="4893772" y="2339740"/>
+            <a:ext cx="802692" cy="185224"/>
+          </a:xfrm>
+          <a:prstGeom prst="straightConnector1">
+            <a:avLst/>
+          </a:prstGeom>
+          <a:ln>
+            <a:solidFill>
+              <a:schemeClr val="tx1"/>
+            </a:solidFill>
+            <a:tailEnd type="triangle"/>
+          </a:ln>
+        </p:spPr>
+        <p:style>
+          <a:lnRef idx="1">
+            <a:schemeClr val="accent1"/>
+          </a:lnRef>
+          <a:fillRef idx="0">
+            <a:schemeClr val="accent1"/>
+          </a:fillRef>
+          <a:effectRef idx="0">
+            <a:schemeClr val="accent1"/>
+          </a:effectRef>
+          <a:fontRef idx="minor">
+            <a:schemeClr val="tx1"/>
+          </a:fontRef>
+        </p:style>
+      </p:cxnSp>
+      <p:cxnSp>
+        <p:nvCxnSpPr>
+          <p:cNvPr id="28" name="Connecteur droit avec flèche 27">
+            <a:extLst>
+              <a:ext uri="{FF2B5EF4-FFF2-40B4-BE49-F238E27FC236}">
+                <a16:creationId xmlns:a16="http://schemas.microsoft.com/office/drawing/2014/main" id="{39441FB8-7AB2-FC5B-1008-E5CD344F6243}"/>
+              </a:ext>
+            </a:extLst>
+          </p:cNvPr>
+          <p:cNvCxnSpPr/>
+          <p:nvPr/>
+        </p:nvCxnSpPr>
+        <p:spPr>
+          <a:xfrm flipH="1" flipV="1">
+            <a:off x="4739846" y="4300907"/>
+            <a:ext cx="1470660" cy="614240"/>
+          </a:xfrm>
+          <a:prstGeom prst="straightConnector1">
+            <a:avLst/>
+          </a:prstGeom>
+          <a:ln>
+            <a:solidFill>
+              <a:schemeClr val="tx1"/>
+            </a:solidFill>
+            <a:tailEnd type="triangle"/>
+          </a:ln>
+        </p:spPr>
+        <p:style>
+          <a:lnRef idx="1">
+            <a:schemeClr val="accent1"/>
+          </a:lnRef>
+          <a:fillRef idx="0">
+            <a:schemeClr val="accent1"/>
+          </a:fillRef>
+          <a:effectRef idx="0">
+            <a:schemeClr val="accent1"/>
+          </a:effectRef>
+          <a:fontRef idx="minor">
+            <a:schemeClr val="tx1"/>
+          </a:fontRef>
+        </p:style>
+      </p:cxnSp>
+      <p:cxnSp>
+        <p:nvCxnSpPr>
+          <p:cNvPr id="47" name="Connecteur droit avec flèche 46">
+            <a:extLst>
+              <a:ext uri="{FF2B5EF4-FFF2-40B4-BE49-F238E27FC236}">
+                <a16:creationId xmlns:a16="http://schemas.microsoft.com/office/drawing/2014/main" id="{7BEB76F0-BE8F-3B64-629E-24EBBEED5066}"/>
+              </a:ext>
+            </a:extLst>
+          </p:cNvPr>
+          <p:cNvCxnSpPr>
+            <a:cxnSpLocks/>
+          </p:cNvCxnSpPr>
+          <p:nvPr/>
+        </p:nvCxnSpPr>
+        <p:spPr>
+          <a:xfrm>
+            <a:off x="1839738" y="3376497"/>
+            <a:ext cx="1489738" cy="0"/>
+          </a:xfrm>
+          <a:prstGeom prst="straightConnector1">
+            <a:avLst/>
+          </a:prstGeom>
+          <a:ln>
+            <a:solidFill>
+              <a:schemeClr val="tx1"/>
+            </a:solidFill>
+            <a:tailEnd type="triangle"/>
+          </a:ln>
+        </p:spPr>
+        <p:style>
+          <a:lnRef idx="1">
+            <a:schemeClr val="accent1"/>
+          </a:lnRef>
+          <a:fillRef idx="0">
+            <a:schemeClr val="accent1"/>
+          </a:fillRef>
+          <a:effectRef idx="0">
+            <a:schemeClr val="accent1"/>
+          </a:effectRef>
+          <a:fontRef idx="minor">
+            <a:schemeClr val="tx1"/>
+          </a:fontRef>
+        </p:style>
+      </p:cxnSp>
+      <p:sp>
+        <p:nvSpPr>
+          <p:cNvPr id="50" name="ZoneTexte 49">
+            <a:extLst>
+              <a:ext uri="{FF2B5EF4-FFF2-40B4-BE49-F238E27FC236}">
+                <a16:creationId xmlns:a16="http://schemas.microsoft.com/office/drawing/2014/main" id="{71E66FC1-1533-A1B8-B48A-0AD3BE4550CF}"/>
               </a:ext>
             </a:extLst>
           </p:cNvPr>
@@ -6030,8 +6150,8 @@
           <p:nvPr/>
         </p:nvSpPr>
         <p:spPr>
-          <a:xfrm rot="2201372">
-            <a:off x="6776113" y="4101412"/>
+          <a:xfrm>
+            <a:off x="2473732" y="3080762"/>
             <a:ext cx="938779" cy="261610"/>
           </a:xfrm>
           <a:prstGeom prst="rect">
@@ -6045,10 +6165,9 @@
           </a:bodyPr>
           <a:lstStyle/>
           <a:p>
-            <a:pPr algn="ctr"/>
             <a:r>
               <a:rPr lang="fr-FR" sz="1100" dirty="0"/>
-              <a:t>Si dialogue</a:t>
+              <a:t>Prompt</a:t>
             </a:r>
           </a:p>
         </p:txBody>
@@ -6056,7 +6175,7 @@
     </p:spTree>
     <p:extLst>
       <p:ext uri="{BB962C8B-B14F-4D97-AF65-F5344CB8AC3E}">
-        <p14:creationId xmlns:p14="http://schemas.microsoft.com/office/powerpoint/2010/main" val="3872452799"/>
+        <p14:creationId xmlns:p14="http://schemas.microsoft.com/office/powerpoint/2010/main" val="2321962782"/>
       </p:ext>
     </p:extLst>
   </p:cSld>
@@ -6085,135 +6204,1704 @@
       </p:grpSpPr>
       <p:sp>
         <p:nvSpPr>
-          <p:cNvPr id="2" name="Titre 1">
-            <a:extLst>
-              <a:ext uri="{FF2B5EF4-FFF2-40B4-BE49-F238E27FC236}">
-                <a16:creationId xmlns:a16="http://schemas.microsoft.com/office/drawing/2014/main" id="{E1D66E11-7256-EB6F-23EC-F1FB7553782A}"/>
-              </a:ext>
-            </a:extLst>
-          </p:cNvPr>
-          <p:cNvSpPr>
-            <a:spLocks noGrp="1"/>
-          </p:cNvSpPr>
-          <p:nvPr>
-            <p:ph type="title"/>
-          </p:nvPr>
-        </p:nvSpPr>
-        <p:spPr/>
-        <p:txBody>
-          <a:bodyPr/>
-          <a:lstStyle/>
-          <a:p>
+          <p:cNvPr id="4" name="Rectangle 3">
+            <a:extLst>
+              <a:ext uri="{FF2B5EF4-FFF2-40B4-BE49-F238E27FC236}">
+                <a16:creationId xmlns:a16="http://schemas.microsoft.com/office/drawing/2014/main" id="{76DF09A2-BA16-9C7D-29A7-92033FAA8037}"/>
+              </a:ext>
+            </a:extLst>
+          </p:cNvPr>
+          <p:cNvSpPr/>
+          <p:nvPr/>
+        </p:nvSpPr>
+        <p:spPr>
+          <a:xfrm>
+            <a:off x="281137" y="1990460"/>
+            <a:ext cx="2268112" cy="3241053"/>
+          </a:xfrm>
+          <a:prstGeom prst="rect">
+            <a:avLst/>
+          </a:prstGeom>
+          <a:solidFill>
+            <a:schemeClr val="bg2">
+              <a:lumMod val="75000"/>
+            </a:schemeClr>
+          </a:solidFill>
+          <a:ln w="12700" cap="flat" cmpd="sng" algn="ctr">
+            <a:noFill/>
+            <a:prstDash val="solid"/>
+            <a:miter lim="800000"/>
+          </a:ln>
+          <a:effectLst/>
+        </p:spPr>
+        <p:style>
+          <a:lnRef idx="2">
+            <a:schemeClr val="accent1">
+              <a:shade val="50000"/>
+            </a:schemeClr>
+          </a:lnRef>
+          <a:fillRef idx="1">
+            <a:schemeClr val="accent1"/>
+          </a:fillRef>
+          <a:effectRef idx="0">
+            <a:schemeClr val="accent1"/>
+          </a:effectRef>
+          <a:fontRef idx="minor">
+            <a:schemeClr val="lt1"/>
+          </a:fontRef>
+        </p:style>
+        <p:txBody>
+          <a:bodyPr rtlCol="0" anchor="ctr"/>
+          <a:lstStyle/>
+          <a:p>
+            <a:pPr algn="ctr"/>
             <a:r>
               <a:rPr lang="fr-FR" dirty="0"/>
-              <a:t>Notes </a:t>
-            </a:r>
-            <a:r>
-              <a:rPr lang="fr-FR" dirty="0" err="1"/>
-              <a:t>escourbiac</a:t>
-            </a:r>
-            <a:endParaRPr lang="fr-FR" dirty="0"/>
-          </a:p>
-        </p:txBody>
-      </p:sp>
-      <p:sp>
-        <p:nvSpPr>
-          <p:cNvPr id="3" name="Espace réservé du contenu 2">
-            <a:extLst>
-              <a:ext uri="{FF2B5EF4-FFF2-40B4-BE49-F238E27FC236}">
-                <a16:creationId xmlns:a16="http://schemas.microsoft.com/office/drawing/2014/main" id="{2F680588-708E-CAF5-FFBE-A62F392A93E2}"/>
-              </a:ext>
-            </a:extLst>
-          </p:cNvPr>
-          <p:cNvSpPr>
-            <a:spLocks noGrp="1"/>
-          </p:cNvSpPr>
-          <p:nvPr>
-            <p:ph idx="1"/>
-          </p:nvPr>
-        </p:nvSpPr>
-        <p:spPr/>
-        <p:txBody>
-          <a:bodyPr/>
-          <a:lstStyle/>
-          <a:p>
-            <a:pPr marL="0" indent="0">
-              <a:buNone/>
+              <a:t>Console / utilisateur</a:t>
+            </a:r>
+          </a:p>
+        </p:txBody>
+      </p:sp>
+      <p:sp>
+        <p:nvSpPr>
+          <p:cNvPr id="5" name="Rectangle 4">
+            <a:extLst>
+              <a:ext uri="{FF2B5EF4-FFF2-40B4-BE49-F238E27FC236}">
+                <a16:creationId xmlns:a16="http://schemas.microsoft.com/office/drawing/2014/main" id="{C32230BE-105E-3B6E-D0C3-FB7D48CAFCEC}"/>
+              </a:ext>
+            </a:extLst>
+          </p:cNvPr>
+          <p:cNvSpPr/>
+          <p:nvPr/>
+        </p:nvSpPr>
+        <p:spPr>
+          <a:xfrm>
+            <a:off x="3685959" y="3029206"/>
+            <a:ext cx="2268112" cy="1016962"/>
+          </a:xfrm>
+          <a:prstGeom prst="rect">
+            <a:avLst/>
+          </a:prstGeom>
+          <a:solidFill>
+            <a:schemeClr val="tx2">
+              <a:lumMod val="50000"/>
+              <a:lumOff val="50000"/>
+            </a:schemeClr>
+          </a:solidFill>
+          <a:ln w="12700" cap="flat" cmpd="sng" algn="ctr">
+            <a:noFill/>
+            <a:prstDash val="solid"/>
+            <a:miter lim="800000"/>
+          </a:ln>
+          <a:effectLst/>
+        </p:spPr>
+        <p:style>
+          <a:lnRef idx="2">
+            <a:schemeClr val="accent1">
+              <a:shade val="50000"/>
+            </a:schemeClr>
+          </a:lnRef>
+          <a:fillRef idx="1">
+            <a:schemeClr val="accent1"/>
+          </a:fillRef>
+          <a:effectRef idx="0">
+            <a:schemeClr val="accent1"/>
+          </a:effectRef>
+          <a:fontRef idx="minor">
+            <a:schemeClr val="lt1"/>
+          </a:fontRef>
+        </p:style>
+        <p:txBody>
+          <a:bodyPr rtlCol="0" anchor="ctr"/>
+          <a:lstStyle/>
+          <a:p>
+            <a:pPr algn="ctr"/>
+            <a:r>
+              <a:rPr lang="fr-FR" dirty="0"/>
+              <a:t>Agent de décision</a:t>
+            </a:r>
+          </a:p>
+        </p:txBody>
+      </p:sp>
+      <p:sp>
+        <p:nvSpPr>
+          <p:cNvPr id="6" name="Ellipse 5">
+            <a:extLst>
+              <a:ext uri="{FF2B5EF4-FFF2-40B4-BE49-F238E27FC236}">
+                <a16:creationId xmlns:a16="http://schemas.microsoft.com/office/drawing/2014/main" id="{939F036E-D347-17BA-2BD7-4A4B6BF2C5E6}"/>
+              </a:ext>
+            </a:extLst>
+          </p:cNvPr>
+          <p:cNvSpPr/>
+          <p:nvPr/>
+        </p:nvSpPr>
+        <p:spPr>
+          <a:xfrm>
+            <a:off x="6589480" y="4524093"/>
+            <a:ext cx="1901432" cy="1080558"/>
+          </a:xfrm>
+          <a:prstGeom prst="ellipse">
+            <a:avLst/>
+          </a:prstGeom>
+          <a:solidFill>
+            <a:schemeClr val="tx2">
+              <a:lumMod val="50000"/>
+              <a:lumOff val="50000"/>
+            </a:schemeClr>
+          </a:solidFill>
+          <a:ln w="12700" cap="flat" cmpd="sng" algn="ctr">
+            <a:noFill/>
+            <a:prstDash val="solid"/>
+            <a:miter lim="800000"/>
+          </a:ln>
+          <a:effectLst/>
+        </p:spPr>
+        <p:style>
+          <a:lnRef idx="2">
+            <a:schemeClr val="accent1">
+              <a:shade val="50000"/>
+            </a:schemeClr>
+          </a:lnRef>
+          <a:fillRef idx="1">
+            <a:schemeClr val="accent1"/>
+          </a:fillRef>
+          <a:effectRef idx="0">
+            <a:schemeClr val="accent1"/>
+          </a:effectRef>
+          <a:fontRef idx="minor">
+            <a:schemeClr val="lt1"/>
+          </a:fontRef>
+        </p:style>
+        <p:txBody>
+          <a:bodyPr rtlCol="0" anchor="ctr"/>
+          <a:lstStyle/>
+          <a:p>
+            <a:pPr algn="ctr"/>
+            <a:r>
+              <a:rPr lang="fr-FR" dirty="0"/>
+              <a:t>Agent histoire</a:t>
+            </a:r>
+          </a:p>
+        </p:txBody>
+      </p:sp>
+      <p:sp>
+        <p:nvSpPr>
+          <p:cNvPr id="7" name="Ellipse 6">
+            <a:extLst>
+              <a:ext uri="{FF2B5EF4-FFF2-40B4-BE49-F238E27FC236}">
+                <a16:creationId xmlns:a16="http://schemas.microsoft.com/office/drawing/2014/main" id="{AA02259E-4FF2-70BB-06A3-73C8E2C0995D}"/>
+              </a:ext>
+            </a:extLst>
+          </p:cNvPr>
+          <p:cNvSpPr/>
+          <p:nvPr/>
+        </p:nvSpPr>
+        <p:spPr>
+          <a:xfrm>
+            <a:off x="6589480" y="1298293"/>
+            <a:ext cx="1901432" cy="1080558"/>
+          </a:xfrm>
+          <a:prstGeom prst="ellipse">
+            <a:avLst/>
+          </a:prstGeom>
+          <a:solidFill>
+            <a:schemeClr val="tx2">
+              <a:lumMod val="50000"/>
+              <a:lumOff val="50000"/>
+            </a:schemeClr>
+          </a:solidFill>
+          <a:ln w="12700" cap="flat" cmpd="sng" algn="ctr">
+            <a:noFill/>
+            <a:prstDash val="solid"/>
+            <a:miter lim="800000"/>
+          </a:ln>
+          <a:effectLst/>
+        </p:spPr>
+        <p:style>
+          <a:lnRef idx="2">
+            <a:schemeClr val="accent1">
+              <a:shade val="50000"/>
+            </a:schemeClr>
+          </a:lnRef>
+          <a:fillRef idx="1">
+            <a:schemeClr val="accent1"/>
+          </a:fillRef>
+          <a:effectRef idx="0">
+            <a:schemeClr val="accent1"/>
+          </a:effectRef>
+          <a:fontRef idx="minor">
+            <a:schemeClr val="lt1"/>
+          </a:fontRef>
+        </p:style>
+        <p:txBody>
+          <a:bodyPr rtlCol="0" anchor="ctr"/>
+          <a:lstStyle/>
+          <a:p>
+            <a:pPr algn="ctr"/>
+            <a:r>
+              <a:rPr lang="fr-FR" dirty="0"/>
+              <a:t>Agent Entité</a:t>
+            </a:r>
+          </a:p>
+        </p:txBody>
+      </p:sp>
+      <p:cxnSp>
+        <p:nvCxnSpPr>
+          <p:cNvPr id="8" name="Connecteur droit avec flèche 7">
+            <a:extLst>
+              <a:ext uri="{FF2B5EF4-FFF2-40B4-BE49-F238E27FC236}">
+                <a16:creationId xmlns:a16="http://schemas.microsoft.com/office/drawing/2014/main" id="{53811ACE-49C6-D1A4-97D4-2DAB873CFC2A}"/>
+              </a:ext>
+            </a:extLst>
+          </p:cNvPr>
+          <p:cNvCxnSpPr>
+            <a:cxnSpLocks/>
+          </p:cNvCxnSpPr>
+          <p:nvPr/>
+        </p:nvCxnSpPr>
+        <p:spPr>
+          <a:xfrm>
+            <a:off x="2395998" y="3432645"/>
+            <a:ext cx="1489738" cy="0"/>
+          </a:xfrm>
+          <a:prstGeom prst="straightConnector1">
+            <a:avLst/>
+          </a:prstGeom>
+          <a:ln>
+            <a:solidFill>
+              <a:schemeClr val="tx1"/>
+            </a:solidFill>
+            <a:tailEnd type="triangle"/>
+          </a:ln>
+        </p:spPr>
+        <p:style>
+          <a:lnRef idx="1">
+            <a:schemeClr val="accent1"/>
+          </a:lnRef>
+          <a:fillRef idx="0">
+            <a:schemeClr val="accent1"/>
+          </a:fillRef>
+          <a:effectRef idx="0">
+            <a:schemeClr val="accent1"/>
+          </a:effectRef>
+          <a:fontRef idx="minor">
+            <a:schemeClr val="tx1"/>
+          </a:fontRef>
+        </p:style>
+      </p:cxnSp>
+      <p:sp>
+        <p:nvSpPr>
+          <p:cNvPr id="9" name="ZoneTexte 8">
+            <a:extLst>
+              <a:ext uri="{FF2B5EF4-FFF2-40B4-BE49-F238E27FC236}">
+                <a16:creationId xmlns:a16="http://schemas.microsoft.com/office/drawing/2014/main" id="{F781571A-8156-0C44-2045-7174D5728C3D}"/>
+              </a:ext>
+            </a:extLst>
+          </p:cNvPr>
+          <p:cNvSpPr txBox="1"/>
+          <p:nvPr/>
+        </p:nvSpPr>
+        <p:spPr>
+          <a:xfrm>
+            <a:off x="2747180" y="3136910"/>
+            <a:ext cx="938779" cy="261610"/>
+          </a:xfrm>
+          <a:prstGeom prst="rect">
+            <a:avLst/>
+          </a:prstGeom>
+          <a:noFill/>
+        </p:spPr>
+        <p:txBody>
+          <a:bodyPr wrap="square" rtlCol="0">
+            <a:spAutoFit/>
+          </a:bodyPr>
+          <a:lstStyle/>
+          <a:p>
+            <a:r>
+              <a:rPr lang="fr-FR" sz="1100" dirty="0"/>
+              <a:t>Prompt</a:t>
+            </a:r>
+          </a:p>
+        </p:txBody>
+      </p:sp>
+      <p:cxnSp>
+        <p:nvCxnSpPr>
+          <p:cNvPr id="11" name="Connecteur droit avec flèche 10">
+            <a:extLst>
+              <a:ext uri="{FF2B5EF4-FFF2-40B4-BE49-F238E27FC236}">
+                <a16:creationId xmlns:a16="http://schemas.microsoft.com/office/drawing/2014/main" id="{18FDF5BE-0E63-238A-F4D8-489BD7BD9850}"/>
+              </a:ext>
+            </a:extLst>
+          </p:cNvPr>
+          <p:cNvCxnSpPr>
+            <a:cxnSpLocks/>
+          </p:cNvCxnSpPr>
+          <p:nvPr/>
+        </p:nvCxnSpPr>
+        <p:spPr>
+          <a:xfrm rot="18919107">
+            <a:off x="5559226" y="2613145"/>
+            <a:ext cx="1489738" cy="0"/>
+          </a:xfrm>
+          <a:prstGeom prst="straightConnector1">
+            <a:avLst/>
+          </a:prstGeom>
+          <a:ln>
+            <a:solidFill>
+              <a:schemeClr val="tx1"/>
+            </a:solidFill>
+            <a:tailEnd type="triangle"/>
+          </a:ln>
+        </p:spPr>
+        <p:style>
+          <a:lnRef idx="1">
+            <a:schemeClr val="accent1"/>
+          </a:lnRef>
+          <a:fillRef idx="0">
+            <a:schemeClr val="accent1"/>
+          </a:fillRef>
+          <a:effectRef idx="0">
+            <a:schemeClr val="accent1"/>
+          </a:effectRef>
+          <a:fontRef idx="minor">
+            <a:schemeClr val="tx1"/>
+          </a:fontRef>
+        </p:style>
+      </p:cxnSp>
+      <p:sp>
+        <p:nvSpPr>
+          <p:cNvPr id="12" name="ZoneTexte 11">
+            <a:extLst>
+              <a:ext uri="{FF2B5EF4-FFF2-40B4-BE49-F238E27FC236}">
+                <a16:creationId xmlns:a16="http://schemas.microsoft.com/office/drawing/2014/main" id="{96CC0E75-198B-5CA3-40FD-D05B0C468B0E}"/>
+              </a:ext>
+            </a:extLst>
+          </p:cNvPr>
+          <p:cNvSpPr txBox="1"/>
+          <p:nvPr/>
+        </p:nvSpPr>
+        <p:spPr>
+          <a:xfrm rot="18919107">
+            <a:off x="5712586" y="2163407"/>
+            <a:ext cx="938779" cy="430887"/>
+          </a:xfrm>
+          <a:prstGeom prst="rect">
+            <a:avLst/>
+          </a:prstGeom>
+          <a:noFill/>
+        </p:spPr>
+        <p:txBody>
+          <a:bodyPr wrap="square" rtlCol="0">
+            <a:spAutoFit/>
+          </a:bodyPr>
+          <a:lstStyle/>
+          <a:p>
+            <a:pPr algn="ctr"/>
+            <a:r>
+              <a:rPr lang="fr-FR" sz="1100" dirty="0"/>
+              <a:t>Si intéraction</a:t>
+            </a:r>
+          </a:p>
+        </p:txBody>
+      </p:sp>
+      <p:cxnSp>
+        <p:nvCxnSpPr>
+          <p:cNvPr id="15" name="Connecteur droit avec flèche 14">
+            <a:extLst>
+              <a:ext uri="{FF2B5EF4-FFF2-40B4-BE49-F238E27FC236}">
+                <a16:creationId xmlns:a16="http://schemas.microsoft.com/office/drawing/2014/main" id="{F47515FE-7FD1-70A6-AC3C-7C5A92397836}"/>
+              </a:ext>
+            </a:extLst>
+          </p:cNvPr>
+          <p:cNvCxnSpPr>
+            <a:cxnSpLocks/>
+          </p:cNvCxnSpPr>
+          <p:nvPr/>
+        </p:nvCxnSpPr>
+        <p:spPr>
+          <a:xfrm rot="2201372">
+            <a:off x="5656842" y="4280463"/>
+            <a:ext cx="1489738" cy="0"/>
+          </a:xfrm>
+          <a:prstGeom prst="straightConnector1">
+            <a:avLst/>
+          </a:prstGeom>
+          <a:ln>
+            <a:solidFill>
+              <a:schemeClr val="tx1"/>
+            </a:solidFill>
+            <a:tailEnd type="triangle"/>
+          </a:ln>
+        </p:spPr>
+        <p:style>
+          <a:lnRef idx="1">
+            <a:schemeClr val="accent1"/>
+          </a:lnRef>
+          <a:fillRef idx="0">
+            <a:schemeClr val="accent1"/>
+          </a:fillRef>
+          <a:effectRef idx="0">
+            <a:schemeClr val="accent1"/>
+          </a:effectRef>
+          <a:fontRef idx="minor">
+            <a:schemeClr val="tx1"/>
+          </a:fontRef>
+        </p:style>
+      </p:cxnSp>
+      <p:sp>
+        <p:nvSpPr>
+          <p:cNvPr id="16" name="ZoneTexte 15">
+            <a:extLst>
+              <a:ext uri="{FF2B5EF4-FFF2-40B4-BE49-F238E27FC236}">
+                <a16:creationId xmlns:a16="http://schemas.microsoft.com/office/drawing/2014/main" id="{7BCE78E9-8780-E33E-987D-19FA6D77AC44}"/>
+              </a:ext>
+            </a:extLst>
+          </p:cNvPr>
+          <p:cNvSpPr txBox="1"/>
+          <p:nvPr/>
+        </p:nvSpPr>
+        <p:spPr>
+          <a:xfrm rot="2201372">
+            <a:off x="6075073" y="4070932"/>
+            <a:ext cx="938779" cy="261610"/>
+          </a:xfrm>
+          <a:prstGeom prst="rect">
+            <a:avLst/>
+          </a:prstGeom>
+          <a:noFill/>
+        </p:spPr>
+        <p:txBody>
+          <a:bodyPr wrap="square" rtlCol="0">
+            <a:spAutoFit/>
+          </a:bodyPr>
+          <a:lstStyle/>
+          <a:p>
+            <a:pPr algn="ctr"/>
+            <a:r>
+              <a:rPr lang="fr-FR" sz="1100" dirty="0"/>
+              <a:t>Si dialogue</a:t>
+            </a:r>
+          </a:p>
+        </p:txBody>
+      </p:sp>
+      <p:sp>
+        <p:nvSpPr>
+          <p:cNvPr id="10" name="ZoneTexte 9">
+            <a:extLst>
+              <a:ext uri="{FF2B5EF4-FFF2-40B4-BE49-F238E27FC236}">
+                <a16:creationId xmlns:a16="http://schemas.microsoft.com/office/drawing/2014/main" id="{BE5F179C-41CD-CB1C-8C90-A13D4484EC2B}"/>
+              </a:ext>
+            </a:extLst>
+          </p:cNvPr>
+          <p:cNvSpPr txBox="1"/>
+          <p:nvPr/>
+        </p:nvSpPr>
+        <p:spPr>
+          <a:xfrm>
+            <a:off x="7766051" y="2293380"/>
+            <a:ext cx="4456501" cy="2185214"/>
+          </a:xfrm>
+          <a:prstGeom prst="rect">
+            <a:avLst/>
+          </a:prstGeom>
+          <a:noFill/>
+        </p:spPr>
+        <p:txBody>
+          <a:bodyPr wrap="square">
+            <a:spAutoFit/>
+          </a:bodyPr>
+          <a:lstStyle/>
+          <a:p>
+            <a:pPr marL="285750" marR="0" lvl="0" indent="-285750" algn="l" defTabSz="914400" rtl="0" eaLnBrk="0" fontAlgn="base" latinLnBrk="0" hangingPunct="0">
+              <a:lnSpc>
+                <a:spcPct val="100000"/>
+              </a:lnSpc>
+              <a:spcBef>
+                <a:spcPct val="0"/>
+              </a:spcBef>
+              <a:spcAft>
+                <a:spcPct val="0"/>
+              </a:spcAft>
+              <a:buClrTx/>
+              <a:buSzTx/>
+              <a:buFont typeface="Wingdings" panose="05000000000000000000" pitchFamily="2" charset="2"/>
+              <a:buChar char="q"/>
+              <a:tabLst/>
             </a:pPr>
             <a:r>
-              <a:rPr lang="fr-FR" dirty="0"/>
-              <a:t>Agent IA:</a:t>
-            </a:r>
-          </a:p>
-          <a:p>
-            <a:pPr>
-              <a:buFontTx/>
-              <a:buChar char="-"/>
+              <a:rPr kumimoji="0" lang="fr-FR" altLang="fr-FR" sz="1700" b="1" i="0" u="none" strike="noStrike" cap="none" normalizeH="0" baseline="0" dirty="0">
+                <a:ln>
+                  <a:noFill/>
+                </a:ln>
+                <a:solidFill>
+                  <a:schemeClr val="tx1"/>
+                </a:solidFill>
+                <a:effectLst/>
+                <a:latin typeface="Arial" panose="020B0604020202020204" pitchFamily="34" charset="0"/>
+              </a:rPr>
+              <a:t>Console / Utilisateur</a:t>
+            </a:r>
+            <a:r>
+              <a:rPr kumimoji="0" lang="fr-FR" altLang="fr-FR" sz="1700" b="0" i="0" u="none" strike="noStrike" cap="none" normalizeH="0" baseline="0" dirty="0">
+                <a:ln>
+                  <a:noFill/>
+                </a:ln>
+                <a:solidFill>
+                  <a:schemeClr val="tx1"/>
+                </a:solidFill>
+                <a:effectLst/>
+                <a:latin typeface="Arial" panose="020B0604020202020204" pitchFamily="34" charset="0"/>
+              </a:rPr>
+              <a:t> : Interaction initiale de l'utilisateur.</a:t>
+            </a:r>
+          </a:p>
+          <a:p>
+            <a:pPr marL="285750" marR="0" lvl="0" indent="-285750" algn="l" defTabSz="914400" rtl="0" eaLnBrk="0" fontAlgn="base" latinLnBrk="0" hangingPunct="0">
+              <a:lnSpc>
+                <a:spcPct val="100000"/>
+              </a:lnSpc>
+              <a:spcBef>
+                <a:spcPct val="0"/>
+              </a:spcBef>
+              <a:spcAft>
+                <a:spcPct val="0"/>
+              </a:spcAft>
+              <a:buClrTx/>
+              <a:buSzTx/>
+              <a:buFont typeface="Wingdings" panose="05000000000000000000" pitchFamily="2" charset="2"/>
+              <a:buChar char="q"/>
+              <a:tabLst/>
             </a:pPr>
             <a:r>
-              <a:rPr lang="fr-FR" dirty="0"/>
-              <a:t>LLM</a:t>
-            </a:r>
-          </a:p>
-          <a:p>
-            <a:pPr>
-              <a:buFontTx/>
-              <a:buChar char="-"/>
+              <a:rPr kumimoji="0" lang="fr-FR" altLang="fr-FR" sz="1700" b="1" i="0" u="none" strike="noStrike" cap="none" normalizeH="0" baseline="0" dirty="0">
+                <a:ln>
+                  <a:noFill/>
+                </a:ln>
+                <a:solidFill>
+                  <a:schemeClr val="tx1"/>
+                </a:solidFill>
+                <a:effectLst/>
+                <a:latin typeface="Arial" panose="020B0604020202020204" pitchFamily="34" charset="0"/>
+              </a:rPr>
+              <a:t>Agent de décision</a:t>
+            </a:r>
+            <a:r>
+              <a:rPr kumimoji="0" lang="fr-FR" altLang="fr-FR" sz="1700" b="0" i="0" u="none" strike="noStrike" cap="none" normalizeH="0" baseline="0" dirty="0">
+                <a:ln>
+                  <a:noFill/>
+                </a:ln>
+                <a:solidFill>
+                  <a:schemeClr val="tx1"/>
+                </a:solidFill>
+                <a:effectLst/>
+                <a:latin typeface="Arial" panose="020B0604020202020204" pitchFamily="34" charset="0"/>
+              </a:rPr>
+              <a:t> : Prend les décisions en fonction des actions de l'utilisateur.</a:t>
+            </a:r>
+          </a:p>
+          <a:p>
+            <a:pPr marL="285750" marR="0" lvl="0" indent="-285750" algn="l" defTabSz="914400" rtl="0" eaLnBrk="0" fontAlgn="base" latinLnBrk="0" hangingPunct="0">
+              <a:lnSpc>
+                <a:spcPct val="100000"/>
+              </a:lnSpc>
+              <a:spcBef>
+                <a:spcPct val="0"/>
+              </a:spcBef>
+              <a:spcAft>
+                <a:spcPct val="0"/>
+              </a:spcAft>
+              <a:buClrTx/>
+              <a:buSzTx/>
+              <a:buFont typeface="Wingdings" panose="05000000000000000000" pitchFamily="2" charset="2"/>
+              <a:buChar char="q"/>
+              <a:tabLst/>
             </a:pPr>
             <a:r>
-              <a:rPr lang="fr-FR" dirty="0"/>
-              <a:t>des </a:t>
-            </a:r>
-            <a:r>
-              <a:rPr lang="fr-FR" dirty="0" err="1"/>
-              <a:t>tools</a:t>
-            </a:r>
-            <a:r>
-              <a:rPr lang="fr-FR" dirty="0"/>
-              <a:t> (connaissance du monde réel)</a:t>
-            </a:r>
-          </a:p>
-          <a:p>
-            <a:pPr>
-              <a:buFontTx/>
-              <a:buChar char="-"/>
+              <a:rPr kumimoji="0" lang="fr-FR" altLang="fr-FR" sz="1700" b="1" i="0" u="none" strike="noStrike" cap="none" normalizeH="0" baseline="0" dirty="0">
+                <a:ln>
+                  <a:noFill/>
+                </a:ln>
+                <a:solidFill>
+                  <a:schemeClr val="tx1"/>
+                </a:solidFill>
+                <a:effectLst/>
+                <a:latin typeface="Arial" panose="020B0604020202020204" pitchFamily="34" charset="0"/>
+              </a:rPr>
+              <a:t>Agent Entité</a:t>
+            </a:r>
+            <a:r>
+              <a:rPr kumimoji="0" lang="fr-FR" altLang="fr-FR" sz="1700" b="0" i="0" u="none" strike="noStrike" cap="none" normalizeH="0" baseline="0" dirty="0">
+                <a:ln>
+                  <a:noFill/>
+                </a:ln>
+                <a:solidFill>
+                  <a:schemeClr val="tx1"/>
+                </a:solidFill>
+                <a:effectLst/>
+                <a:latin typeface="Arial" panose="020B0604020202020204" pitchFamily="34" charset="0"/>
+              </a:rPr>
+              <a:t> : Gère les entités et objets du jeu.</a:t>
+            </a:r>
+          </a:p>
+          <a:p>
+            <a:pPr marL="285750" marR="0" lvl="0" indent="-285750" algn="l" defTabSz="914400" rtl="0" eaLnBrk="0" fontAlgn="base" latinLnBrk="0" hangingPunct="0">
+              <a:lnSpc>
+                <a:spcPct val="100000"/>
+              </a:lnSpc>
+              <a:spcBef>
+                <a:spcPct val="0"/>
+              </a:spcBef>
+              <a:spcAft>
+                <a:spcPct val="0"/>
+              </a:spcAft>
+              <a:buClrTx/>
+              <a:buSzTx/>
+              <a:buFont typeface="Wingdings" panose="05000000000000000000" pitchFamily="2" charset="2"/>
+              <a:buChar char="q"/>
+              <a:tabLst/>
             </a:pPr>
             <a:r>
-              <a:rPr lang="fr-FR" dirty="0"/>
-              <a:t>Mémoire (mémoire de la conversation actuelle)</a:t>
-            </a:r>
-          </a:p>
-          <a:p>
-            <a:pPr>
-              <a:buFontTx/>
-              <a:buChar char="-"/>
-            </a:pPr>
-            <a:r>
-              <a:rPr lang="fr-FR" dirty="0"/>
-              <a:t>Langchain4j (connexion simplifiée, ajout de </a:t>
-            </a:r>
-            <a:r>
-              <a:rPr lang="fr-FR" dirty="0" err="1"/>
-              <a:t>tools</a:t>
-            </a:r>
-            <a:r>
-              <a:rPr lang="fr-FR" dirty="0"/>
-              <a:t>)</a:t>
-            </a:r>
-          </a:p>
-          <a:p>
-            <a:pPr>
-              <a:buFontTx/>
-              <a:buChar char="-"/>
-            </a:pPr>
-            <a:endParaRPr lang="fr-FR" dirty="0"/>
+              <a:rPr kumimoji="0" lang="fr-FR" altLang="fr-FR" sz="1700" b="1" i="0" u="none" strike="noStrike" cap="none" normalizeH="0" baseline="0" dirty="0">
+                <a:ln>
+                  <a:noFill/>
+                </a:ln>
+                <a:solidFill>
+                  <a:schemeClr val="tx1"/>
+                </a:solidFill>
+                <a:effectLst/>
+                <a:latin typeface="Arial" panose="020B0604020202020204" pitchFamily="34" charset="0"/>
+              </a:rPr>
+              <a:t>Agent Histoire</a:t>
+            </a:r>
+            <a:r>
+              <a:rPr kumimoji="0" lang="fr-FR" altLang="fr-FR" sz="1700" b="0" i="0" u="none" strike="noStrike" cap="none" normalizeH="0" baseline="0" dirty="0">
+                <a:ln>
+                  <a:noFill/>
+                </a:ln>
+                <a:solidFill>
+                  <a:schemeClr val="tx1"/>
+                </a:solidFill>
+                <a:effectLst/>
+                <a:latin typeface="Arial" panose="020B0604020202020204" pitchFamily="34" charset="0"/>
+              </a:rPr>
+              <a:t> : Génère et raconte l’histoire ou les dialogues.</a:t>
+            </a:r>
           </a:p>
         </p:txBody>
       </p:sp>
     </p:spTree>
     <p:extLst>
       <p:ext uri="{BB962C8B-B14F-4D97-AF65-F5344CB8AC3E}">
-        <p14:creationId xmlns:p14="http://schemas.microsoft.com/office/powerpoint/2010/main" val="2011057605"/>
+        <p14:creationId xmlns:p14="http://schemas.microsoft.com/office/powerpoint/2010/main" val="3872452799"/>
+      </p:ext>
+    </p:extLst>
+  </p:cSld>
+  <p:clrMapOvr>
+    <a:masterClrMapping/>
+  </p:clrMapOvr>
+</p:sld>
+</file>
+
+<file path=ppt/slides/slide6.xml><?xml version="1.0" encoding="utf-8"?>
+<p:sld xmlns:a="http://schemas.openxmlformats.org/drawingml/2006/main" xmlns:r="http://schemas.openxmlformats.org/officeDocument/2006/relationships" xmlns:p="http://schemas.openxmlformats.org/presentationml/2006/main">
+  <p:cSld>
+    <p:spTree>
+      <p:nvGrpSpPr>
+        <p:cNvPr id="1" name="">
+          <a:extLst>
+            <a:ext uri="{FF2B5EF4-FFF2-40B4-BE49-F238E27FC236}">
+              <a16:creationId xmlns:a16="http://schemas.microsoft.com/office/drawing/2014/main" id="{5A97B7FE-AC7A-5673-E922-E4CEC7526F99}"/>
+            </a:ext>
+          </a:extLst>
+        </p:cNvPr>
+        <p:cNvGrpSpPr/>
+        <p:nvPr/>
+      </p:nvGrpSpPr>
+      <p:grpSpPr>
+        <a:xfrm>
+          <a:off x="0" y="0"/>
+          <a:ext cx="0" cy="0"/>
+          <a:chOff x="0" y="0"/>
+          <a:chExt cx="0" cy="0"/>
+        </a:xfrm>
+      </p:grpSpPr>
+      <p:sp>
+        <p:nvSpPr>
+          <p:cNvPr id="2" name="Titre 1">
+            <a:extLst>
+              <a:ext uri="{FF2B5EF4-FFF2-40B4-BE49-F238E27FC236}">
+                <a16:creationId xmlns:a16="http://schemas.microsoft.com/office/drawing/2014/main" id="{F668DEC3-F3A9-DB79-57F2-C0CA5E1B6DE0}"/>
+              </a:ext>
+            </a:extLst>
+          </p:cNvPr>
+          <p:cNvSpPr>
+            <a:spLocks noGrp="1"/>
+          </p:cNvSpPr>
+          <p:nvPr>
+            <p:ph type="title"/>
+          </p:nvPr>
+        </p:nvSpPr>
+        <p:spPr/>
+        <p:txBody>
+          <a:bodyPr/>
+          <a:lstStyle/>
+          <a:p>
+            <a:r>
+              <a:rPr lang="fr-FR" dirty="0"/>
+              <a:t>Démonstration / Exemple d’interaction</a:t>
+            </a:r>
+          </a:p>
+        </p:txBody>
+      </p:sp>
+      <p:sp>
+        <p:nvSpPr>
+          <p:cNvPr id="5" name="Rectangle 2">
+            <a:extLst>
+              <a:ext uri="{FF2B5EF4-FFF2-40B4-BE49-F238E27FC236}">
+                <a16:creationId xmlns:a16="http://schemas.microsoft.com/office/drawing/2014/main" id="{4EACF7C6-03AA-FC6E-79CF-4B79BDBC4861}"/>
+              </a:ext>
+            </a:extLst>
+          </p:cNvPr>
+          <p:cNvSpPr>
+            <a:spLocks noChangeArrowheads="1"/>
+          </p:cNvSpPr>
+          <p:nvPr/>
+        </p:nvSpPr>
+        <p:spPr bwMode="auto">
+          <a:xfrm>
+            <a:off x="0" y="-184666"/>
+            <a:ext cx="264816" cy="369332"/>
+          </a:xfrm>
+          <a:prstGeom prst="rect">
+            <a:avLst/>
+          </a:prstGeom>
+          <a:noFill/>
+          <a:ln>
+            <a:noFill/>
+          </a:ln>
+          <a:effectLst/>
+          <a:extLst>
+            <a:ext uri="{909E8E84-426E-40DD-AFC4-6F175D3DCCD1}">
+              <a14:hiddenFill xmlns:a14="http://schemas.microsoft.com/office/drawing/2010/main">
+                <a:solidFill>
+                  <a:schemeClr val="accent1"/>
+                </a:solidFill>
+              </a14:hiddenFill>
+            </a:ext>
+            <a:ext uri="{91240B29-F687-4F45-9708-019B960494DF}">
+              <a14:hiddenLine xmlns:a14="http://schemas.microsoft.com/office/drawing/2010/main" w="9525">
+                <a:solidFill>
+                  <a:schemeClr val="tx1"/>
+                </a:solidFill>
+                <a:miter lim="800000"/>
+                <a:headEnd/>
+                <a:tailEnd/>
+              </a14:hiddenLine>
+            </a:ext>
+            <a:ext uri="{AF507438-7753-43E0-B8FC-AC1667EBCBE1}">
+              <a14:hiddenEffects xmlns:a14="http://schemas.microsoft.com/office/drawing/2010/main">
+                <a:effectLst>
+                  <a:outerShdw dist="35921" dir="2700000" algn="ctr" rotWithShape="0">
+                    <a:schemeClr val="bg2"/>
+                  </a:outerShdw>
+                </a:effectLst>
+              </a14:hiddenEffects>
+            </a:ext>
+          </a:extLst>
+        </p:spPr>
+        <p:txBody>
+          <a:bodyPr vert="horz" wrap="none" lIns="91440" tIns="45720" rIns="91440" bIns="45720" numCol="1" anchor="ctr" anchorCtr="0" compatLnSpc="1">
+            <a:prstTxWarp prst="textNoShape">
+              <a:avLst/>
+            </a:prstTxWarp>
+            <a:spAutoFit/>
+          </a:bodyPr>
+          <a:lstStyle/>
+          <a:p>
+            <a:pPr marL="0" marR="0" lvl="0" indent="0" algn="l" defTabSz="914400" rtl="0" eaLnBrk="0" fontAlgn="base" latinLnBrk="0" hangingPunct="0">
+              <a:lnSpc>
+                <a:spcPct val="100000"/>
+              </a:lnSpc>
+              <a:spcBef>
+                <a:spcPct val="0"/>
+              </a:spcBef>
+              <a:spcAft>
+                <a:spcPct val="0"/>
+              </a:spcAft>
+              <a:buClrTx/>
+              <a:buSzTx/>
+              <a:buFontTx/>
+              <a:buChar char="•"/>
+              <a:tabLst/>
+            </a:pPr>
+            <a:endParaRPr kumimoji="0" lang="fr-FR" altLang="fr-FR" sz="1800" b="0" i="0" u="none" strike="noStrike" cap="none" normalizeH="0" baseline="0" dirty="0">
+              <a:ln>
+                <a:noFill/>
+              </a:ln>
+              <a:solidFill>
+                <a:schemeClr val="tx1"/>
+              </a:solidFill>
+              <a:effectLst/>
+              <a:latin typeface="Arial" panose="020B0604020202020204" pitchFamily="34" charset="0"/>
+            </a:endParaRPr>
+          </a:p>
+        </p:txBody>
+      </p:sp>
+      <p:sp>
+        <p:nvSpPr>
+          <p:cNvPr id="6" name="Espace réservé du contenu 5">
+            <a:extLst>
+              <a:ext uri="{FF2B5EF4-FFF2-40B4-BE49-F238E27FC236}">
+                <a16:creationId xmlns:a16="http://schemas.microsoft.com/office/drawing/2014/main" id="{FC6D76FB-1E9B-2762-82E9-43A8AB0B60CB}"/>
+              </a:ext>
+            </a:extLst>
+          </p:cNvPr>
+          <p:cNvSpPr>
+            <a:spLocks noGrp="1"/>
+          </p:cNvSpPr>
+          <p:nvPr>
+            <p:ph idx="1"/>
+          </p:nvPr>
+        </p:nvSpPr>
+        <p:spPr/>
+        <p:txBody>
+          <a:bodyPr/>
+          <a:lstStyle/>
+          <a:p>
+            <a:endParaRPr lang="fr-FR"/>
+          </a:p>
+        </p:txBody>
+      </p:sp>
+    </p:spTree>
+    <p:extLst>
+      <p:ext uri="{BB962C8B-B14F-4D97-AF65-F5344CB8AC3E}">
+        <p14:creationId xmlns:p14="http://schemas.microsoft.com/office/powerpoint/2010/main" val="3961196222"/>
+      </p:ext>
+    </p:extLst>
+  </p:cSld>
+  <p:clrMapOvr>
+    <a:masterClrMapping/>
+  </p:clrMapOvr>
+</p:sld>
+</file>
+
+<file path=ppt/slides/slide7.xml><?xml version="1.0" encoding="utf-8"?>
+<p:sld xmlns:a="http://schemas.openxmlformats.org/drawingml/2006/main" xmlns:r="http://schemas.openxmlformats.org/officeDocument/2006/relationships" xmlns:p="http://schemas.openxmlformats.org/presentationml/2006/main">
+  <p:cSld>
+    <p:spTree>
+      <p:nvGrpSpPr>
+        <p:cNvPr id="1" name="">
+          <a:extLst>
+            <a:ext uri="{FF2B5EF4-FFF2-40B4-BE49-F238E27FC236}">
+              <a16:creationId xmlns:a16="http://schemas.microsoft.com/office/drawing/2014/main" id="{41B036C6-9076-DEBC-F3B5-0903CB59D530}"/>
+            </a:ext>
+          </a:extLst>
+        </p:cNvPr>
+        <p:cNvGrpSpPr/>
+        <p:nvPr/>
+      </p:nvGrpSpPr>
+      <p:grpSpPr>
+        <a:xfrm>
+          <a:off x="0" y="0"/>
+          <a:ext cx="0" cy="0"/>
+          <a:chOff x="0" y="0"/>
+          <a:chExt cx="0" cy="0"/>
+        </a:xfrm>
+      </p:grpSpPr>
+      <p:sp>
+        <p:nvSpPr>
+          <p:cNvPr id="2" name="Titre 1">
+            <a:extLst>
+              <a:ext uri="{FF2B5EF4-FFF2-40B4-BE49-F238E27FC236}">
+                <a16:creationId xmlns:a16="http://schemas.microsoft.com/office/drawing/2014/main" id="{C6F6FD89-D997-C4B0-0D2C-60B6517D4823}"/>
+              </a:ext>
+            </a:extLst>
+          </p:cNvPr>
+          <p:cNvSpPr>
+            <a:spLocks noGrp="1"/>
+          </p:cNvSpPr>
+          <p:nvPr>
+            <p:ph type="title"/>
+          </p:nvPr>
+        </p:nvSpPr>
+        <p:spPr/>
+        <p:txBody>
+          <a:bodyPr/>
+          <a:lstStyle/>
+          <a:p>
+            <a:r>
+              <a:rPr lang="fr-FR" dirty="0"/>
+              <a:t>Technologies utilisées</a:t>
+            </a:r>
+          </a:p>
+        </p:txBody>
+      </p:sp>
+      <p:sp>
+        <p:nvSpPr>
+          <p:cNvPr id="5" name="Rectangle 2">
+            <a:extLst>
+              <a:ext uri="{FF2B5EF4-FFF2-40B4-BE49-F238E27FC236}">
+                <a16:creationId xmlns:a16="http://schemas.microsoft.com/office/drawing/2014/main" id="{9AEBD77F-D66A-BAE9-AB31-4A40327AD7F8}"/>
+              </a:ext>
+            </a:extLst>
+          </p:cNvPr>
+          <p:cNvSpPr>
+            <a:spLocks noChangeArrowheads="1"/>
+          </p:cNvSpPr>
+          <p:nvPr/>
+        </p:nvSpPr>
+        <p:spPr bwMode="auto">
+          <a:xfrm>
+            <a:off x="0" y="-184666"/>
+            <a:ext cx="264816" cy="369332"/>
+          </a:xfrm>
+          <a:prstGeom prst="rect">
+            <a:avLst/>
+          </a:prstGeom>
+          <a:noFill/>
+          <a:ln>
+            <a:noFill/>
+          </a:ln>
+          <a:effectLst/>
+          <a:extLst>
+            <a:ext uri="{909E8E84-426E-40DD-AFC4-6F175D3DCCD1}">
+              <a14:hiddenFill xmlns:a14="http://schemas.microsoft.com/office/drawing/2010/main">
+                <a:solidFill>
+                  <a:schemeClr val="accent1"/>
+                </a:solidFill>
+              </a14:hiddenFill>
+            </a:ext>
+            <a:ext uri="{91240B29-F687-4F45-9708-019B960494DF}">
+              <a14:hiddenLine xmlns:a14="http://schemas.microsoft.com/office/drawing/2010/main" w="9525">
+                <a:solidFill>
+                  <a:schemeClr val="tx1"/>
+                </a:solidFill>
+                <a:miter lim="800000"/>
+                <a:headEnd/>
+                <a:tailEnd/>
+              </a14:hiddenLine>
+            </a:ext>
+            <a:ext uri="{AF507438-7753-43E0-B8FC-AC1667EBCBE1}">
+              <a14:hiddenEffects xmlns:a14="http://schemas.microsoft.com/office/drawing/2010/main">
+                <a:effectLst>
+                  <a:outerShdw dist="35921" dir="2700000" algn="ctr" rotWithShape="0">
+                    <a:schemeClr val="bg2"/>
+                  </a:outerShdw>
+                </a:effectLst>
+              </a14:hiddenEffects>
+            </a:ext>
+          </a:extLst>
+        </p:spPr>
+        <p:txBody>
+          <a:bodyPr vert="horz" wrap="none" lIns="91440" tIns="45720" rIns="91440" bIns="45720" numCol="1" anchor="ctr" anchorCtr="0" compatLnSpc="1">
+            <a:prstTxWarp prst="textNoShape">
+              <a:avLst/>
+            </a:prstTxWarp>
+            <a:spAutoFit/>
+          </a:bodyPr>
+          <a:lstStyle/>
+          <a:p>
+            <a:pPr marL="0" marR="0" lvl="0" indent="0" algn="l" defTabSz="914400" rtl="0" eaLnBrk="0" fontAlgn="base" latinLnBrk="0" hangingPunct="0">
+              <a:lnSpc>
+                <a:spcPct val="100000"/>
+              </a:lnSpc>
+              <a:spcBef>
+                <a:spcPct val="0"/>
+              </a:spcBef>
+              <a:spcAft>
+                <a:spcPct val="0"/>
+              </a:spcAft>
+              <a:buClrTx/>
+              <a:buSzTx/>
+              <a:buFontTx/>
+              <a:buChar char="•"/>
+              <a:tabLst/>
+            </a:pPr>
+            <a:endParaRPr kumimoji="0" lang="fr-FR" altLang="fr-FR" sz="1800" b="0" i="0" u="none" strike="noStrike" cap="none" normalizeH="0" baseline="0" dirty="0">
+              <a:ln>
+                <a:noFill/>
+              </a:ln>
+              <a:solidFill>
+                <a:schemeClr val="tx1"/>
+              </a:solidFill>
+              <a:effectLst/>
+              <a:latin typeface="Arial" panose="020B0604020202020204" pitchFamily="34" charset="0"/>
+            </a:endParaRPr>
+          </a:p>
+        </p:txBody>
+      </p:sp>
+      <p:graphicFrame>
+        <p:nvGraphicFramePr>
+          <p:cNvPr id="12" name="Espace réservé du contenu 11">
+            <a:extLst>
+              <a:ext uri="{FF2B5EF4-FFF2-40B4-BE49-F238E27FC236}">
+                <a16:creationId xmlns:a16="http://schemas.microsoft.com/office/drawing/2014/main" id="{9CCB10D9-334E-2D10-D9AF-86059725264D}"/>
+              </a:ext>
+            </a:extLst>
+          </p:cNvPr>
+          <p:cNvGraphicFramePr>
+            <a:graphicFrameLocks noGrp="1"/>
+          </p:cNvGraphicFramePr>
+          <p:nvPr>
+            <p:ph idx="1"/>
+            <p:extLst>
+              <p:ext uri="{D42A27DB-BD31-4B8C-83A1-F6EECF244321}">
+                <p14:modId xmlns:p14="http://schemas.microsoft.com/office/powerpoint/2010/main" val="756415079"/>
+              </p:ext>
+            </p:extLst>
+          </p:nvPr>
+        </p:nvGraphicFramePr>
+        <p:xfrm>
+          <a:off x="700088" y="2222500"/>
+          <a:ext cx="10691812" cy="3157220"/>
+        </p:xfrm>
+        <a:graphic>
+          <a:graphicData uri="http://schemas.openxmlformats.org/drawingml/2006/table">
+            <a:tbl>
+              <a:tblPr firstRow="1" bandRow="1">
+                <a:tableStyleId>{5C22544A-7EE6-4342-B048-85BDC9FD1C3A}</a:tableStyleId>
+              </a:tblPr>
+              <a:tblGrid>
+                <a:gridCol w="5345906">
+                  <a:extLst>
+                    <a:ext uri="{9D8B030D-6E8A-4147-A177-3AD203B41FA5}">
+                      <a16:colId xmlns:a16="http://schemas.microsoft.com/office/drawing/2014/main" val="3500236416"/>
+                    </a:ext>
+                  </a:extLst>
+                </a:gridCol>
+                <a:gridCol w="5345906">
+                  <a:extLst>
+                    <a:ext uri="{9D8B030D-6E8A-4147-A177-3AD203B41FA5}">
+                      <a16:colId xmlns:a16="http://schemas.microsoft.com/office/drawing/2014/main" val="2758830786"/>
+                    </a:ext>
+                  </a:extLst>
+                </a:gridCol>
+              </a:tblGrid>
+              <a:tr h="631444">
+                <a:tc>
+                  <a:txBody>
+                    <a:bodyPr/>
+                    <a:lstStyle/>
+                    <a:p>
+                      <a:pPr>
+                        <a:buNone/>
+                      </a:pPr>
+                      <a:r>
+                        <a:rPr lang="fr-FR" sz="2000" dirty="0"/>
+                        <a:t>Catégorie</a:t>
+                      </a:r>
+                    </a:p>
+                  </a:txBody>
+                  <a:tcPr anchor="ctr"/>
+                </a:tc>
+                <a:tc>
+                  <a:txBody>
+                    <a:bodyPr/>
+                    <a:lstStyle/>
+                    <a:p>
+                      <a:pPr>
+                        <a:buNone/>
+                      </a:pPr>
+                      <a:r>
+                        <a:rPr lang="fr-FR" sz="2000" dirty="0"/>
+                        <a:t>Outils / Langages</a:t>
+                      </a:r>
+                    </a:p>
+                  </a:txBody>
+                  <a:tcPr anchor="ctr"/>
+                </a:tc>
+                <a:extLst>
+                  <a:ext uri="{0D108BD9-81ED-4DB2-BD59-A6C34878D82A}">
+                    <a16:rowId xmlns:a16="http://schemas.microsoft.com/office/drawing/2014/main" val="304559582"/>
+                  </a:ext>
+                </a:extLst>
+              </a:tr>
+              <a:tr h="631444">
+                <a:tc>
+                  <a:txBody>
+                    <a:bodyPr/>
+                    <a:lstStyle/>
+                    <a:p>
+                      <a:pPr>
+                        <a:buNone/>
+                      </a:pPr>
+                      <a:r>
+                        <a:rPr lang="fr-FR"/>
+                        <a:t>Langage principal</a:t>
+                      </a:r>
+                    </a:p>
+                  </a:txBody>
+                  <a:tcPr anchor="ctr"/>
+                </a:tc>
+                <a:tc>
+                  <a:txBody>
+                    <a:bodyPr/>
+                    <a:lstStyle/>
+                    <a:p>
+                      <a:pPr>
+                        <a:buNone/>
+                      </a:pPr>
+                      <a:r>
+                        <a:rPr lang="fr-FR"/>
+                        <a:t>Java</a:t>
+                      </a:r>
+                    </a:p>
+                  </a:txBody>
+                  <a:tcPr anchor="ctr"/>
+                </a:tc>
+                <a:extLst>
+                  <a:ext uri="{0D108BD9-81ED-4DB2-BD59-A6C34878D82A}">
+                    <a16:rowId xmlns:a16="http://schemas.microsoft.com/office/drawing/2014/main" val="2535917746"/>
+                  </a:ext>
+                </a:extLst>
+              </a:tr>
+              <a:tr h="631444">
+                <a:tc>
+                  <a:txBody>
+                    <a:bodyPr/>
+                    <a:lstStyle/>
+                    <a:p>
+                      <a:pPr>
+                        <a:buNone/>
+                      </a:pPr>
+                      <a:r>
+                        <a:rPr lang="fr-FR"/>
+                        <a:t>Backend IA</a:t>
+                      </a:r>
+                    </a:p>
+                  </a:txBody>
+                  <a:tcPr anchor="ctr"/>
+                </a:tc>
+                <a:tc>
+                  <a:txBody>
+                    <a:bodyPr/>
+                    <a:lstStyle/>
+                    <a:p>
+                      <a:pPr>
+                        <a:buNone/>
+                      </a:pPr>
+                      <a:r>
+                        <a:rPr lang="fr-FR"/>
+                        <a:t>Ollama</a:t>
+                      </a:r>
+                    </a:p>
+                  </a:txBody>
+                  <a:tcPr anchor="ctr"/>
+                </a:tc>
+                <a:extLst>
+                  <a:ext uri="{0D108BD9-81ED-4DB2-BD59-A6C34878D82A}">
+                    <a16:rowId xmlns:a16="http://schemas.microsoft.com/office/drawing/2014/main" val="1651350796"/>
+                  </a:ext>
+                </a:extLst>
+              </a:tr>
+              <a:tr h="631444">
+                <a:tc>
+                  <a:txBody>
+                    <a:bodyPr/>
+                    <a:lstStyle/>
+                    <a:p>
+                      <a:pPr>
+                        <a:buNone/>
+                      </a:pPr>
+                      <a:r>
+                        <a:rPr lang="fr-FR"/>
+                        <a:t>Librairies</a:t>
+                      </a:r>
+                    </a:p>
+                  </a:txBody>
+                  <a:tcPr anchor="ctr"/>
+                </a:tc>
+                <a:tc>
+                  <a:txBody>
+                    <a:bodyPr/>
+                    <a:lstStyle/>
+                    <a:p>
+                      <a:pPr>
+                        <a:buNone/>
+                      </a:pPr>
+                      <a:r>
+                        <a:rPr lang="en-US"/>
+                        <a:t>HttpClient, Gson/Jackson, JUnit, Mockito</a:t>
+                      </a:r>
+                    </a:p>
+                  </a:txBody>
+                  <a:tcPr anchor="ctr"/>
+                </a:tc>
+                <a:extLst>
+                  <a:ext uri="{0D108BD9-81ED-4DB2-BD59-A6C34878D82A}">
+                    <a16:rowId xmlns:a16="http://schemas.microsoft.com/office/drawing/2014/main" val="3476561751"/>
+                  </a:ext>
+                </a:extLst>
+              </a:tr>
+              <a:tr h="631444">
+                <a:tc>
+                  <a:txBody>
+                    <a:bodyPr/>
+                    <a:lstStyle/>
+                    <a:p>
+                      <a:pPr>
+                        <a:buNone/>
+                      </a:pPr>
+                      <a:r>
+                        <a:rPr lang="fr-FR"/>
+                        <a:t>Collaboration</a:t>
+                      </a:r>
+                    </a:p>
+                  </a:txBody>
+                  <a:tcPr anchor="ctr"/>
+                </a:tc>
+                <a:tc>
+                  <a:txBody>
+                    <a:bodyPr/>
+                    <a:lstStyle/>
+                    <a:p>
+                      <a:pPr>
+                        <a:buNone/>
+                      </a:pPr>
+                      <a:r>
+                        <a:rPr lang="fr-FR" dirty="0"/>
+                        <a:t>GitHub</a:t>
+                      </a:r>
+                    </a:p>
+                  </a:txBody>
+                  <a:tcPr anchor="ctr"/>
+                </a:tc>
+                <a:extLst>
+                  <a:ext uri="{0D108BD9-81ED-4DB2-BD59-A6C34878D82A}">
+                    <a16:rowId xmlns:a16="http://schemas.microsoft.com/office/drawing/2014/main" val="4249705604"/>
+                  </a:ext>
+                </a:extLst>
+              </a:tr>
+            </a:tbl>
+          </a:graphicData>
+        </a:graphic>
+      </p:graphicFrame>
+    </p:spTree>
+    <p:extLst>
+      <p:ext uri="{BB962C8B-B14F-4D97-AF65-F5344CB8AC3E}">
+        <p14:creationId xmlns:p14="http://schemas.microsoft.com/office/powerpoint/2010/main" val="1853886899"/>
+      </p:ext>
+    </p:extLst>
+  </p:cSld>
+  <p:clrMapOvr>
+    <a:masterClrMapping/>
+  </p:clrMapOvr>
+</p:sld>
+</file>
+
+<file path=ppt/slides/slide8.xml><?xml version="1.0" encoding="utf-8"?>
+<p:sld xmlns:a="http://schemas.openxmlformats.org/drawingml/2006/main" xmlns:r="http://schemas.openxmlformats.org/officeDocument/2006/relationships" xmlns:p="http://schemas.openxmlformats.org/presentationml/2006/main">
+  <p:cSld>
+    <p:spTree>
+      <p:nvGrpSpPr>
+        <p:cNvPr id="1" name="">
+          <a:extLst>
+            <a:ext uri="{FF2B5EF4-FFF2-40B4-BE49-F238E27FC236}">
+              <a16:creationId xmlns:a16="http://schemas.microsoft.com/office/drawing/2014/main" id="{CD0CA3D0-E2ED-D509-064B-02F097E21900}"/>
+            </a:ext>
+          </a:extLst>
+        </p:cNvPr>
+        <p:cNvGrpSpPr/>
+        <p:nvPr/>
+      </p:nvGrpSpPr>
+      <p:grpSpPr>
+        <a:xfrm>
+          <a:off x="0" y="0"/>
+          <a:ext cx="0" cy="0"/>
+          <a:chOff x="0" y="0"/>
+          <a:chExt cx="0" cy="0"/>
+        </a:xfrm>
+      </p:grpSpPr>
+      <p:sp>
+        <p:nvSpPr>
+          <p:cNvPr id="2" name="Titre 1">
+            <a:extLst>
+              <a:ext uri="{FF2B5EF4-FFF2-40B4-BE49-F238E27FC236}">
+                <a16:creationId xmlns:a16="http://schemas.microsoft.com/office/drawing/2014/main" id="{F3E114F3-358D-170E-FBEA-07FBE1C62399}"/>
+              </a:ext>
+            </a:extLst>
+          </p:cNvPr>
+          <p:cNvSpPr>
+            <a:spLocks noGrp="1"/>
+          </p:cNvSpPr>
+          <p:nvPr>
+            <p:ph type="title"/>
+          </p:nvPr>
+        </p:nvSpPr>
+        <p:spPr/>
+        <p:txBody>
+          <a:bodyPr/>
+          <a:lstStyle/>
+          <a:p>
+            <a:r>
+              <a:rPr lang="fr-FR" dirty="0"/>
+              <a:t>Conclusion</a:t>
+            </a:r>
+          </a:p>
+        </p:txBody>
+      </p:sp>
+      <p:sp>
+        <p:nvSpPr>
+          <p:cNvPr id="3" name="Espace réservé du contenu 2">
+            <a:extLst>
+              <a:ext uri="{FF2B5EF4-FFF2-40B4-BE49-F238E27FC236}">
+                <a16:creationId xmlns:a16="http://schemas.microsoft.com/office/drawing/2014/main" id="{C6FEC905-8B1C-AB22-65E0-924FB25F215C}"/>
+              </a:ext>
+            </a:extLst>
+          </p:cNvPr>
+          <p:cNvSpPr>
+            <a:spLocks noGrp="1"/>
+          </p:cNvSpPr>
+          <p:nvPr>
+            <p:ph idx="1"/>
+          </p:nvPr>
+        </p:nvSpPr>
+        <p:spPr/>
+        <p:txBody>
+          <a:bodyPr/>
+          <a:lstStyle/>
+          <a:p>
+            <a:pPr lvl="0" eaLnBrk="0" fontAlgn="base" hangingPunct="0">
+              <a:lnSpc>
+                <a:spcPct val="100000"/>
+              </a:lnSpc>
+              <a:spcBef>
+                <a:spcPct val="0"/>
+              </a:spcBef>
+              <a:spcAft>
+                <a:spcPct val="0"/>
+              </a:spcAft>
+              <a:buFont typeface="Wingdings" panose="05000000000000000000" pitchFamily="2" charset="2"/>
+              <a:buChar char="q"/>
+            </a:pPr>
+            <a:r>
+              <a:rPr lang="fr-FR" altLang="fr-FR" dirty="0">
+                <a:latin typeface="Arial" panose="020B0604020202020204" pitchFamily="34" charset="0"/>
+              </a:rPr>
+              <a:t>Projet permet de créer un jeu interactif où l'utilisateur influence l'histoire.</a:t>
+            </a:r>
+          </a:p>
+          <a:p>
+            <a:pPr lvl="0" eaLnBrk="0" fontAlgn="base" hangingPunct="0">
+              <a:lnSpc>
+                <a:spcPct val="100000"/>
+              </a:lnSpc>
+              <a:spcBef>
+                <a:spcPct val="0"/>
+              </a:spcBef>
+              <a:spcAft>
+                <a:spcPct val="0"/>
+              </a:spcAft>
+              <a:buFont typeface="Wingdings" panose="05000000000000000000" pitchFamily="2" charset="2"/>
+              <a:buChar char="q"/>
+            </a:pPr>
+            <a:endParaRPr lang="fr-FR" altLang="fr-FR" dirty="0">
+              <a:latin typeface="Arial" panose="020B0604020202020204" pitchFamily="34" charset="0"/>
+            </a:endParaRPr>
+          </a:p>
+          <a:p>
+            <a:pPr lvl="0" eaLnBrk="0" fontAlgn="base" hangingPunct="0">
+              <a:lnSpc>
+                <a:spcPct val="100000"/>
+              </a:lnSpc>
+              <a:spcBef>
+                <a:spcPct val="0"/>
+              </a:spcBef>
+              <a:spcAft>
+                <a:spcPct val="0"/>
+              </a:spcAft>
+              <a:buFont typeface="Wingdings" panose="05000000000000000000" pitchFamily="2" charset="2"/>
+              <a:buChar char="q"/>
+            </a:pPr>
+            <a:r>
+              <a:rPr lang="fr-FR" altLang="fr-FR" dirty="0">
+                <a:latin typeface="Arial" panose="020B0604020202020204" pitchFamily="34" charset="0"/>
+              </a:rPr>
+              <a:t>L'utilisation de l'IA et d'une architecture modulaire offre un système flexible.</a:t>
+            </a:r>
+          </a:p>
+          <a:p>
+            <a:pPr lvl="0" eaLnBrk="0" fontAlgn="base" hangingPunct="0">
+              <a:lnSpc>
+                <a:spcPct val="100000"/>
+              </a:lnSpc>
+              <a:spcBef>
+                <a:spcPct val="0"/>
+              </a:spcBef>
+              <a:spcAft>
+                <a:spcPct val="0"/>
+              </a:spcAft>
+              <a:buFont typeface="Wingdings" panose="05000000000000000000" pitchFamily="2" charset="2"/>
+              <a:buChar char="q"/>
+            </a:pPr>
+            <a:endParaRPr lang="fr-FR" altLang="fr-FR" dirty="0">
+              <a:latin typeface="Arial" panose="020B0604020202020204" pitchFamily="34" charset="0"/>
+            </a:endParaRPr>
+          </a:p>
+          <a:p>
+            <a:pPr lvl="0" eaLnBrk="0" fontAlgn="base" hangingPunct="0">
+              <a:lnSpc>
+                <a:spcPct val="100000"/>
+              </a:lnSpc>
+              <a:spcBef>
+                <a:spcPct val="0"/>
+              </a:spcBef>
+              <a:spcAft>
+                <a:spcPct val="0"/>
+              </a:spcAft>
+              <a:buFont typeface="Wingdings" panose="05000000000000000000" pitchFamily="2" charset="2"/>
+              <a:buChar char="q"/>
+            </a:pPr>
+            <a:r>
+              <a:rPr lang="fr-FR" altLang="fr-FR" dirty="0">
+                <a:latin typeface="Arial" panose="020B0604020202020204" pitchFamily="34" charset="0"/>
+              </a:rPr>
+              <a:t>Le projet a permis d'appliquer de bonnes pratiques de programmation.</a:t>
+            </a:r>
+          </a:p>
+          <a:p>
+            <a:pPr lvl="0" eaLnBrk="0" fontAlgn="base" hangingPunct="0">
+              <a:lnSpc>
+                <a:spcPct val="100000"/>
+              </a:lnSpc>
+              <a:spcBef>
+                <a:spcPct val="0"/>
+              </a:spcBef>
+              <a:spcAft>
+                <a:spcPct val="0"/>
+              </a:spcAft>
+              <a:buFont typeface="Wingdings" panose="05000000000000000000" pitchFamily="2" charset="2"/>
+              <a:buChar char="q"/>
+            </a:pPr>
+            <a:endParaRPr lang="fr-FR" altLang="fr-FR" dirty="0">
+              <a:latin typeface="Arial" panose="020B0604020202020204" pitchFamily="34" charset="0"/>
+            </a:endParaRPr>
+          </a:p>
+          <a:p>
+            <a:pPr lvl="0" eaLnBrk="0" fontAlgn="base" hangingPunct="0">
+              <a:lnSpc>
+                <a:spcPct val="100000"/>
+              </a:lnSpc>
+              <a:spcBef>
+                <a:spcPct val="0"/>
+              </a:spcBef>
+              <a:spcAft>
+                <a:spcPct val="0"/>
+              </a:spcAft>
+              <a:buFont typeface="Wingdings" panose="05000000000000000000" pitchFamily="2" charset="2"/>
+              <a:buChar char="q"/>
+            </a:pPr>
+            <a:r>
+              <a:rPr lang="fr-FR" altLang="fr-FR" dirty="0">
+                <a:latin typeface="Arial" panose="020B0604020202020204" pitchFamily="34" charset="0"/>
+              </a:rPr>
+              <a:t>Des améliorations sont possibles, comme une interface graphique et une mémoire persistante.</a:t>
+            </a:r>
+            <a:endParaRPr lang="fr-FR" dirty="0"/>
+          </a:p>
+          <a:p>
+            <a:endParaRPr lang="fr-FR" dirty="0"/>
+          </a:p>
+          <a:p>
+            <a:endParaRPr lang="fr-FR" dirty="0"/>
+          </a:p>
+        </p:txBody>
+      </p:sp>
+      <p:sp>
+        <p:nvSpPr>
+          <p:cNvPr id="5" name="Rectangle 2">
+            <a:extLst>
+              <a:ext uri="{FF2B5EF4-FFF2-40B4-BE49-F238E27FC236}">
+                <a16:creationId xmlns:a16="http://schemas.microsoft.com/office/drawing/2014/main" id="{6FCDC980-071F-B07B-0245-7F25BE65D81D}"/>
+              </a:ext>
+            </a:extLst>
+          </p:cNvPr>
+          <p:cNvSpPr>
+            <a:spLocks noChangeArrowheads="1"/>
+          </p:cNvSpPr>
+          <p:nvPr/>
+        </p:nvSpPr>
+        <p:spPr bwMode="auto">
+          <a:xfrm>
+            <a:off x="0" y="-184666"/>
+            <a:ext cx="264816" cy="369332"/>
+          </a:xfrm>
+          <a:prstGeom prst="rect">
+            <a:avLst/>
+          </a:prstGeom>
+          <a:noFill/>
+          <a:ln>
+            <a:noFill/>
+          </a:ln>
+          <a:effectLst/>
+          <a:extLst>
+            <a:ext uri="{909E8E84-426E-40DD-AFC4-6F175D3DCCD1}">
+              <a14:hiddenFill xmlns:a14="http://schemas.microsoft.com/office/drawing/2010/main">
+                <a:solidFill>
+                  <a:schemeClr val="accent1"/>
+                </a:solidFill>
+              </a14:hiddenFill>
+            </a:ext>
+            <a:ext uri="{91240B29-F687-4F45-9708-019B960494DF}">
+              <a14:hiddenLine xmlns:a14="http://schemas.microsoft.com/office/drawing/2010/main" w="9525">
+                <a:solidFill>
+                  <a:schemeClr val="tx1"/>
+                </a:solidFill>
+                <a:miter lim="800000"/>
+                <a:headEnd/>
+                <a:tailEnd/>
+              </a14:hiddenLine>
+            </a:ext>
+            <a:ext uri="{AF507438-7753-43E0-B8FC-AC1667EBCBE1}">
+              <a14:hiddenEffects xmlns:a14="http://schemas.microsoft.com/office/drawing/2010/main">
+                <a:effectLst>
+                  <a:outerShdw dist="35921" dir="2700000" algn="ctr" rotWithShape="0">
+                    <a:schemeClr val="bg2"/>
+                  </a:outerShdw>
+                </a:effectLst>
+              </a14:hiddenEffects>
+            </a:ext>
+          </a:extLst>
+        </p:spPr>
+        <p:txBody>
+          <a:bodyPr vert="horz" wrap="none" lIns="91440" tIns="45720" rIns="91440" bIns="45720" numCol="1" anchor="ctr" anchorCtr="0" compatLnSpc="1">
+            <a:prstTxWarp prst="textNoShape">
+              <a:avLst/>
+            </a:prstTxWarp>
+            <a:spAutoFit/>
+          </a:bodyPr>
+          <a:lstStyle/>
+          <a:p>
+            <a:pPr marL="0" marR="0" lvl="0" indent="0" algn="l" defTabSz="914400" rtl="0" eaLnBrk="0" fontAlgn="base" latinLnBrk="0" hangingPunct="0">
+              <a:lnSpc>
+                <a:spcPct val="100000"/>
+              </a:lnSpc>
+              <a:spcBef>
+                <a:spcPct val="0"/>
+              </a:spcBef>
+              <a:spcAft>
+                <a:spcPct val="0"/>
+              </a:spcAft>
+              <a:buClrTx/>
+              <a:buSzTx/>
+              <a:buFontTx/>
+              <a:buChar char="•"/>
+              <a:tabLst/>
+            </a:pPr>
+            <a:endParaRPr kumimoji="0" lang="fr-FR" altLang="fr-FR" sz="1800" b="0" i="0" u="none" strike="noStrike" cap="none" normalizeH="0" baseline="0" dirty="0">
+              <a:ln>
+                <a:noFill/>
+              </a:ln>
+              <a:solidFill>
+                <a:schemeClr val="tx1"/>
+              </a:solidFill>
+              <a:effectLst/>
+              <a:latin typeface="Arial" panose="020B0604020202020204" pitchFamily="34" charset="0"/>
+            </a:endParaRPr>
+          </a:p>
+        </p:txBody>
+      </p:sp>
+      <p:sp>
+        <p:nvSpPr>
+          <p:cNvPr id="4" name="Rectangle 1">
+            <a:extLst>
+              <a:ext uri="{FF2B5EF4-FFF2-40B4-BE49-F238E27FC236}">
+                <a16:creationId xmlns:a16="http://schemas.microsoft.com/office/drawing/2014/main" id="{4369A9CA-3413-ADA3-5219-409A4BED9B44}"/>
+              </a:ext>
+            </a:extLst>
+          </p:cNvPr>
+          <p:cNvSpPr>
+            <a:spLocks noChangeArrowheads="1"/>
+          </p:cNvSpPr>
+          <p:nvPr/>
+        </p:nvSpPr>
+        <p:spPr bwMode="auto">
+          <a:xfrm>
+            <a:off x="0" y="-184666"/>
+            <a:ext cx="328936" cy="369332"/>
+          </a:xfrm>
+          <a:prstGeom prst="rect">
+            <a:avLst/>
+          </a:prstGeom>
+          <a:noFill/>
+          <a:ln>
+            <a:noFill/>
+          </a:ln>
+          <a:effectLst/>
+          <a:extLst>
+            <a:ext uri="{909E8E84-426E-40DD-AFC4-6F175D3DCCD1}">
+              <a14:hiddenFill xmlns:a14="http://schemas.microsoft.com/office/drawing/2010/main">
+                <a:solidFill>
+                  <a:schemeClr val="accent1"/>
+                </a:solidFill>
+              </a14:hiddenFill>
+            </a:ext>
+            <a:ext uri="{91240B29-F687-4F45-9708-019B960494DF}">
+              <a14:hiddenLine xmlns:a14="http://schemas.microsoft.com/office/drawing/2010/main" w="9525">
+                <a:solidFill>
+                  <a:schemeClr val="tx1"/>
+                </a:solidFill>
+                <a:miter lim="800000"/>
+                <a:headEnd/>
+                <a:tailEnd/>
+              </a14:hiddenLine>
+            </a:ext>
+            <a:ext uri="{AF507438-7753-43E0-B8FC-AC1667EBCBE1}">
+              <a14:hiddenEffects xmlns:a14="http://schemas.microsoft.com/office/drawing/2010/main">
+                <a:effectLst>
+                  <a:outerShdw dist="35921" dir="2700000" algn="ctr" rotWithShape="0">
+                    <a:schemeClr val="bg2"/>
+                  </a:outerShdw>
+                </a:effectLst>
+              </a14:hiddenEffects>
+            </a:ext>
+          </a:extLst>
+        </p:spPr>
+        <p:txBody>
+          <a:bodyPr vert="horz" wrap="none" lIns="91440" tIns="45720" rIns="91440" bIns="45720" numCol="1" anchor="ctr" anchorCtr="0" compatLnSpc="1">
+            <a:prstTxWarp prst="textNoShape">
+              <a:avLst/>
+            </a:prstTxWarp>
+            <a:spAutoFit/>
+          </a:bodyPr>
+          <a:lstStyle/>
+          <a:p>
+            <a:pPr marL="0" marR="0" lvl="0" indent="0" algn="l" defTabSz="914400" rtl="0" eaLnBrk="0" fontAlgn="base" latinLnBrk="0" hangingPunct="0">
+              <a:lnSpc>
+                <a:spcPct val="100000"/>
+              </a:lnSpc>
+              <a:spcBef>
+                <a:spcPct val="0"/>
+              </a:spcBef>
+              <a:spcAft>
+                <a:spcPct val="0"/>
+              </a:spcAft>
+              <a:buClrTx/>
+              <a:buSzTx/>
+              <a:buFontTx/>
+              <a:buChar char="•"/>
+              <a:tabLst/>
+            </a:pPr>
+            <a:r>
+              <a:rPr kumimoji="0" lang="fr-FR" altLang="fr-FR" sz="1800" b="0" i="0" u="none" strike="noStrike" cap="none" normalizeH="0" baseline="0" dirty="0">
+                <a:ln>
+                  <a:noFill/>
+                </a:ln>
+                <a:solidFill>
+                  <a:schemeClr val="tx1"/>
+                </a:solidFill>
+                <a:effectLst/>
+                <a:latin typeface="Arial" panose="020B0604020202020204" pitchFamily="34" charset="0"/>
+              </a:rPr>
+              <a:t>.</a:t>
+            </a:r>
+          </a:p>
+        </p:txBody>
+      </p:sp>
+    </p:spTree>
+    <p:extLst>
+      <p:ext uri="{BB962C8B-B14F-4D97-AF65-F5344CB8AC3E}">
+        <p14:creationId xmlns:p14="http://schemas.microsoft.com/office/powerpoint/2010/main" val="2772795611"/>
       </p:ext>
     </p:extLst>
   </p:cSld>
